--- a/docs/mods/co3/figure 2.pptx
+++ b/docs/mods/co3/figure 2.pptx
@@ -10,14 +10,14 @@
   <p:sldIdLst>
     <p:sldId id="256" r:id="rId2"/>
   </p:sldIdLst>
-  <p:sldSz cx="5143500" cy="9144000" type="screen16x9"/>
+  <p:sldSz cx="6858000" cy="9906000" type="A4"/>
   <p:notesSz cx="6858000" cy="9144000"/>
   <p:defaultTextStyle>
     <a:defPPr>
       <a:defRPr lang="en-US"/>
     </a:defPPr>
-    <a:lvl1pPr marL="0" algn="l" defTabSz="457200" rtl="0" eaLnBrk="1" latinLnBrk="0" hangingPunct="1">
-      <a:defRPr sz="1800" kern="1200">
+    <a:lvl1pPr marL="0" algn="l" defTabSz="536433" rtl="0" eaLnBrk="1" latinLnBrk="0" hangingPunct="1">
+      <a:defRPr sz="2100" kern="1200">
         <a:solidFill>
           <a:schemeClr val="tx1"/>
         </a:solidFill>
@@ -26,8 +26,8 @@
         <a:cs typeface="+mn-cs"/>
       </a:defRPr>
     </a:lvl1pPr>
-    <a:lvl2pPr marL="457200" algn="l" defTabSz="457200" rtl="0" eaLnBrk="1" latinLnBrk="0" hangingPunct="1">
-      <a:defRPr sz="1800" kern="1200">
+    <a:lvl2pPr marL="536433" algn="l" defTabSz="536433" rtl="0" eaLnBrk="1" latinLnBrk="0" hangingPunct="1">
+      <a:defRPr sz="2100" kern="1200">
         <a:solidFill>
           <a:schemeClr val="tx1"/>
         </a:solidFill>
@@ -36,8 +36,8 @@
         <a:cs typeface="+mn-cs"/>
       </a:defRPr>
     </a:lvl2pPr>
-    <a:lvl3pPr marL="914400" algn="l" defTabSz="457200" rtl="0" eaLnBrk="1" latinLnBrk="0" hangingPunct="1">
-      <a:defRPr sz="1800" kern="1200">
+    <a:lvl3pPr marL="1072866" algn="l" defTabSz="536433" rtl="0" eaLnBrk="1" latinLnBrk="0" hangingPunct="1">
+      <a:defRPr sz="2100" kern="1200">
         <a:solidFill>
           <a:schemeClr val="tx1"/>
         </a:solidFill>
@@ -46,8 +46,8 @@
         <a:cs typeface="+mn-cs"/>
       </a:defRPr>
     </a:lvl3pPr>
-    <a:lvl4pPr marL="1371600" algn="l" defTabSz="457200" rtl="0" eaLnBrk="1" latinLnBrk="0" hangingPunct="1">
-      <a:defRPr sz="1800" kern="1200">
+    <a:lvl4pPr marL="1609298" algn="l" defTabSz="536433" rtl="0" eaLnBrk="1" latinLnBrk="0" hangingPunct="1">
+      <a:defRPr sz="2100" kern="1200">
         <a:solidFill>
           <a:schemeClr val="tx1"/>
         </a:solidFill>
@@ -56,8 +56,8 @@
         <a:cs typeface="+mn-cs"/>
       </a:defRPr>
     </a:lvl4pPr>
-    <a:lvl5pPr marL="1828800" algn="l" defTabSz="457200" rtl="0" eaLnBrk="1" latinLnBrk="0" hangingPunct="1">
-      <a:defRPr sz="1800" kern="1200">
+    <a:lvl5pPr marL="2145731" algn="l" defTabSz="536433" rtl="0" eaLnBrk="1" latinLnBrk="0" hangingPunct="1">
+      <a:defRPr sz="2100" kern="1200">
         <a:solidFill>
           <a:schemeClr val="tx1"/>
         </a:solidFill>
@@ -66,8 +66,8 @@
         <a:cs typeface="+mn-cs"/>
       </a:defRPr>
     </a:lvl5pPr>
-    <a:lvl6pPr marL="2286000" algn="l" defTabSz="457200" rtl="0" eaLnBrk="1" latinLnBrk="0" hangingPunct="1">
-      <a:defRPr sz="1800" kern="1200">
+    <a:lvl6pPr marL="2682164" algn="l" defTabSz="536433" rtl="0" eaLnBrk="1" latinLnBrk="0" hangingPunct="1">
+      <a:defRPr sz="2100" kern="1200">
         <a:solidFill>
           <a:schemeClr val="tx1"/>
         </a:solidFill>
@@ -76,8 +76,8 @@
         <a:cs typeface="+mn-cs"/>
       </a:defRPr>
     </a:lvl6pPr>
-    <a:lvl7pPr marL="2743200" algn="l" defTabSz="457200" rtl="0" eaLnBrk="1" latinLnBrk="0" hangingPunct="1">
-      <a:defRPr sz="1800" kern="1200">
+    <a:lvl7pPr marL="3218597" algn="l" defTabSz="536433" rtl="0" eaLnBrk="1" latinLnBrk="0" hangingPunct="1">
+      <a:defRPr sz="2100" kern="1200">
         <a:solidFill>
           <a:schemeClr val="tx1"/>
         </a:solidFill>
@@ -86,8 +86,8 @@
         <a:cs typeface="+mn-cs"/>
       </a:defRPr>
     </a:lvl7pPr>
-    <a:lvl8pPr marL="3200400" algn="l" defTabSz="457200" rtl="0" eaLnBrk="1" latinLnBrk="0" hangingPunct="1">
-      <a:defRPr sz="1800" kern="1200">
+    <a:lvl8pPr marL="3755029" algn="l" defTabSz="536433" rtl="0" eaLnBrk="1" latinLnBrk="0" hangingPunct="1">
+      <a:defRPr sz="2100" kern="1200">
         <a:solidFill>
           <a:schemeClr val="tx1"/>
         </a:solidFill>
@@ -96,8 +96,8 @@
         <a:cs typeface="+mn-cs"/>
       </a:defRPr>
     </a:lvl8pPr>
-    <a:lvl9pPr marL="3657600" algn="l" defTabSz="457200" rtl="0" eaLnBrk="1" latinLnBrk="0" hangingPunct="1">
-      <a:defRPr sz="1800" kern="1200">
+    <a:lvl9pPr marL="4291462" algn="l" defTabSz="536433" rtl="0" eaLnBrk="1" latinLnBrk="0" hangingPunct="1">
+      <a:defRPr sz="2100" kern="1200">
         <a:solidFill>
           <a:schemeClr val="tx1"/>
         </a:solidFill>
@@ -193,7 +193,7 @@
             <a:fld id="{99A1547A-3FF5-504E-BEF0-D1EA7EDC7D60}" type="datetimeFigureOut">
               <a:rPr lang="en-US" smtClean="0"/>
               <a:pPr/>
-              <a:t>5/30/14</a:t>
+              <a:t>6/4/14</a:t>
             </a:fld>
             <a:endParaRPr lang="en-US"/>
           </a:p>
@@ -211,8 +211,8 @@
         </p:nvSpPr>
         <p:spPr>
           <a:xfrm>
-            <a:off x="2463800" y="685800"/>
-            <a:ext cx="1930400" cy="3429000"/>
+            <a:off x="2243138" y="685800"/>
+            <a:ext cx="2371725" cy="3429000"/>
           </a:xfrm>
           <a:prstGeom prst="rect">
             <a:avLst/>
@@ -365,8 +365,8 @@
   </p:cSld>
   <p:clrMap bg1="lt1" tx1="dk1" bg2="lt2" tx2="dk2" accent1="accent1" accent2="accent2" accent3="accent3" accent4="accent4" accent5="accent5" accent6="accent6" hlink="hlink" folHlink="folHlink"/>
   <p:notesStyle>
-    <a:lvl1pPr marL="0" algn="l" defTabSz="457200" rtl="0" eaLnBrk="1" latinLnBrk="0" hangingPunct="1">
-      <a:defRPr sz="1200" kern="1200">
+    <a:lvl1pPr marL="0" algn="l" defTabSz="536433" rtl="0" eaLnBrk="1" latinLnBrk="0" hangingPunct="1">
+      <a:defRPr sz="1400" kern="1200">
         <a:solidFill>
           <a:schemeClr val="tx1"/>
         </a:solidFill>
@@ -375,8 +375,8 @@
         <a:cs typeface="+mn-cs"/>
       </a:defRPr>
     </a:lvl1pPr>
-    <a:lvl2pPr marL="457200" algn="l" defTabSz="457200" rtl="0" eaLnBrk="1" latinLnBrk="0" hangingPunct="1">
-      <a:defRPr sz="1200" kern="1200">
+    <a:lvl2pPr marL="536433" algn="l" defTabSz="536433" rtl="0" eaLnBrk="1" latinLnBrk="0" hangingPunct="1">
+      <a:defRPr sz="1400" kern="1200">
         <a:solidFill>
           <a:schemeClr val="tx1"/>
         </a:solidFill>
@@ -385,8 +385,8 @@
         <a:cs typeface="+mn-cs"/>
       </a:defRPr>
     </a:lvl2pPr>
-    <a:lvl3pPr marL="914400" algn="l" defTabSz="457200" rtl="0" eaLnBrk="1" latinLnBrk="0" hangingPunct="1">
-      <a:defRPr sz="1200" kern="1200">
+    <a:lvl3pPr marL="1072866" algn="l" defTabSz="536433" rtl="0" eaLnBrk="1" latinLnBrk="0" hangingPunct="1">
+      <a:defRPr sz="1400" kern="1200">
         <a:solidFill>
           <a:schemeClr val="tx1"/>
         </a:solidFill>
@@ -395,8 +395,8 @@
         <a:cs typeface="+mn-cs"/>
       </a:defRPr>
     </a:lvl3pPr>
-    <a:lvl4pPr marL="1371600" algn="l" defTabSz="457200" rtl="0" eaLnBrk="1" latinLnBrk="0" hangingPunct="1">
-      <a:defRPr sz="1200" kern="1200">
+    <a:lvl4pPr marL="1609298" algn="l" defTabSz="536433" rtl="0" eaLnBrk="1" latinLnBrk="0" hangingPunct="1">
+      <a:defRPr sz="1400" kern="1200">
         <a:solidFill>
           <a:schemeClr val="tx1"/>
         </a:solidFill>
@@ -405,8 +405,8 @@
         <a:cs typeface="+mn-cs"/>
       </a:defRPr>
     </a:lvl4pPr>
-    <a:lvl5pPr marL="1828800" algn="l" defTabSz="457200" rtl="0" eaLnBrk="1" latinLnBrk="0" hangingPunct="1">
-      <a:defRPr sz="1200" kern="1200">
+    <a:lvl5pPr marL="2145731" algn="l" defTabSz="536433" rtl="0" eaLnBrk="1" latinLnBrk="0" hangingPunct="1">
+      <a:defRPr sz="1400" kern="1200">
         <a:solidFill>
           <a:schemeClr val="tx1"/>
         </a:solidFill>
@@ -415,8 +415,8 @@
         <a:cs typeface="+mn-cs"/>
       </a:defRPr>
     </a:lvl5pPr>
-    <a:lvl6pPr marL="2286000" algn="l" defTabSz="457200" rtl="0" eaLnBrk="1" latinLnBrk="0" hangingPunct="1">
-      <a:defRPr sz="1200" kern="1200">
+    <a:lvl6pPr marL="2682164" algn="l" defTabSz="536433" rtl="0" eaLnBrk="1" latinLnBrk="0" hangingPunct="1">
+      <a:defRPr sz="1400" kern="1200">
         <a:solidFill>
           <a:schemeClr val="tx1"/>
         </a:solidFill>
@@ -425,8 +425,8 @@
         <a:cs typeface="+mn-cs"/>
       </a:defRPr>
     </a:lvl6pPr>
-    <a:lvl7pPr marL="2743200" algn="l" defTabSz="457200" rtl="0" eaLnBrk="1" latinLnBrk="0" hangingPunct="1">
-      <a:defRPr sz="1200" kern="1200">
+    <a:lvl7pPr marL="3218597" algn="l" defTabSz="536433" rtl="0" eaLnBrk="1" latinLnBrk="0" hangingPunct="1">
+      <a:defRPr sz="1400" kern="1200">
         <a:solidFill>
           <a:schemeClr val="tx1"/>
         </a:solidFill>
@@ -435,8 +435,8 @@
         <a:cs typeface="+mn-cs"/>
       </a:defRPr>
     </a:lvl7pPr>
-    <a:lvl8pPr marL="3200400" algn="l" defTabSz="457200" rtl="0" eaLnBrk="1" latinLnBrk="0" hangingPunct="1">
-      <a:defRPr sz="1200" kern="1200">
+    <a:lvl8pPr marL="3755029" algn="l" defTabSz="536433" rtl="0" eaLnBrk="1" latinLnBrk="0" hangingPunct="1">
+      <a:defRPr sz="1400" kern="1200">
         <a:solidFill>
           <a:schemeClr val="tx1"/>
         </a:solidFill>
@@ -445,8 +445,8 @@
         <a:cs typeface="+mn-cs"/>
       </a:defRPr>
     </a:lvl8pPr>
-    <a:lvl9pPr marL="3657600" algn="l" defTabSz="457200" rtl="0" eaLnBrk="1" latinLnBrk="0" hangingPunct="1">
-      <a:defRPr sz="1200" kern="1200">
+    <a:lvl9pPr marL="4291462" algn="l" defTabSz="536433" rtl="0" eaLnBrk="1" latinLnBrk="0" hangingPunct="1">
+      <a:defRPr sz="1400" kern="1200">
         <a:solidFill>
           <a:schemeClr val="tx1"/>
         </a:solidFill>
@@ -486,7 +486,12 @@
             <p:ph type="sldImg"/>
           </p:nvPr>
         </p:nvSpPr>
-        <p:spPr/>
+        <p:spPr>
+          <a:xfrm>
+            <a:off x="2243138" y="685800"/>
+            <a:ext cx="2371725" cy="3429000"/>
+          </a:xfrm>
+        </p:spPr>
       </p:sp>
       <p:sp>
         <p:nvSpPr>
@@ -570,8 +575,8 @@
         </p:nvSpPr>
         <p:spPr>
           <a:xfrm>
-            <a:off x="385763" y="2840569"/>
-            <a:ext cx="4371975" cy="1960033"/>
+            <a:off x="514351" y="3077284"/>
+            <a:ext cx="5829300" cy="2123369"/>
           </a:xfrm>
         </p:spPr>
         <p:txBody>
@@ -598,8 +603,8 @@
         </p:nvSpPr>
         <p:spPr>
           <a:xfrm>
-            <a:off x="771525" y="5181600"/>
-            <a:ext cx="3600450" cy="2336800"/>
+            <a:off x="1028700" y="5613400"/>
+            <a:ext cx="4800600" cy="2531533"/>
           </a:xfrm>
         </p:spPr>
         <p:txBody>
@@ -615,7 +620,7 @@
                 </a:solidFill>
               </a:defRPr>
             </a:lvl1pPr>
-            <a:lvl2pPr marL="457200" indent="0" algn="ctr">
+            <a:lvl2pPr marL="536433" indent="0" algn="ctr">
               <a:buNone/>
               <a:defRPr>
                 <a:solidFill>
@@ -625,7 +630,7 @@
                 </a:solidFill>
               </a:defRPr>
             </a:lvl2pPr>
-            <a:lvl3pPr marL="914400" indent="0" algn="ctr">
+            <a:lvl3pPr marL="1072866" indent="0" algn="ctr">
               <a:buNone/>
               <a:defRPr>
                 <a:solidFill>
@@ -635,7 +640,7 @@
                 </a:solidFill>
               </a:defRPr>
             </a:lvl3pPr>
-            <a:lvl4pPr marL="1371600" indent="0" algn="ctr">
+            <a:lvl4pPr marL="1609298" indent="0" algn="ctr">
               <a:buNone/>
               <a:defRPr>
                 <a:solidFill>
@@ -645,7 +650,7 @@
                 </a:solidFill>
               </a:defRPr>
             </a:lvl4pPr>
-            <a:lvl5pPr marL="1828800" indent="0" algn="ctr">
+            <a:lvl5pPr marL="2145731" indent="0" algn="ctr">
               <a:buNone/>
               <a:defRPr>
                 <a:solidFill>
@@ -655,7 +660,7 @@
                 </a:solidFill>
               </a:defRPr>
             </a:lvl5pPr>
-            <a:lvl6pPr marL="2286000" indent="0" algn="ctr">
+            <a:lvl6pPr marL="2682164" indent="0" algn="ctr">
               <a:buNone/>
               <a:defRPr>
                 <a:solidFill>
@@ -665,7 +670,7 @@
                 </a:solidFill>
               </a:defRPr>
             </a:lvl6pPr>
-            <a:lvl7pPr marL="2743200" indent="0" algn="ctr">
+            <a:lvl7pPr marL="3218597" indent="0" algn="ctr">
               <a:buNone/>
               <a:defRPr>
                 <a:solidFill>
@@ -675,7 +680,7 @@
                 </a:solidFill>
               </a:defRPr>
             </a:lvl7pPr>
-            <a:lvl8pPr marL="3200400" indent="0" algn="ctr">
+            <a:lvl8pPr marL="3755029" indent="0" algn="ctr">
               <a:buNone/>
               <a:defRPr>
                 <a:solidFill>
@@ -685,7 +690,7 @@
                 </a:solidFill>
               </a:defRPr>
             </a:lvl8pPr>
-            <a:lvl9pPr marL="3657600" indent="0" algn="ctr">
+            <a:lvl9pPr marL="4291462" indent="0" algn="ctr">
               <a:buNone/>
               <a:defRPr>
                 <a:solidFill>
@@ -723,7 +728,7 @@
             <a:fld id="{33287EDE-16F6-484B-A33C-1CF8F64AC343}" type="datetimeFigureOut">
               <a:rPr lang="en-US" smtClean="0"/>
               <a:pPr/>
-              <a:t>5/30/14</a:t>
+              <a:t>6/4/14</a:t>
             </a:fld>
             <a:endParaRPr lang="en-US"/>
           </a:p>
@@ -890,7 +895,7 @@
             <a:fld id="{33287EDE-16F6-484B-A33C-1CF8F64AC343}" type="datetimeFigureOut">
               <a:rPr lang="en-US" smtClean="0"/>
               <a:pPr/>
-              <a:t>5/30/14</a:t>
+              <a:t>6/4/14</a:t>
             </a:fld>
             <a:endParaRPr lang="en-US"/>
           </a:p>
@@ -976,8 +981,8 @@
         </p:nvSpPr>
         <p:spPr>
           <a:xfrm>
-            <a:off x="2796778" y="488951"/>
-            <a:ext cx="867966" cy="10401300"/>
+            <a:off x="3729037" y="529697"/>
+            <a:ext cx="1157288" cy="11268075"/>
           </a:xfrm>
         </p:spPr>
         <p:txBody>
@@ -1004,8 +1009,8 @@
         </p:nvSpPr>
         <p:spPr>
           <a:xfrm>
-            <a:off x="192882" y="488951"/>
-            <a:ext cx="2518172" cy="10401300"/>
+            <a:off x="257176" y="529697"/>
+            <a:ext cx="3357563" cy="11268075"/>
           </a:xfrm>
         </p:spPr>
         <p:txBody>
@@ -1067,7 +1072,7 @@
             <a:fld id="{33287EDE-16F6-484B-A33C-1CF8F64AC343}" type="datetimeFigureOut">
               <a:rPr lang="en-US" smtClean="0"/>
               <a:pPr/>
-              <a:t>5/30/14</a:t>
+              <a:t>6/4/14</a:t>
             </a:fld>
             <a:endParaRPr lang="en-US"/>
           </a:p>
@@ -1234,7 +1239,7 @@
             <a:fld id="{33287EDE-16F6-484B-A33C-1CF8F64AC343}" type="datetimeFigureOut">
               <a:rPr lang="en-US" smtClean="0"/>
               <a:pPr/>
-              <a:t>5/30/14</a:t>
+              <a:t>6/4/14</a:t>
             </a:fld>
             <a:endParaRPr lang="en-US"/>
           </a:p>
@@ -1320,15 +1325,15 @@
         </p:nvSpPr>
         <p:spPr>
           <a:xfrm>
-            <a:off x="406301" y="5875867"/>
-            <a:ext cx="4371975" cy="1816100"/>
+            <a:off x="541735" y="6365522"/>
+            <a:ext cx="5829300" cy="1967442"/>
           </a:xfrm>
         </p:spPr>
         <p:txBody>
           <a:bodyPr anchor="t"/>
           <a:lstStyle>
             <a:lvl1pPr algn="l">
-              <a:defRPr sz="4000" b="1" cap="all"/>
+              <a:defRPr sz="4700" b="1" cap="all"/>
             </a:lvl1pPr>
           </a:lstStyle>
           <a:p>
@@ -1352,8 +1357,8 @@
         </p:nvSpPr>
         <p:spPr>
           <a:xfrm>
-            <a:off x="406301" y="3875619"/>
-            <a:ext cx="4371975" cy="2000249"/>
+            <a:off x="541735" y="4198588"/>
+            <a:ext cx="5829300" cy="2166936"/>
           </a:xfrm>
         </p:spPr>
         <p:txBody>
@@ -1361,7 +1366,7 @@
           <a:lstStyle>
             <a:lvl1pPr marL="0" indent="0">
               <a:buNone/>
-              <a:defRPr sz="2000">
+              <a:defRPr sz="2300">
                 <a:solidFill>
                   <a:schemeClr val="tx1">
                     <a:tint val="75000"/>
@@ -1369,9 +1374,9 @@
                 </a:solidFill>
               </a:defRPr>
             </a:lvl1pPr>
-            <a:lvl2pPr marL="457200" indent="0">
+            <a:lvl2pPr marL="536433" indent="0">
               <a:buNone/>
-              <a:defRPr sz="1800">
+              <a:defRPr sz="2100">
                 <a:solidFill>
                   <a:schemeClr val="tx1">
                     <a:tint val="75000"/>
@@ -1379,7 +1384,17 @@
                 </a:solidFill>
               </a:defRPr>
             </a:lvl2pPr>
-            <a:lvl3pPr marL="914400" indent="0">
+            <a:lvl3pPr marL="1072866" indent="0">
+              <a:buNone/>
+              <a:defRPr sz="1900">
+                <a:solidFill>
+                  <a:schemeClr val="tx1">
+                    <a:tint val="75000"/>
+                  </a:schemeClr>
+                </a:solidFill>
+              </a:defRPr>
+            </a:lvl3pPr>
+            <a:lvl4pPr marL="1609298" indent="0">
               <a:buNone/>
               <a:defRPr sz="1600">
                 <a:solidFill>
@@ -1388,20 +1403,10 @@
                   </a:schemeClr>
                 </a:solidFill>
               </a:defRPr>
-            </a:lvl3pPr>
-            <a:lvl4pPr marL="1371600" indent="0">
+            </a:lvl4pPr>
+            <a:lvl5pPr marL="2145731" indent="0">
               <a:buNone/>
-              <a:defRPr sz="1400">
-                <a:solidFill>
-                  <a:schemeClr val="tx1">
-                    <a:tint val="75000"/>
-                  </a:schemeClr>
-                </a:solidFill>
-              </a:defRPr>
-            </a:lvl4pPr>
-            <a:lvl5pPr marL="1828800" indent="0">
-              <a:buNone/>
-              <a:defRPr sz="1400">
+              <a:defRPr sz="1600">
                 <a:solidFill>
                   <a:schemeClr val="tx1">
                     <a:tint val="75000"/>
@@ -1409,9 +1414,9 @@
                 </a:solidFill>
               </a:defRPr>
             </a:lvl5pPr>
-            <a:lvl6pPr marL="2286000" indent="0">
+            <a:lvl6pPr marL="2682164" indent="0">
               <a:buNone/>
-              <a:defRPr sz="1400">
+              <a:defRPr sz="1600">
                 <a:solidFill>
                   <a:schemeClr val="tx1">
                     <a:tint val="75000"/>
@@ -1419,9 +1424,9 @@
                 </a:solidFill>
               </a:defRPr>
             </a:lvl6pPr>
-            <a:lvl7pPr marL="2743200" indent="0">
+            <a:lvl7pPr marL="3218597" indent="0">
               <a:buNone/>
-              <a:defRPr sz="1400">
+              <a:defRPr sz="1600">
                 <a:solidFill>
                   <a:schemeClr val="tx1">
                     <a:tint val="75000"/>
@@ -1429,9 +1434,9 @@
                 </a:solidFill>
               </a:defRPr>
             </a:lvl7pPr>
-            <a:lvl8pPr marL="3200400" indent="0">
+            <a:lvl8pPr marL="3755029" indent="0">
               <a:buNone/>
-              <a:defRPr sz="1400">
+              <a:defRPr sz="1600">
                 <a:solidFill>
                   <a:schemeClr val="tx1">
                     <a:tint val="75000"/>
@@ -1439,9 +1444,9 @@
                 </a:solidFill>
               </a:defRPr>
             </a:lvl8pPr>
-            <a:lvl9pPr marL="3657600" indent="0">
+            <a:lvl9pPr marL="4291462" indent="0">
               <a:buNone/>
-              <a:defRPr sz="1400">
+              <a:defRPr sz="1600">
                 <a:solidFill>
                   <a:schemeClr val="tx1">
                     <a:tint val="75000"/>
@@ -1477,7 +1482,7 @@
             <a:fld id="{33287EDE-16F6-484B-A33C-1CF8F64AC343}" type="datetimeFigureOut">
               <a:rPr lang="en-US" smtClean="0"/>
               <a:pPr/>
-              <a:t>5/30/14</a:t>
+              <a:t>6/4/14</a:t>
             </a:fld>
             <a:endParaRPr lang="en-US"/>
           </a:p>
@@ -1586,39 +1591,39 @@
         </p:nvSpPr>
         <p:spPr>
           <a:xfrm>
-            <a:off x="192882" y="2844801"/>
-            <a:ext cx="1693069" cy="8045451"/>
+            <a:off x="257177" y="3081868"/>
+            <a:ext cx="2257425" cy="8715905"/>
           </a:xfrm>
         </p:spPr>
         <p:txBody>
           <a:bodyPr/>
           <a:lstStyle>
             <a:lvl1pPr>
-              <a:defRPr sz="2800"/>
+              <a:defRPr sz="3300"/>
             </a:lvl1pPr>
             <a:lvl2pPr>
-              <a:defRPr sz="2400"/>
+              <a:defRPr sz="2800"/>
             </a:lvl2pPr>
             <a:lvl3pPr>
-              <a:defRPr sz="2000"/>
+              <a:defRPr sz="2300"/>
             </a:lvl3pPr>
             <a:lvl4pPr>
-              <a:defRPr sz="1800"/>
+              <a:defRPr sz="2100"/>
             </a:lvl4pPr>
             <a:lvl5pPr>
-              <a:defRPr sz="1800"/>
+              <a:defRPr sz="2100"/>
             </a:lvl5pPr>
             <a:lvl6pPr>
-              <a:defRPr sz="1800"/>
+              <a:defRPr sz="2100"/>
             </a:lvl6pPr>
             <a:lvl7pPr>
-              <a:defRPr sz="1800"/>
+              <a:defRPr sz="2100"/>
             </a:lvl7pPr>
             <a:lvl8pPr>
-              <a:defRPr sz="1800"/>
+              <a:defRPr sz="2100"/>
             </a:lvl8pPr>
             <a:lvl9pPr>
-              <a:defRPr sz="1800"/>
+              <a:defRPr sz="2100"/>
             </a:lvl9pPr>
           </a:lstStyle>
           <a:p>
@@ -1671,39 +1676,39 @@
         </p:nvSpPr>
         <p:spPr>
           <a:xfrm>
-            <a:off x="1971675" y="2844801"/>
-            <a:ext cx="1693069" cy="8045451"/>
+            <a:off x="2628901" y="3081868"/>
+            <a:ext cx="2257425" cy="8715905"/>
           </a:xfrm>
         </p:spPr>
         <p:txBody>
           <a:bodyPr/>
           <a:lstStyle>
             <a:lvl1pPr>
-              <a:defRPr sz="2800"/>
+              <a:defRPr sz="3300"/>
             </a:lvl1pPr>
             <a:lvl2pPr>
-              <a:defRPr sz="2400"/>
+              <a:defRPr sz="2800"/>
             </a:lvl2pPr>
             <a:lvl3pPr>
-              <a:defRPr sz="2000"/>
+              <a:defRPr sz="2300"/>
             </a:lvl3pPr>
             <a:lvl4pPr>
-              <a:defRPr sz="1800"/>
+              <a:defRPr sz="2100"/>
             </a:lvl4pPr>
             <a:lvl5pPr>
-              <a:defRPr sz="1800"/>
+              <a:defRPr sz="2100"/>
             </a:lvl5pPr>
             <a:lvl6pPr>
-              <a:defRPr sz="1800"/>
+              <a:defRPr sz="2100"/>
             </a:lvl6pPr>
             <a:lvl7pPr>
-              <a:defRPr sz="1800"/>
+              <a:defRPr sz="2100"/>
             </a:lvl7pPr>
             <a:lvl8pPr>
-              <a:defRPr sz="1800"/>
+              <a:defRPr sz="2100"/>
             </a:lvl8pPr>
             <a:lvl9pPr>
-              <a:defRPr sz="1800"/>
+              <a:defRPr sz="2100"/>
             </a:lvl9pPr>
           </a:lstStyle>
           <a:p>
@@ -1762,7 +1767,7 @@
             <a:fld id="{33287EDE-16F6-484B-A33C-1CF8F64AC343}" type="datetimeFigureOut">
               <a:rPr lang="en-US" smtClean="0"/>
               <a:pPr/>
-              <a:t>5/30/14</a:t>
+              <a:t>6/4/14</a:t>
             </a:fld>
             <a:endParaRPr lang="en-US"/>
           </a:p>
@@ -1848,8 +1853,8 @@
         </p:nvSpPr>
         <p:spPr>
           <a:xfrm>
-            <a:off x="257175" y="366184"/>
-            <a:ext cx="4629150" cy="1524000"/>
+            <a:off x="342900" y="396699"/>
+            <a:ext cx="6172200" cy="1651000"/>
           </a:xfrm>
         </p:spPr>
         <p:txBody>
@@ -1880,8 +1885,8 @@
         </p:nvSpPr>
         <p:spPr>
           <a:xfrm>
-            <a:off x="257175" y="2046817"/>
-            <a:ext cx="2272606" cy="853016"/>
+            <a:off x="342900" y="2217385"/>
+            <a:ext cx="3030141" cy="924101"/>
           </a:xfrm>
         </p:spPr>
         <p:txBody>
@@ -1889,39 +1894,39 @@
           <a:lstStyle>
             <a:lvl1pPr marL="0" indent="0">
               <a:buNone/>
-              <a:defRPr sz="2400" b="1"/>
+              <a:defRPr sz="2800" b="1"/>
             </a:lvl1pPr>
-            <a:lvl2pPr marL="457200" indent="0">
+            <a:lvl2pPr marL="536433" indent="0">
               <a:buNone/>
-              <a:defRPr sz="2000" b="1"/>
+              <a:defRPr sz="2300" b="1"/>
             </a:lvl2pPr>
-            <a:lvl3pPr marL="914400" indent="0">
+            <a:lvl3pPr marL="1072866" indent="0">
               <a:buNone/>
-              <a:defRPr sz="1800" b="1"/>
+              <a:defRPr sz="2100" b="1"/>
             </a:lvl3pPr>
-            <a:lvl4pPr marL="1371600" indent="0">
+            <a:lvl4pPr marL="1609298" indent="0">
               <a:buNone/>
-              <a:defRPr sz="1600" b="1"/>
+              <a:defRPr sz="1900" b="1"/>
             </a:lvl4pPr>
-            <a:lvl5pPr marL="1828800" indent="0">
+            <a:lvl5pPr marL="2145731" indent="0">
               <a:buNone/>
-              <a:defRPr sz="1600" b="1"/>
+              <a:defRPr sz="1900" b="1"/>
             </a:lvl5pPr>
-            <a:lvl6pPr marL="2286000" indent="0">
+            <a:lvl6pPr marL="2682164" indent="0">
               <a:buNone/>
-              <a:defRPr sz="1600" b="1"/>
+              <a:defRPr sz="1900" b="1"/>
             </a:lvl6pPr>
-            <a:lvl7pPr marL="2743200" indent="0">
+            <a:lvl7pPr marL="3218597" indent="0">
               <a:buNone/>
-              <a:defRPr sz="1600" b="1"/>
+              <a:defRPr sz="1900" b="1"/>
             </a:lvl7pPr>
-            <a:lvl8pPr marL="3200400" indent="0">
+            <a:lvl8pPr marL="3755029" indent="0">
               <a:buNone/>
-              <a:defRPr sz="1600" b="1"/>
+              <a:defRPr sz="1900" b="1"/>
             </a:lvl8pPr>
-            <a:lvl9pPr marL="3657600" indent="0">
+            <a:lvl9pPr marL="4291462" indent="0">
               <a:buNone/>
-              <a:defRPr sz="1600" b="1"/>
+              <a:defRPr sz="1900" b="1"/>
             </a:lvl9pPr>
           </a:lstStyle>
           <a:p>
@@ -1945,39 +1950,39 @@
         </p:nvSpPr>
         <p:spPr>
           <a:xfrm>
-            <a:off x="257175" y="2899833"/>
-            <a:ext cx="2272606" cy="5268384"/>
+            <a:off x="342900" y="3141486"/>
+            <a:ext cx="3030141" cy="5707416"/>
           </a:xfrm>
         </p:spPr>
         <p:txBody>
           <a:bodyPr/>
           <a:lstStyle>
             <a:lvl1pPr>
-              <a:defRPr sz="2400"/>
+              <a:defRPr sz="2800"/>
             </a:lvl1pPr>
             <a:lvl2pPr>
-              <a:defRPr sz="2000"/>
+              <a:defRPr sz="2300"/>
             </a:lvl2pPr>
             <a:lvl3pPr>
-              <a:defRPr sz="1800"/>
+              <a:defRPr sz="2100"/>
             </a:lvl3pPr>
             <a:lvl4pPr>
-              <a:defRPr sz="1600"/>
+              <a:defRPr sz="1900"/>
             </a:lvl4pPr>
             <a:lvl5pPr>
-              <a:defRPr sz="1600"/>
+              <a:defRPr sz="1900"/>
             </a:lvl5pPr>
             <a:lvl6pPr>
-              <a:defRPr sz="1600"/>
+              <a:defRPr sz="1900"/>
             </a:lvl6pPr>
             <a:lvl7pPr>
-              <a:defRPr sz="1600"/>
+              <a:defRPr sz="1900"/>
             </a:lvl7pPr>
             <a:lvl8pPr>
-              <a:defRPr sz="1600"/>
+              <a:defRPr sz="1900"/>
             </a:lvl8pPr>
             <a:lvl9pPr>
-              <a:defRPr sz="1600"/>
+              <a:defRPr sz="1900"/>
             </a:lvl9pPr>
           </a:lstStyle>
           <a:p>
@@ -2030,8 +2035,8 @@
         </p:nvSpPr>
         <p:spPr>
           <a:xfrm>
-            <a:off x="2612827" y="2046817"/>
-            <a:ext cx="2273498" cy="853016"/>
+            <a:off x="3483769" y="2217385"/>
+            <a:ext cx="3031331" cy="924101"/>
           </a:xfrm>
         </p:spPr>
         <p:txBody>
@@ -2039,39 +2044,39 @@
           <a:lstStyle>
             <a:lvl1pPr marL="0" indent="0">
               <a:buNone/>
-              <a:defRPr sz="2400" b="1"/>
+              <a:defRPr sz="2800" b="1"/>
             </a:lvl1pPr>
-            <a:lvl2pPr marL="457200" indent="0">
+            <a:lvl2pPr marL="536433" indent="0">
               <a:buNone/>
-              <a:defRPr sz="2000" b="1"/>
+              <a:defRPr sz="2300" b="1"/>
             </a:lvl2pPr>
-            <a:lvl3pPr marL="914400" indent="0">
+            <a:lvl3pPr marL="1072866" indent="0">
               <a:buNone/>
-              <a:defRPr sz="1800" b="1"/>
+              <a:defRPr sz="2100" b="1"/>
             </a:lvl3pPr>
-            <a:lvl4pPr marL="1371600" indent="0">
+            <a:lvl4pPr marL="1609298" indent="0">
               <a:buNone/>
-              <a:defRPr sz="1600" b="1"/>
+              <a:defRPr sz="1900" b="1"/>
             </a:lvl4pPr>
-            <a:lvl5pPr marL="1828800" indent="0">
+            <a:lvl5pPr marL="2145731" indent="0">
               <a:buNone/>
-              <a:defRPr sz="1600" b="1"/>
+              <a:defRPr sz="1900" b="1"/>
             </a:lvl5pPr>
-            <a:lvl6pPr marL="2286000" indent="0">
+            <a:lvl6pPr marL="2682164" indent="0">
               <a:buNone/>
-              <a:defRPr sz="1600" b="1"/>
+              <a:defRPr sz="1900" b="1"/>
             </a:lvl6pPr>
-            <a:lvl7pPr marL="2743200" indent="0">
+            <a:lvl7pPr marL="3218597" indent="0">
               <a:buNone/>
-              <a:defRPr sz="1600" b="1"/>
+              <a:defRPr sz="1900" b="1"/>
             </a:lvl7pPr>
-            <a:lvl8pPr marL="3200400" indent="0">
+            <a:lvl8pPr marL="3755029" indent="0">
               <a:buNone/>
-              <a:defRPr sz="1600" b="1"/>
+              <a:defRPr sz="1900" b="1"/>
             </a:lvl8pPr>
-            <a:lvl9pPr marL="3657600" indent="0">
+            <a:lvl9pPr marL="4291462" indent="0">
               <a:buNone/>
-              <a:defRPr sz="1600" b="1"/>
+              <a:defRPr sz="1900" b="1"/>
             </a:lvl9pPr>
           </a:lstStyle>
           <a:p>
@@ -2095,39 +2100,39 @@
         </p:nvSpPr>
         <p:spPr>
           <a:xfrm>
-            <a:off x="2612827" y="2899833"/>
-            <a:ext cx="2273498" cy="5268384"/>
+            <a:off x="3483769" y="3141486"/>
+            <a:ext cx="3031331" cy="5707416"/>
           </a:xfrm>
         </p:spPr>
         <p:txBody>
           <a:bodyPr/>
           <a:lstStyle>
             <a:lvl1pPr>
-              <a:defRPr sz="2400"/>
+              <a:defRPr sz="2800"/>
             </a:lvl1pPr>
             <a:lvl2pPr>
-              <a:defRPr sz="2000"/>
+              <a:defRPr sz="2300"/>
             </a:lvl2pPr>
             <a:lvl3pPr>
-              <a:defRPr sz="1800"/>
+              <a:defRPr sz="2100"/>
             </a:lvl3pPr>
             <a:lvl4pPr>
-              <a:defRPr sz="1600"/>
+              <a:defRPr sz="1900"/>
             </a:lvl4pPr>
             <a:lvl5pPr>
-              <a:defRPr sz="1600"/>
+              <a:defRPr sz="1900"/>
             </a:lvl5pPr>
             <a:lvl6pPr>
-              <a:defRPr sz="1600"/>
+              <a:defRPr sz="1900"/>
             </a:lvl6pPr>
             <a:lvl7pPr>
-              <a:defRPr sz="1600"/>
+              <a:defRPr sz="1900"/>
             </a:lvl7pPr>
             <a:lvl8pPr>
-              <a:defRPr sz="1600"/>
+              <a:defRPr sz="1900"/>
             </a:lvl8pPr>
             <a:lvl9pPr>
-              <a:defRPr sz="1600"/>
+              <a:defRPr sz="1900"/>
             </a:lvl9pPr>
           </a:lstStyle>
           <a:p>
@@ -2186,7 +2191,7 @@
             <a:fld id="{33287EDE-16F6-484B-A33C-1CF8F64AC343}" type="datetimeFigureOut">
               <a:rPr lang="en-US" smtClean="0"/>
               <a:pPr/>
-              <a:t>5/30/14</a:t>
+              <a:t>6/4/14</a:t>
             </a:fld>
             <a:endParaRPr lang="en-US"/>
           </a:p>
@@ -2301,7 +2306,7 @@
             <a:fld id="{33287EDE-16F6-484B-A33C-1CF8F64AC343}" type="datetimeFigureOut">
               <a:rPr lang="en-US" smtClean="0"/>
               <a:pPr/>
-              <a:t>5/30/14</a:t>
+              <a:t>6/4/14</a:t>
             </a:fld>
             <a:endParaRPr lang="en-US"/>
           </a:p>
@@ -2393,7 +2398,7 @@
             <a:fld id="{33287EDE-16F6-484B-A33C-1CF8F64AC343}" type="datetimeFigureOut">
               <a:rPr lang="en-US" smtClean="0"/>
               <a:pPr/>
-              <a:t>5/30/14</a:t>
+              <a:t>6/4/14</a:t>
             </a:fld>
             <a:endParaRPr lang="en-US"/>
           </a:p>
@@ -2479,15 +2484,15 @@
         </p:nvSpPr>
         <p:spPr>
           <a:xfrm>
-            <a:off x="257176" y="364067"/>
-            <a:ext cx="1692176" cy="1549400"/>
+            <a:off x="342901" y="394406"/>
+            <a:ext cx="2256235" cy="1678517"/>
           </a:xfrm>
         </p:spPr>
         <p:txBody>
           <a:bodyPr anchor="b"/>
           <a:lstStyle>
             <a:lvl1pPr algn="l">
-              <a:defRPr sz="2000" b="1"/>
+              <a:defRPr sz="2300" b="1"/>
             </a:lvl1pPr>
           </a:lstStyle>
           <a:p>
@@ -2511,39 +2516,39 @@
         </p:nvSpPr>
         <p:spPr>
           <a:xfrm>
-            <a:off x="2010965" y="364068"/>
-            <a:ext cx="2875360" cy="7804151"/>
+            <a:off x="2681287" y="394408"/>
+            <a:ext cx="3833813" cy="8454497"/>
           </a:xfrm>
         </p:spPr>
         <p:txBody>
           <a:bodyPr/>
           <a:lstStyle>
             <a:lvl1pPr>
-              <a:defRPr sz="3200"/>
+              <a:defRPr sz="3800"/>
             </a:lvl1pPr>
             <a:lvl2pPr>
-              <a:defRPr sz="2800"/>
+              <a:defRPr sz="3300"/>
             </a:lvl2pPr>
             <a:lvl3pPr>
-              <a:defRPr sz="2400"/>
+              <a:defRPr sz="2800"/>
             </a:lvl3pPr>
             <a:lvl4pPr>
-              <a:defRPr sz="2000"/>
+              <a:defRPr sz="2300"/>
             </a:lvl4pPr>
             <a:lvl5pPr>
-              <a:defRPr sz="2000"/>
+              <a:defRPr sz="2300"/>
             </a:lvl5pPr>
             <a:lvl6pPr>
-              <a:defRPr sz="2000"/>
+              <a:defRPr sz="2300"/>
             </a:lvl6pPr>
             <a:lvl7pPr>
-              <a:defRPr sz="2000"/>
+              <a:defRPr sz="2300"/>
             </a:lvl7pPr>
             <a:lvl8pPr>
-              <a:defRPr sz="2000"/>
+              <a:defRPr sz="2300"/>
             </a:lvl8pPr>
             <a:lvl9pPr>
-              <a:defRPr sz="2000"/>
+              <a:defRPr sz="2300"/>
             </a:lvl9pPr>
           </a:lstStyle>
           <a:p>
@@ -2596,8 +2601,8 @@
         </p:nvSpPr>
         <p:spPr>
           <a:xfrm>
-            <a:off x="257176" y="1913468"/>
-            <a:ext cx="1692176" cy="6254751"/>
+            <a:off x="342901" y="2072924"/>
+            <a:ext cx="2256235" cy="6775980"/>
           </a:xfrm>
         </p:spPr>
         <p:txBody>
@@ -2605,39 +2610,39 @@
           <a:lstStyle>
             <a:lvl1pPr marL="0" indent="0">
               <a:buNone/>
+              <a:defRPr sz="1600"/>
+            </a:lvl1pPr>
+            <a:lvl2pPr marL="536433" indent="0">
+              <a:buNone/>
               <a:defRPr sz="1400"/>
-            </a:lvl1pPr>
-            <a:lvl2pPr marL="457200" indent="0">
+            </a:lvl2pPr>
+            <a:lvl3pPr marL="1072866" indent="0">
               <a:buNone/>
               <a:defRPr sz="1200"/>
-            </a:lvl2pPr>
-            <a:lvl3pPr marL="914400" indent="0">
+            </a:lvl3pPr>
+            <a:lvl4pPr marL="1609298" indent="0">
               <a:buNone/>
-              <a:defRPr sz="1000"/>
-            </a:lvl3pPr>
-            <a:lvl4pPr marL="1371600" indent="0">
+              <a:defRPr sz="1100"/>
+            </a:lvl4pPr>
+            <a:lvl5pPr marL="2145731" indent="0">
               <a:buNone/>
-              <a:defRPr sz="900"/>
-            </a:lvl4pPr>
-            <a:lvl5pPr marL="1828800" indent="0">
+              <a:defRPr sz="1100"/>
+            </a:lvl5pPr>
+            <a:lvl6pPr marL="2682164" indent="0">
               <a:buNone/>
-              <a:defRPr sz="900"/>
-            </a:lvl5pPr>
-            <a:lvl6pPr marL="2286000" indent="0">
+              <a:defRPr sz="1100"/>
+            </a:lvl6pPr>
+            <a:lvl7pPr marL="3218597" indent="0">
               <a:buNone/>
-              <a:defRPr sz="900"/>
-            </a:lvl6pPr>
-            <a:lvl7pPr marL="2743200" indent="0">
+              <a:defRPr sz="1100"/>
+            </a:lvl7pPr>
+            <a:lvl8pPr marL="3755029" indent="0">
               <a:buNone/>
-              <a:defRPr sz="900"/>
-            </a:lvl7pPr>
-            <a:lvl8pPr marL="3200400" indent="0">
+              <a:defRPr sz="1100"/>
+            </a:lvl8pPr>
+            <a:lvl9pPr marL="4291462" indent="0">
               <a:buNone/>
-              <a:defRPr sz="900"/>
-            </a:lvl8pPr>
-            <a:lvl9pPr marL="3657600" indent="0">
-              <a:buNone/>
-              <a:defRPr sz="900"/>
+              <a:defRPr sz="1100"/>
             </a:lvl9pPr>
           </a:lstStyle>
           <a:p>
@@ -2667,7 +2672,7 @@
             <a:fld id="{33287EDE-16F6-484B-A33C-1CF8F64AC343}" type="datetimeFigureOut">
               <a:rPr lang="en-US" smtClean="0"/>
               <a:pPr/>
-              <a:t>5/30/14</a:t>
+              <a:t>6/4/14</a:t>
             </a:fld>
             <a:endParaRPr lang="en-US"/>
           </a:p>
@@ -2753,15 +2758,15 @@
         </p:nvSpPr>
         <p:spPr>
           <a:xfrm>
-            <a:off x="1008162" y="6400801"/>
-            <a:ext cx="3086100" cy="755651"/>
+            <a:off x="1344216" y="6934202"/>
+            <a:ext cx="4114800" cy="818622"/>
           </a:xfrm>
         </p:spPr>
         <p:txBody>
           <a:bodyPr anchor="b"/>
           <a:lstStyle>
             <a:lvl1pPr algn="l">
-              <a:defRPr sz="2000" b="1"/>
+              <a:defRPr sz="2300" b="1"/>
             </a:lvl1pPr>
           </a:lstStyle>
           <a:p>
@@ -2785,8 +2790,8 @@
         </p:nvSpPr>
         <p:spPr>
           <a:xfrm>
-            <a:off x="1008162" y="817033"/>
-            <a:ext cx="3086100" cy="5486400"/>
+            <a:off x="1344216" y="885119"/>
+            <a:ext cx="4114800" cy="5943600"/>
           </a:xfrm>
         </p:spPr>
         <p:txBody>
@@ -2794,39 +2799,39 @@
           <a:lstStyle>
             <a:lvl1pPr marL="0" indent="0">
               <a:buNone/>
-              <a:defRPr sz="3200"/>
+              <a:defRPr sz="3800"/>
             </a:lvl1pPr>
-            <a:lvl2pPr marL="457200" indent="0">
+            <a:lvl2pPr marL="536433" indent="0">
+              <a:buNone/>
+              <a:defRPr sz="3300"/>
+            </a:lvl2pPr>
+            <a:lvl3pPr marL="1072866" indent="0">
               <a:buNone/>
               <a:defRPr sz="2800"/>
-            </a:lvl2pPr>
-            <a:lvl3pPr marL="914400" indent="0">
+            </a:lvl3pPr>
+            <a:lvl4pPr marL="1609298" indent="0">
               <a:buNone/>
-              <a:defRPr sz="2400"/>
-            </a:lvl3pPr>
-            <a:lvl4pPr marL="1371600" indent="0">
+              <a:defRPr sz="2300"/>
+            </a:lvl4pPr>
+            <a:lvl5pPr marL="2145731" indent="0">
               <a:buNone/>
-              <a:defRPr sz="2000"/>
-            </a:lvl4pPr>
-            <a:lvl5pPr marL="1828800" indent="0">
+              <a:defRPr sz="2300"/>
+            </a:lvl5pPr>
+            <a:lvl6pPr marL="2682164" indent="0">
               <a:buNone/>
-              <a:defRPr sz="2000"/>
-            </a:lvl5pPr>
-            <a:lvl6pPr marL="2286000" indent="0">
+              <a:defRPr sz="2300"/>
+            </a:lvl6pPr>
+            <a:lvl7pPr marL="3218597" indent="0">
               <a:buNone/>
-              <a:defRPr sz="2000"/>
-            </a:lvl6pPr>
-            <a:lvl7pPr marL="2743200" indent="0">
+              <a:defRPr sz="2300"/>
+            </a:lvl7pPr>
+            <a:lvl8pPr marL="3755029" indent="0">
               <a:buNone/>
-              <a:defRPr sz="2000"/>
-            </a:lvl7pPr>
-            <a:lvl8pPr marL="3200400" indent="0">
+              <a:defRPr sz="2300"/>
+            </a:lvl8pPr>
+            <a:lvl9pPr marL="4291462" indent="0">
               <a:buNone/>
-              <a:defRPr sz="2000"/>
-            </a:lvl8pPr>
-            <a:lvl9pPr marL="3657600" indent="0">
-              <a:buNone/>
-              <a:defRPr sz="2000"/>
+              <a:defRPr sz="2300"/>
             </a:lvl9pPr>
           </a:lstStyle>
           <a:p>
@@ -2846,8 +2851,8 @@
         </p:nvSpPr>
         <p:spPr>
           <a:xfrm>
-            <a:off x="1008162" y="7156452"/>
-            <a:ext cx="3086100" cy="1073149"/>
+            <a:off x="1344216" y="7752824"/>
+            <a:ext cx="4114800" cy="1162578"/>
           </a:xfrm>
         </p:spPr>
         <p:txBody>
@@ -2855,39 +2860,39 @@
           <a:lstStyle>
             <a:lvl1pPr marL="0" indent="0">
               <a:buNone/>
+              <a:defRPr sz="1600"/>
+            </a:lvl1pPr>
+            <a:lvl2pPr marL="536433" indent="0">
+              <a:buNone/>
               <a:defRPr sz="1400"/>
-            </a:lvl1pPr>
-            <a:lvl2pPr marL="457200" indent="0">
+            </a:lvl2pPr>
+            <a:lvl3pPr marL="1072866" indent="0">
               <a:buNone/>
               <a:defRPr sz="1200"/>
-            </a:lvl2pPr>
-            <a:lvl3pPr marL="914400" indent="0">
+            </a:lvl3pPr>
+            <a:lvl4pPr marL="1609298" indent="0">
               <a:buNone/>
-              <a:defRPr sz="1000"/>
-            </a:lvl3pPr>
-            <a:lvl4pPr marL="1371600" indent="0">
+              <a:defRPr sz="1100"/>
+            </a:lvl4pPr>
+            <a:lvl5pPr marL="2145731" indent="0">
               <a:buNone/>
-              <a:defRPr sz="900"/>
-            </a:lvl4pPr>
-            <a:lvl5pPr marL="1828800" indent="0">
+              <a:defRPr sz="1100"/>
+            </a:lvl5pPr>
+            <a:lvl6pPr marL="2682164" indent="0">
               <a:buNone/>
-              <a:defRPr sz="900"/>
-            </a:lvl5pPr>
-            <a:lvl6pPr marL="2286000" indent="0">
+              <a:defRPr sz="1100"/>
+            </a:lvl6pPr>
+            <a:lvl7pPr marL="3218597" indent="0">
               <a:buNone/>
-              <a:defRPr sz="900"/>
-            </a:lvl6pPr>
-            <a:lvl7pPr marL="2743200" indent="0">
+              <a:defRPr sz="1100"/>
+            </a:lvl7pPr>
+            <a:lvl8pPr marL="3755029" indent="0">
               <a:buNone/>
-              <a:defRPr sz="900"/>
-            </a:lvl7pPr>
-            <a:lvl8pPr marL="3200400" indent="0">
+              <a:defRPr sz="1100"/>
+            </a:lvl8pPr>
+            <a:lvl9pPr marL="4291462" indent="0">
               <a:buNone/>
-              <a:defRPr sz="900"/>
-            </a:lvl8pPr>
-            <a:lvl9pPr marL="3657600" indent="0">
-              <a:buNone/>
-              <a:defRPr sz="900"/>
+              <a:defRPr sz="1100"/>
             </a:lvl9pPr>
           </a:lstStyle>
           <a:p>
@@ -2917,7 +2922,7 @@
             <a:fld id="{33287EDE-16F6-484B-A33C-1CF8F64AC343}" type="datetimeFigureOut">
               <a:rPr lang="en-US" smtClean="0"/>
               <a:pPr/>
-              <a:t>5/30/14</a:t>
+              <a:t>6/4/14</a:t>
             </a:fld>
             <a:endParaRPr lang="en-US"/>
           </a:p>
@@ -3008,15 +3013,15 @@
         </p:nvSpPr>
         <p:spPr>
           <a:xfrm>
-            <a:off x="257175" y="366184"/>
-            <a:ext cx="4629150" cy="1524000"/>
+            <a:off x="342900" y="396699"/>
+            <a:ext cx="6172200" cy="1651000"/>
           </a:xfrm>
           <a:prstGeom prst="rect">
             <a:avLst/>
           </a:prstGeom>
         </p:spPr>
         <p:txBody>
-          <a:bodyPr vert="horz" lIns="91440" tIns="45720" rIns="91440" bIns="45720" rtlCol="0" anchor="ctr">
+          <a:bodyPr vert="horz" lIns="107287" tIns="53643" rIns="107287" bIns="53643" rtlCol="0" anchor="ctr">
             <a:normAutofit/>
           </a:bodyPr>
           <a:lstStyle/>
@@ -3041,15 +3046,15 @@
         </p:nvSpPr>
         <p:spPr>
           <a:xfrm>
-            <a:off x="257175" y="2133602"/>
-            <a:ext cx="4629150" cy="6034617"/>
+            <a:off x="342900" y="2311403"/>
+            <a:ext cx="6172200" cy="6537502"/>
           </a:xfrm>
           <a:prstGeom prst="rect">
             <a:avLst/>
           </a:prstGeom>
         </p:spPr>
         <p:txBody>
-          <a:bodyPr vert="horz" lIns="91440" tIns="45720" rIns="91440" bIns="45720" rtlCol="0">
+          <a:bodyPr vert="horz" lIns="107287" tIns="53643" rIns="107287" bIns="53643" rtlCol="0">
             <a:normAutofit/>
           </a:bodyPr>
           <a:lstStyle/>
@@ -3103,18 +3108,18 @@
         </p:nvSpPr>
         <p:spPr>
           <a:xfrm>
-            <a:off x="257175" y="8475135"/>
-            <a:ext cx="1200150" cy="486833"/>
+            <a:off x="342900" y="9181397"/>
+            <a:ext cx="1600200" cy="527402"/>
           </a:xfrm>
           <a:prstGeom prst="rect">
             <a:avLst/>
           </a:prstGeom>
         </p:spPr>
         <p:txBody>
-          <a:bodyPr vert="horz" lIns="91440" tIns="45720" rIns="91440" bIns="45720" rtlCol="0" anchor="ctr"/>
+          <a:bodyPr vert="horz" lIns="107287" tIns="53643" rIns="107287" bIns="53643" rtlCol="0" anchor="ctr"/>
           <a:lstStyle>
             <a:lvl1pPr algn="l">
-              <a:defRPr sz="1200">
+              <a:defRPr sz="1400">
                 <a:solidFill>
                   <a:schemeClr val="tx1">
                     <a:tint val="75000"/>
@@ -3127,7 +3132,7 @@
             <a:fld id="{33287EDE-16F6-484B-A33C-1CF8F64AC343}" type="datetimeFigureOut">
               <a:rPr lang="en-US" smtClean="0"/>
               <a:pPr/>
-              <a:t>5/30/14</a:t>
+              <a:t>6/4/14</a:t>
             </a:fld>
             <a:endParaRPr lang="en-US"/>
           </a:p>
@@ -3145,18 +3150,18 @@
         </p:nvSpPr>
         <p:spPr>
           <a:xfrm>
-            <a:off x="1757363" y="8475135"/>
-            <a:ext cx="1628775" cy="486833"/>
+            <a:off x="2343151" y="9181397"/>
+            <a:ext cx="2171700" cy="527402"/>
           </a:xfrm>
           <a:prstGeom prst="rect">
             <a:avLst/>
           </a:prstGeom>
         </p:spPr>
         <p:txBody>
-          <a:bodyPr vert="horz" lIns="91440" tIns="45720" rIns="91440" bIns="45720" rtlCol="0" anchor="ctr"/>
+          <a:bodyPr vert="horz" lIns="107287" tIns="53643" rIns="107287" bIns="53643" rtlCol="0" anchor="ctr"/>
           <a:lstStyle>
             <a:lvl1pPr algn="ctr">
-              <a:defRPr sz="1200">
+              <a:defRPr sz="1400">
                 <a:solidFill>
                   <a:schemeClr val="tx1">
                     <a:tint val="75000"/>
@@ -3182,18 +3187,18 @@
         </p:nvSpPr>
         <p:spPr>
           <a:xfrm>
-            <a:off x="3686175" y="8475135"/>
-            <a:ext cx="1200150" cy="486833"/>
+            <a:off x="4914900" y="9181397"/>
+            <a:ext cx="1600200" cy="527402"/>
           </a:xfrm>
           <a:prstGeom prst="rect">
             <a:avLst/>
           </a:prstGeom>
         </p:spPr>
         <p:txBody>
-          <a:bodyPr vert="horz" lIns="91440" tIns="45720" rIns="91440" bIns="45720" rtlCol="0" anchor="ctr"/>
+          <a:bodyPr vert="horz" lIns="107287" tIns="53643" rIns="107287" bIns="53643" rtlCol="0" anchor="ctr"/>
           <a:lstStyle>
             <a:lvl1pPr algn="r">
-              <a:defRPr sz="1200">
+              <a:defRPr sz="1400">
                 <a:solidFill>
                   <a:schemeClr val="tx1">
                     <a:tint val="75000"/>
@@ -3230,12 +3235,12 @@
   </p:sldLayoutIdLst>
   <p:txStyles>
     <p:titleStyle>
-      <a:lvl1pPr algn="ctr" defTabSz="457200" rtl="0" eaLnBrk="1" latinLnBrk="0" hangingPunct="1">
+      <a:lvl1pPr algn="ctr" defTabSz="536433" rtl="0" eaLnBrk="1" latinLnBrk="0" hangingPunct="1">
         <a:spcBef>
           <a:spcPct val="0"/>
         </a:spcBef>
         <a:buNone/>
-        <a:defRPr sz="4400" kern="1200">
+        <a:defRPr sz="5200" kern="1200">
           <a:solidFill>
             <a:schemeClr val="tx1"/>
           </a:solidFill>
@@ -3246,13 +3251,13 @@
       </a:lvl1pPr>
     </p:titleStyle>
     <p:bodyStyle>
-      <a:lvl1pPr marL="342900" indent="-342900" algn="l" defTabSz="457200" rtl="0" eaLnBrk="1" latinLnBrk="0" hangingPunct="1">
+      <a:lvl1pPr marL="402325" indent="-402325" algn="l" defTabSz="536433" rtl="0" eaLnBrk="1" latinLnBrk="0" hangingPunct="1">
         <a:spcBef>
           <a:spcPct val="20000"/>
         </a:spcBef>
         <a:buFont typeface="Arial"/>
         <a:buChar char="•"/>
-        <a:defRPr sz="3200" kern="1200">
+        <a:defRPr sz="3800" kern="1200">
           <a:solidFill>
             <a:schemeClr val="tx1"/>
           </a:solidFill>
@@ -3261,12 +3266,27 @@
           <a:cs typeface="+mn-cs"/>
         </a:defRPr>
       </a:lvl1pPr>
-      <a:lvl2pPr marL="742950" indent="-285750" algn="l" defTabSz="457200" rtl="0" eaLnBrk="1" latinLnBrk="0" hangingPunct="1">
+      <a:lvl2pPr marL="871703" indent="-335270" algn="l" defTabSz="536433" rtl="0" eaLnBrk="1" latinLnBrk="0" hangingPunct="1">
         <a:spcBef>
           <a:spcPct val="20000"/>
         </a:spcBef>
         <a:buFont typeface="Arial"/>
         <a:buChar char="–"/>
+        <a:defRPr sz="3300" kern="1200">
+          <a:solidFill>
+            <a:schemeClr val="tx1"/>
+          </a:solidFill>
+          <a:latin typeface="+mn-lt"/>
+          <a:ea typeface="+mn-ea"/>
+          <a:cs typeface="+mn-cs"/>
+        </a:defRPr>
+      </a:lvl2pPr>
+      <a:lvl3pPr marL="1341082" indent="-268216" algn="l" defTabSz="536433" rtl="0" eaLnBrk="1" latinLnBrk="0" hangingPunct="1">
+        <a:spcBef>
+          <a:spcPct val="20000"/>
+        </a:spcBef>
+        <a:buFont typeface="Arial"/>
+        <a:buChar char="•"/>
         <a:defRPr sz="2800" kern="1200">
           <a:solidFill>
             <a:schemeClr val="tx1"/>
@@ -3275,29 +3295,14 @@
           <a:ea typeface="+mn-ea"/>
           <a:cs typeface="+mn-cs"/>
         </a:defRPr>
-      </a:lvl2pPr>
-      <a:lvl3pPr marL="1143000" indent="-228600" algn="l" defTabSz="457200" rtl="0" eaLnBrk="1" latinLnBrk="0" hangingPunct="1">
-        <a:spcBef>
-          <a:spcPct val="20000"/>
-        </a:spcBef>
-        <a:buFont typeface="Arial"/>
-        <a:buChar char="•"/>
-        <a:defRPr sz="2400" kern="1200">
-          <a:solidFill>
-            <a:schemeClr val="tx1"/>
-          </a:solidFill>
-          <a:latin typeface="+mn-lt"/>
-          <a:ea typeface="+mn-ea"/>
-          <a:cs typeface="+mn-cs"/>
-        </a:defRPr>
       </a:lvl3pPr>
-      <a:lvl4pPr marL="1600200" indent="-228600" algn="l" defTabSz="457200" rtl="0" eaLnBrk="1" latinLnBrk="0" hangingPunct="1">
+      <a:lvl4pPr marL="1877515" indent="-268216" algn="l" defTabSz="536433" rtl="0" eaLnBrk="1" latinLnBrk="0" hangingPunct="1">
         <a:spcBef>
           <a:spcPct val="20000"/>
         </a:spcBef>
         <a:buFont typeface="Arial"/>
         <a:buChar char="–"/>
-        <a:defRPr sz="2000" kern="1200">
+        <a:defRPr sz="2300" kern="1200">
           <a:solidFill>
             <a:schemeClr val="tx1"/>
           </a:solidFill>
@@ -3306,13 +3311,13 @@
           <a:cs typeface="+mn-cs"/>
         </a:defRPr>
       </a:lvl4pPr>
-      <a:lvl5pPr marL="2057400" indent="-228600" algn="l" defTabSz="457200" rtl="0" eaLnBrk="1" latinLnBrk="0" hangingPunct="1">
+      <a:lvl5pPr marL="2413947" indent="-268216" algn="l" defTabSz="536433" rtl="0" eaLnBrk="1" latinLnBrk="0" hangingPunct="1">
         <a:spcBef>
           <a:spcPct val="20000"/>
         </a:spcBef>
         <a:buFont typeface="Arial"/>
         <a:buChar char="»"/>
-        <a:defRPr sz="2000" kern="1200">
+        <a:defRPr sz="2300" kern="1200">
           <a:solidFill>
             <a:schemeClr val="tx1"/>
           </a:solidFill>
@@ -3321,13 +3326,13 @@
           <a:cs typeface="+mn-cs"/>
         </a:defRPr>
       </a:lvl5pPr>
-      <a:lvl6pPr marL="2514600" indent="-228600" algn="l" defTabSz="457200" rtl="0" eaLnBrk="1" latinLnBrk="0" hangingPunct="1">
+      <a:lvl6pPr marL="2950380" indent="-268216" algn="l" defTabSz="536433" rtl="0" eaLnBrk="1" latinLnBrk="0" hangingPunct="1">
         <a:spcBef>
           <a:spcPct val="20000"/>
         </a:spcBef>
         <a:buFont typeface="Arial"/>
         <a:buChar char="•"/>
-        <a:defRPr sz="2000" kern="1200">
+        <a:defRPr sz="2300" kern="1200">
           <a:solidFill>
             <a:schemeClr val="tx1"/>
           </a:solidFill>
@@ -3336,13 +3341,13 @@
           <a:cs typeface="+mn-cs"/>
         </a:defRPr>
       </a:lvl6pPr>
-      <a:lvl7pPr marL="2971800" indent="-228600" algn="l" defTabSz="457200" rtl="0" eaLnBrk="1" latinLnBrk="0" hangingPunct="1">
+      <a:lvl7pPr marL="3486813" indent="-268216" algn="l" defTabSz="536433" rtl="0" eaLnBrk="1" latinLnBrk="0" hangingPunct="1">
         <a:spcBef>
           <a:spcPct val="20000"/>
         </a:spcBef>
         <a:buFont typeface="Arial"/>
         <a:buChar char="•"/>
-        <a:defRPr sz="2000" kern="1200">
+        <a:defRPr sz="2300" kern="1200">
           <a:solidFill>
             <a:schemeClr val="tx1"/>
           </a:solidFill>
@@ -3351,13 +3356,13 @@
           <a:cs typeface="+mn-cs"/>
         </a:defRPr>
       </a:lvl7pPr>
-      <a:lvl8pPr marL="3429000" indent="-228600" algn="l" defTabSz="457200" rtl="0" eaLnBrk="1" latinLnBrk="0" hangingPunct="1">
+      <a:lvl8pPr marL="4023246" indent="-268216" algn="l" defTabSz="536433" rtl="0" eaLnBrk="1" latinLnBrk="0" hangingPunct="1">
         <a:spcBef>
           <a:spcPct val="20000"/>
         </a:spcBef>
         <a:buFont typeface="Arial"/>
         <a:buChar char="•"/>
-        <a:defRPr sz="2000" kern="1200">
+        <a:defRPr sz="2300" kern="1200">
           <a:solidFill>
             <a:schemeClr val="tx1"/>
           </a:solidFill>
@@ -3366,13 +3371,13 @@
           <a:cs typeface="+mn-cs"/>
         </a:defRPr>
       </a:lvl8pPr>
-      <a:lvl9pPr marL="3886200" indent="-228600" algn="l" defTabSz="457200" rtl="0" eaLnBrk="1" latinLnBrk="0" hangingPunct="1">
+      <a:lvl9pPr marL="4559678" indent="-268216" algn="l" defTabSz="536433" rtl="0" eaLnBrk="1" latinLnBrk="0" hangingPunct="1">
         <a:spcBef>
           <a:spcPct val="20000"/>
         </a:spcBef>
         <a:buFont typeface="Arial"/>
         <a:buChar char="•"/>
-        <a:defRPr sz="2000" kern="1200">
+        <a:defRPr sz="2300" kern="1200">
           <a:solidFill>
             <a:schemeClr val="tx1"/>
           </a:solidFill>
@@ -3386,8 +3391,8 @@
       <a:defPPr>
         <a:defRPr lang="en-US"/>
       </a:defPPr>
-      <a:lvl1pPr marL="0" algn="l" defTabSz="457200" rtl="0" eaLnBrk="1" latinLnBrk="0" hangingPunct="1">
-        <a:defRPr sz="1800" kern="1200">
+      <a:lvl1pPr marL="0" algn="l" defTabSz="536433" rtl="0" eaLnBrk="1" latinLnBrk="0" hangingPunct="1">
+        <a:defRPr sz="2100" kern="1200">
           <a:solidFill>
             <a:schemeClr val="tx1"/>
           </a:solidFill>
@@ -3396,8 +3401,8 @@
           <a:cs typeface="+mn-cs"/>
         </a:defRPr>
       </a:lvl1pPr>
-      <a:lvl2pPr marL="457200" algn="l" defTabSz="457200" rtl="0" eaLnBrk="1" latinLnBrk="0" hangingPunct="1">
-        <a:defRPr sz="1800" kern="1200">
+      <a:lvl2pPr marL="536433" algn="l" defTabSz="536433" rtl="0" eaLnBrk="1" latinLnBrk="0" hangingPunct="1">
+        <a:defRPr sz="2100" kern="1200">
           <a:solidFill>
             <a:schemeClr val="tx1"/>
           </a:solidFill>
@@ -3406,8 +3411,8 @@
           <a:cs typeface="+mn-cs"/>
         </a:defRPr>
       </a:lvl2pPr>
-      <a:lvl3pPr marL="914400" algn="l" defTabSz="457200" rtl="0" eaLnBrk="1" latinLnBrk="0" hangingPunct="1">
-        <a:defRPr sz="1800" kern="1200">
+      <a:lvl3pPr marL="1072866" algn="l" defTabSz="536433" rtl="0" eaLnBrk="1" latinLnBrk="0" hangingPunct="1">
+        <a:defRPr sz="2100" kern="1200">
           <a:solidFill>
             <a:schemeClr val="tx1"/>
           </a:solidFill>
@@ -3416,8 +3421,8 @@
           <a:cs typeface="+mn-cs"/>
         </a:defRPr>
       </a:lvl3pPr>
-      <a:lvl4pPr marL="1371600" algn="l" defTabSz="457200" rtl="0" eaLnBrk="1" latinLnBrk="0" hangingPunct="1">
-        <a:defRPr sz="1800" kern="1200">
+      <a:lvl4pPr marL="1609298" algn="l" defTabSz="536433" rtl="0" eaLnBrk="1" latinLnBrk="0" hangingPunct="1">
+        <a:defRPr sz="2100" kern="1200">
           <a:solidFill>
             <a:schemeClr val="tx1"/>
           </a:solidFill>
@@ -3426,8 +3431,8 @@
           <a:cs typeface="+mn-cs"/>
         </a:defRPr>
       </a:lvl4pPr>
-      <a:lvl5pPr marL="1828800" algn="l" defTabSz="457200" rtl="0" eaLnBrk="1" latinLnBrk="0" hangingPunct="1">
-        <a:defRPr sz="1800" kern="1200">
+      <a:lvl5pPr marL="2145731" algn="l" defTabSz="536433" rtl="0" eaLnBrk="1" latinLnBrk="0" hangingPunct="1">
+        <a:defRPr sz="2100" kern="1200">
           <a:solidFill>
             <a:schemeClr val="tx1"/>
           </a:solidFill>
@@ -3436,8 +3441,8 @@
           <a:cs typeface="+mn-cs"/>
         </a:defRPr>
       </a:lvl5pPr>
-      <a:lvl6pPr marL="2286000" algn="l" defTabSz="457200" rtl="0" eaLnBrk="1" latinLnBrk="0" hangingPunct="1">
-        <a:defRPr sz="1800" kern="1200">
+      <a:lvl6pPr marL="2682164" algn="l" defTabSz="536433" rtl="0" eaLnBrk="1" latinLnBrk="0" hangingPunct="1">
+        <a:defRPr sz="2100" kern="1200">
           <a:solidFill>
             <a:schemeClr val="tx1"/>
           </a:solidFill>
@@ -3446,8 +3451,8 @@
           <a:cs typeface="+mn-cs"/>
         </a:defRPr>
       </a:lvl6pPr>
-      <a:lvl7pPr marL="2743200" algn="l" defTabSz="457200" rtl="0" eaLnBrk="1" latinLnBrk="0" hangingPunct="1">
-        <a:defRPr sz="1800" kern="1200">
+      <a:lvl7pPr marL="3218597" algn="l" defTabSz="536433" rtl="0" eaLnBrk="1" latinLnBrk="0" hangingPunct="1">
+        <a:defRPr sz="2100" kern="1200">
           <a:solidFill>
             <a:schemeClr val="tx1"/>
           </a:solidFill>
@@ -3456,8 +3461,8 @@
           <a:cs typeface="+mn-cs"/>
         </a:defRPr>
       </a:lvl7pPr>
-      <a:lvl8pPr marL="3200400" algn="l" defTabSz="457200" rtl="0" eaLnBrk="1" latinLnBrk="0" hangingPunct="1">
-        <a:defRPr sz="1800" kern="1200">
+      <a:lvl8pPr marL="3755029" algn="l" defTabSz="536433" rtl="0" eaLnBrk="1" latinLnBrk="0" hangingPunct="1">
+        <a:defRPr sz="2100" kern="1200">
           <a:solidFill>
             <a:schemeClr val="tx1"/>
           </a:solidFill>
@@ -3466,8 +3471,8 @@
           <a:cs typeface="+mn-cs"/>
         </a:defRPr>
       </a:lvl8pPr>
-      <a:lvl9pPr marL="3657600" algn="l" defTabSz="457200" rtl="0" eaLnBrk="1" latinLnBrk="0" hangingPunct="1">
-        <a:defRPr sz="1800" kern="1200">
+      <a:lvl9pPr marL="4291462" algn="l" defTabSz="536433" rtl="0" eaLnBrk="1" latinLnBrk="0" hangingPunct="1">
+        <a:defRPr sz="2100" kern="1200">
           <a:solidFill>
             <a:schemeClr val="tx1"/>
           </a:solidFill>
@@ -3498,2204 +3503,2649 @@
           <a:chExt cx="0" cy="0"/>
         </a:xfrm>
       </p:grpSpPr>
-      <p:pic>
-        <p:nvPicPr>
-          <p:cNvPr id="15" name="Picture 14" descr="figure_2Abis.pdf"/>
-          <p:cNvPicPr>
-            <a:picLocks noChangeAspect="1"/>
-          </p:cNvPicPr>
+      <p:grpSp>
+        <p:nvGrpSpPr>
+          <p:cNvPr id="116" name="Group 115"/>
+          <p:cNvGrpSpPr/>
           <p:nvPr/>
-        </p:nvPicPr>
-        <mc:AlternateContent>
-          <mc:Choice xmlns:ma="http://schemas.microsoft.com/office/mac/drawingml/2008/main" Requires="ma">
-            <p:blipFill>
-              <a:blip r:embed="rId3"/>
-              <a:stretch>
-                <a:fillRect/>
-              </a:stretch>
-            </p:blipFill>
-          </mc:Choice>
-          <mc:Fallback>
-            <p:blipFill>
-              <a:blip r:embed="rId4"/>
-              <a:stretch>
-                <a:fillRect/>
-              </a:stretch>
-            </p:blipFill>
-          </mc:Fallback>
-        </mc:AlternateContent>
-        <p:spPr>
+        </p:nvGrpSpPr>
+        <p:grpSpPr>
           <a:xfrm>
-            <a:off x="1460371" y="858487"/>
-            <a:ext cx="2839614" cy="1837057"/>
+            <a:off x="2212244" y="363409"/>
+            <a:ext cx="2819400" cy="431499"/>
+            <a:chOff x="2209800" y="656179"/>
+            <a:chExt cx="2819400" cy="431499"/>
           </a:xfrm>
-          <a:prstGeom prst="rect">
-            <a:avLst/>
-          </a:prstGeom>
-        </p:spPr>
-      </p:pic>
-      <p:pic>
-        <p:nvPicPr>
-          <p:cNvPr id="16" name="Picture 15" descr="figure_2Bbis.pdf"/>
-          <p:cNvPicPr>
-            <a:picLocks noChangeAspect="1"/>
-          </p:cNvPicPr>
-          <p:nvPr/>
-        </p:nvPicPr>
-        <mc:AlternateContent>
-          <mc:Choice xmlns:ma="http://schemas.microsoft.com/office/mac/drawingml/2008/main" Requires="ma">
-            <p:blipFill>
-              <a:blip r:embed="rId5"/>
-              <a:stretch>
-                <a:fillRect/>
-              </a:stretch>
-            </p:blipFill>
-          </mc:Choice>
-          <mc:Fallback>
-            <p:blipFill>
-              <a:blip r:embed="rId6"/>
-              <a:stretch>
-                <a:fillRect/>
-              </a:stretch>
-            </p:blipFill>
-          </mc:Fallback>
-        </mc:AlternateContent>
-        <p:spPr>
-          <a:xfrm>
-            <a:off x="1460371" y="2667066"/>
-            <a:ext cx="2839614" cy="1837057"/>
-          </a:xfrm>
-          <a:prstGeom prst="rect">
-            <a:avLst/>
-          </a:prstGeom>
-        </p:spPr>
-      </p:pic>
-      <p:pic>
-        <p:nvPicPr>
-          <p:cNvPr id="17" name="Picture 16" descr="figure_2Cbis.pdf"/>
-          <p:cNvPicPr>
-            <a:picLocks noChangeAspect="1"/>
-          </p:cNvPicPr>
-          <p:nvPr/>
-        </p:nvPicPr>
-        <mc:AlternateContent>
-          <mc:Choice xmlns:ma="http://schemas.microsoft.com/office/mac/drawingml/2008/main" Requires="ma">
-            <p:blipFill>
-              <a:blip r:embed="rId7"/>
-              <a:stretch>
-                <a:fillRect/>
-              </a:stretch>
-            </p:blipFill>
-          </mc:Choice>
-          <mc:Fallback>
-            <p:blipFill>
-              <a:blip r:embed="rId8"/>
-              <a:stretch>
-                <a:fillRect/>
-              </a:stretch>
-            </p:blipFill>
-          </mc:Fallback>
-        </mc:AlternateContent>
-        <p:spPr>
-          <a:xfrm>
-            <a:off x="1460371" y="4167310"/>
-            <a:ext cx="2839614" cy="1837057"/>
-          </a:xfrm>
-          <a:prstGeom prst="rect">
-            <a:avLst/>
-          </a:prstGeom>
-        </p:spPr>
-      </p:pic>
-      <p:pic>
-        <p:nvPicPr>
-          <p:cNvPr id="18" name="Picture 17" descr="figure_2Dbis.pdf"/>
-          <p:cNvPicPr>
-            <a:picLocks noChangeAspect="1"/>
-          </p:cNvPicPr>
-          <p:nvPr/>
-        </p:nvPicPr>
-        <mc:AlternateContent>
-          <mc:Choice xmlns:ma="http://schemas.microsoft.com/office/mac/drawingml/2008/main" Requires="ma">
-            <p:blipFill>
-              <a:blip r:embed="rId9"/>
-              <a:stretch>
-                <a:fillRect/>
-              </a:stretch>
-            </p:blipFill>
-          </mc:Choice>
-          <mc:Fallback>
-            <p:blipFill>
-              <a:blip r:embed="rId10"/>
-              <a:stretch>
-                <a:fillRect/>
-              </a:stretch>
-            </p:blipFill>
-          </mc:Fallback>
-        </mc:AlternateContent>
-        <p:spPr>
-          <a:xfrm>
-            <a:off x="1460558" y="6167486"/>
-            <a:ext cx="2839239" cy="2294569"/>
-          </a:xfrm>
-          <a:prstGeom prst="rect">
-            <a:avLst/>
-          </a:prstGeom>
-        </p:spPr>
-      </p:pic>
-      <p:sp>
-        <p:nvSpPr>
-          <p:cNvPr id="19" name="TextBox 18"/>
-          <p:cNvSpPr txBox="1"/>
-          <p:nvPr/>
-        </p:nvSpPr>
-        <p:spPr>
-          <a:xfrm>
-            <a:off x="649574" y="1043153"/>
-            <a:ext cx="325730" cy="369332"/>
-          </a:xfrm>
-          <a:prstGeom prst="rect">
-            <a:avLst/>
-          </a:prstGeom>
-          <a:noFill/>
-        </p:spPr>
-        <p:txBody>
-          <a:bodyPr wrap="none" rtlCol="0">
-            <a:spAutoFit/>
-          </a:bodyPr>
-          <a:lstStyle/>
-          <a:p>
-            <a:r>
-              <a:rPr lang="en-US" b="1" dirty="0" smtClean="0"/>
-              <a:t>A</a:t>
-            </a:r>
-            <a:endParaRPr lang="en-US" b="1" dirty="0"/>
-          </a:p>
-        </p:txBody>
-      </p:sp>
-      <p:sp>
-        <p:nvSpPr>
-          <p:cNvPr id="20" name="TextBox 19"/>
-          <p:cNvSpPr txBox="1"/>
-          <p:nvPr/>
-        </p:nvSpPr>
-        <p:spPr>
-          <a:xfrm>
-            <a:off x="641121" y="6167486"/>
-            <a:ext cx="330176" cy="369332"/>
-          </a:xfrm>
-          <a:prstGeom prst="rect">
-            <a:avLst/>
-          </a:prstGeom>
-          <a:noFill/>
-        </p:spPr>
-        <p:txBody>
-          <a:bodyPr wrap="none" rtlCol="0">
-            <a:spAutoFit/>
-          </a:bodyPr>
-          <a:lstStyle/>
-          <a:p>
-            <a:r>
-              <a:rPr lang="en-US" b="1" dirty="0" smtClean="0"/>
-              <a:t>D</a:t>
-            </a:r>
-            <a:endParaRPr lang="en-US" b="1" dirty="0"/>
-          </a:p>
-        </p:txBody>
-      </p:sp>
-      <p:sp>
-        <p:nvSpPr>
-          <p:cNvPr id="22" name="TextBox 21"/>
-          <p:cNvSpPr txBox="1"/>
-          <p:nvPr/>
-        </p:nvSpPr>
-        <p:spPr>
-          <a:xfrm>
-            <a:off x="641121" y="2934280"/>
-            <a:ext cx="318229" cy="369332"/>
-          </a:xfrm>
-          <a:prstGeom prst="rect">
-            <a:avLst/>
-          </a:prstGeom>
-          <a:noFill/>
-        </p:spPr>
-        <p:txBody>
-          <a:bodyPr wrap="none" rtlCol="0">
-            <a:spAutoFit/>
-          </a:bodyPr>
-          <a:lstStyle/>
-          <a:p>
-            <a:r>
-              <a:rPr lang="en-US" b="1" dirty="0" smtClean="0"/>
-              <a:t>B</a:t>
-            </a:r>
-            <a:endParaRPr lang="en-US" b="1" dirty="0"/>
-          </a:p>
-        </p:txBody>
-      </p:sp>
-      <p:sp>
-        <p:nvSpPr>
-          <p:cNvPr id="23" name="TextBox 22"/>
-          <p:cNvSpPr txBox="1"/>
-          <p:nvPr/>
-        </p:nvSpPr>
-        <p:spPr>
-          <a:xfrm>
-            <a:off x="641121" y="4451200"/>
-            <a:ext cx="318229" cy="369332"/>
-          </a:xfrm>
-          <a:prstGeom prst="rect">
-            <a:avLst/>
-          </a:prstGeom>
-          <a:noFill/>
-        </p:spPr>
-        <p:txBody>
-          <a:bodyPr wrap="none" rtlCol="0">
-            <a:spAutoFit/>
-          </a:bodyPr>
-          <a:lstStyle/>
-          <a:p>
-            <a:r>
-              <a:rPr lang="en-US" b="1" dirty="0" smtClean="0"/>
-              <a:t>C</a:t>
-            </a:r>
-            <a:endParaRPr lang="en-US" b="1" dirty="0"/>
-          </a:p>
-        </p:txBody>
-      </p:sp>
-      <p:sp>
-        <p:nvSpPr>
-          <p:cNvPr id="24" name="TextBox 23"/>
-          <p:cNvSpPr txBox="1"/>
-          <p:nvPr/>
-        </p:nvSpPr>
-        <p:spPr>
-          <a:xfrm>
-            <a:off x="2670143" y="605704"/>
-            <a:ext cx="1328861" cy="369332"/>
-          </a:xfrm>
-          <a:prstGeom prst="rect">
-            <a:avLst/>
-          </a:prstGeom>
-          <a:noFill/>
-        </p:spPr>
-        <p:txBody>
-          <a:bodyPr wrap="square" rtlCol="0">
-            <a:spAutoFit/>
-          </a:bodyPr>
-          <a:lstStyle/>
-          <a:p>
-            <a:pPr algn="ctr"/>
-            <a:r>
-              <a:rPr lang="en-US" dirty="0" smtClean="0">
+        </p:grpSpPr>
+        <p:sp>
+          <p:nvSpPr>
+            <p:cNvPr id="24" name="TextBox 23"/>
+            <p:cNvSpPr txBox="1"/>
+            <p:nvPr/>
+          </p:nvSpPr>
+          <p:spPr>
+            <a:xfrm>
+              <a:off x="3810001" y="656179"/>
+              <a:ext cx="1219199" cy="431499"/>
+            </a:xfrm>
+            <a:prstGeom prst="rect">
+              <a:avLst/>
+            </a:prstGeom>
+            <a:noFill/>
+          </p:spPr>
+          <p:txBody>
+            <a:bodyPr wrap="square" lIns="107287" tIns="53643" rIns="107287" bIns="53643" rtlCol="0">
+              <a:spAutoFit/>
+            </a:bodyPr>
+            <a:lstStyle/>
+            <a:p>
+              <a:pPr algn="ctr"/>
+              <a:r>
+                <a:rPr lang="en-US" dirty="0" smtClean="0">
+                  <a:solidFill>
+                    <a:srgbClr val="00FF00"/>
+                  </a:solidFill>
+                </a:rPr>
+                <a:t>Novel</a:t>
+              </a:r>
+              <a:endParaRPr lang="en-US" dirty="0">
                 <a:solidFill>
                   <a:srgbClr val="00FF00"/>
                 </a:solidFill>
-              </a:rPr>
-              <a:t>Novel</a:t>
-            </a:r>
-            <a:endParaRPr lang="en-US" dirty="0">
-              <a:solidFill>
-                <a:srgbClr val="00FF00"/>
-              </a:solidFill>
-            </a:endParaRPr>
-          </a:p>
-        </p:txBody>
-      </p:sp>
-      <p:sp>
-        <p:nvSpPr>
-          <p:cNvPr id="25" name="TextBox 24"/>
-          <p:cNvSpPr txBox="1"/>
-          <p:nvPr/>
-        </p:nvSpPr>
-        <p:spPr>
-          <a:xfrm>
-            <a:off x="1560206" y="605704"/>
-            <a:ext cx="1328861" cy="369332"/>
-          </a:xfrm>
-          <a:prstGeom prst="rect">
-            <a:avLst/>
-          </a:prstGeom>
-          <a:noFill/>
-        </p:spPr>
-        <p:txBody>
-          <a:bodyPr wrap="square" rtlCol="0">
-            <a:spAutoFit/>
-          </a:bodyPr>
-          <a:lstStyle/>
-          <a:p>
-            <a:pPr algn="ctr"/>
-            <a:r>
-              <a:rPr lang="en-US" dirty="0" smtClean="0">
+              </a:endParaRPr>
+            </a:p>
+          </p:txBody>
+        </p:sp>
+        <p:sp>
+          <p:nvSpPr>
+            <p:cNvPr id="25" name="TextBox 24"/>
+            <p:cNvSpPr txBox="1"/>
+            <p:nvPr/>
+          </p:nvSpPr>
+          <p:spPr>
+            <a:xfrm>
+              <a:off x="2209800" y="656179"/>
+              <a:ext cx="1219200" cy="431499"/>
+            </a:xfrm>
+            <a:prstGeom prst="rect">
+              <a:avLst/>
+            </a:prstGeom>
+            <a:noFill/>
+          </p:spPr>
+          <p:txBody>
+            <a:bodyPr wrap="square" lIns="107287" tIns="53643" rIns="107287" bIns="53643" rtlCol="0">
+              <a:spAutoFit/>
+            </a:bodyPr>
+            <a:lstStyle/>
+            <a:p>
+              <a:pPr algn="ctr"/>
+              <a:r>
+                <a:rPr lang="en-US" dirty="0" smtClean="0">
+                  <a:solidFill>
+                    <a:srgbClr val="FF0000"/>
+                  </a:solidFill>
+                </a:rPr>
+                <a:t>Familiar</a:t>
+              </a:r>
+              <a:endParaRPr lang="en-US" dirty="0">
                 <a:solidFill>
                   <a:srgbClr val="FF0000"/>
                 </a:solidFill>
-              </a:rPr>
-              <a:t>Familiar</a:t>
-            </a:r>
-            <a:endParaRPr lang="en-US" dirty="0">
-              <a:solidFill>
-                <a:srgbClr val="FF0000"/>
-              </a:solidFill>
-            </a:endParaRPr>
-          </a:p>
-        </p:txBody>
-      </p:sp>
-      <p:sp>
-        <p:nvSpPr>
-          <p:cNvPr id="26" name="TextBox 25"/>
-          <p:cNvSpPr txBox="1"/>
+              </a:endParaRPr>
+            </a:p>
+          </p:txBody>
+        </p:sp>
+      </p:grpSp>
+      <p:grpSp>
+        <p:nvGrpSpPr>
+          <p:cNvPr id="135" name="Group 134"/>
+          <p:cNvGrpSpPr/>
           <p:nvPr/>
-        </p:nvSpPr>
-        <p:spPr>
+        </p:nvGrpSpPr>
+        <p:grpSpPr>
           <a:xfrm>
-            <a:off x="4039460" y="5516698"/>
-            <a:ext cx="281747" cy="276999"/>
+            <a:off x="854829" y="2691437"/>
+            <a:ext cx="4306497" cy="2067842"/>
+            <a:chOff x="854829" y="2772916"/>
+            <a:chExt cx="4306497" cy="2067842"/>
           </a:xfrm>
-          <a:prstGeom prst="rect">
-            <a:avLst/>
-          </a:prstGeom>
-          <a:noFill/>
-        </p:spPr>
-        <p:txBody>
-          <a:bodyPr wrap="square" rtlCol="0">
-            <a:spAutoFit/>
-          </a:bodyPr>
-          <a:lstStyle/>
-          <a:p>
-            <a:pPr algn="ctr"/>
-            <a:r>
-              <a:rPr lang="en-US" sz="1200" dirty="0"/>
-              <a:t>1</a:t>
-            </a:r>
-          </a:p>
-        </p:txBody>
-      </p:sp>
-      <p:sp>
-        <p:nvSpPr>
-          <p:cNvPr id="28" name="TextBox 27"/>
-          <p:cNvSpPr txBox="1"/>
+        </p:grpSpPr>
+        <p:sp>
+          <p:nvSpPr>
+            <p:cNvPr id="91" name="TextBox 90"/>
+            <p:cNvSpPr txBox="1"/>
+            <p:nvPr/>
+          </p:nvSpPr>
+          <p:spPr>
+            <a:xfrm rot="16200000">
+              <a:off x="700189" y="3682074"/>
+              <a:ext cx="1665784" cy="354555"/>
+            </a:xfrm>
+            <a:prstGeom prst="rect">
+              <a:avLst/>
+            </a:prstGeom>
+            <a:noFill/>
+          </p:spPr>
+          <p:txBody>
+            <a:bodyPr wrap="none" lIns="107287" tIns="53643" rIns="107287" bIns="53643" rtlCol="0">
+              <a:spAutoFit/>
+            </a:bodyPr>
+            <a:lstStyle/>
+            <a:p>
+              <a:r>
+                <a:rPr lang="en-GB" sz="1600" dirty="0" smtClean="0"/>
+                <a:t>fitted parameters</a:t>
+              </a:r>
+              <a:endParaRPr lang="en-US" sz="1600" baseline="-25000" dirty="0"/>
+            </a:p>
+          </p:txBody>
+        </p:sp>
+        <p:sp>
+          <p:nvSpPr>
+            <p:cNvPr id="22" name="TextBox 21"/>
+            <p:cNvSpPr txBox="1"/>
+            <p:nvPr/>
+          </p:nvSpPr>
+          <p:spPr>
+            <a:xfrm>
+              <a:off x="854829" y="2963132"/>
+              <a:ext cx="367627" cy="431499"/>
+            </a:xfrm>
+            <a:prstGeom prst="rect">
+              <a:avLst/>
+            </a:prstGeom>
+            <a:noFill/>
+          </p:spPr>
+          <p:txBody>
+            <a:bodyPr wrap="none" lIns="107287" tIns="53643" rIns="107287" bIns="53643" rtlCol="0">
+              <a:spAutoFit/>
+            </a:bodyPr>
+            <a:lstStyle/>
+            <a:p>
+              <a:r>
+                <a:rPr lang="en-US" b="1" dirty="0" smtClean="0"/>
+                <a:t>B</a:t>
+              </a:r>
+              <a:endParaRPr lang="en-US" b="1" dirty="0"/>
+            </a:p>
+          </p:txBody>
+        </p:sp>
+        <p:pic>
+          <p:nvPicPr>
+            <p:cNvPr id="110" name="Picture 109" descr="figure_2Bbis.pdf"/>
+            <p:cNvPicPr>
+              <a:picLocks noChangeAspect="1"/>
+            </p:cNvPicPr>
+            <p:nvPr/>
+          </p:nvPicPr>
+          <mc:AlternateContent>
+            <mc:Choice xmlns:ma="http://schemas.microsoft.com/office/mac/drawingml/2008/main" Requires="ma">
+              <p:blipFill>
+                <a:blip r:embed="rId3"/>
+                <a:stretch>
+                  <a:fillRect/>
+                </a:stretch>
+              </p:blipFill>
+            </mc:Choice>
+            <mc:Fallback>
+              <p:blipFill>
+                <a:blip r:embed="rId4"/>
+                <a:stretch>
+                  <a:fillRect/>
+                </a:stretch>
+              </p:blipFill>
+            </mc:Fallback>
+          </mc:AlternateContent>
+          <p:spPr>
+            <a:xfrm>
+              <a:off x="1964976" y="2772916"/>
+              <a:ext cx="3196350" cy="2067842"/>
+            </a:xfrm>
+            <a:prstGeom prst="rect">
+              <a:avLst/>
+            </a:prstGeom>
+          </p:spPr>
+        </p:pic>
+        <p:grpSp>
+          <p:nvGrpSpPr>
+            <p:cNvPr id="111" name="Group 110"/>
+            <p:cNvGrpSpPr/>
+            <p:nvPr/>
+          </p:nvGrpSpPr>
+          <p:grpSpPr>
+            <a:xfrm>
+              <a:off x="2292647" y="4255343"/>
+              <a:ext cx="1042934" cy="354555"/>
+              <a:chOff x="2292647" y="4328017"/>
+              <a:chExt cx="1042934" cy="354555"/>
+            </a:xfrm>
+          </p:grpSpPr>
+          <p:sp>
+            <p:nvSpPr>
+              <p:cNvPr id="41" name="TextBox 40"/>
+              <p:cNvSpPr txBox="1"/>
+              <p:nvPr/>
+            </p:nvSpPr>
+            <p:spPr>
+              <a:xfrm>
+                <a:off x="2926551" y="4328017"/>
+                <a:ext cx="409030" cy="354555"/>
+              </a:xfrm>
+              <a:prstGeom prst="rect">
+                <a:avLst/>
+              </a:prstGeom>
+              <a:noFill/>
+            </p:spPr>
+            <p:txBody>
+              <a:bodyPr wrap="none" lIns="107287" tIns="53643" rIns="107287" bIns="53643" rtlCol="0">
+                <a:spAutoFit/>
+              </a:bodyPr>
+              <a:lstStyle/>
+              <a:p>
+                <a:r>
+                  <a:rPr lang="el-GR" sz="1600" dirty="0" smtClean="0"/>
+                  <a:t>α</a:t>
+                </a:r>
+                <a:r>
+                  <a:rPr lang="en-US" sz="1600" baseline="-25000" dirty="0" smtClean="0"/>
+                  <a:t>R</a:t>
+                </a:r>
+                <a:endParaRPr lang="en-US" sz="1600" baseline="-25000" dirty="0"/>
+              </a:p>
+            </p:txBody>
+          </p:sp>
+          <p:sp>
+            <p:nvSpPr>
+              <p:cNvPr id="42" name="TextBox 41"/>
+              <p:cNvSpPr txBox="1"/>
+              <p:nvPr/>
+            </p:nvSpPr>
+            <p:spPr>
+              <a:xfrm>
+                <a:off x="2292647" y="4328017"/>
+                <a:ext cx="450040" cy="354555"/>
+              </a:xfrm>
+              <a:prstGeom prst="rect">
+                <a:avLst/>
+              </a:prstGeom>
+              <a:noFill/>
+            </p:spPr>
+            <p:txBody>
+              <a:bodyPr wrap="none" lIns="107287" tIns="53643" rIns="107287" bIns="53643" rtlCol="0">
+                <a:spAutoFit/>
+              </a:bodyPr>
+              <a:lstStyle/>
+              <a:p>
+                <a:r>
+                  <a:rPr lang="el-GR" sz="1600" dirty="0" smtClean="0"/>
+                  <a:t>α</a:t>
+                </a:r>
+                <a:r>
+                  <a:rPr lang="en-US" sz="1600" baseline="-25000" dirty="0" smtClean="0"/>
+                  <a:t>M</a:t>
+                </a:r>
+                <a:endParaRPr lang="en-US" sz="1600" baseline="-25000" dirty="0"/>
+              </a:p>
+            </p:txBody>
+          </p:sp>
+        </p:grpSp>
+        <p:grpSp>
+          <p:nvGrpSpPr>
+            <p:cNvPr id="119" name="Group 118"/>
+            <p:cNvGrpSpPr/>
+            <p:nvPr/>
+          </p:nvGrpSpPr>
+          <p:grpSpPr>
+            <a:xfrm>
+              <a:off x="1418772" y="3070854"/>
+              <a:ext cx="780241" cy="1434586"/>
+              <a:chOff x="1418772" y="3070854"/>
+              <a:chExt cx="780241" cy="1434586"/>
+            </a:xfrm>
+          </p:grpSpPr>
+          <p:sp>
+            <p:nvSpPr>
+              <p:cNvPr id="88" name="TextBox 87"/>
+              <p:cNvSpPr txBox="1"/>
+              <p:nvPr/>
+            </p:nvSpPr>
+            <p:spPr>
+              <a:xfrm>
+                <a:off x="1418772" y="3070854"/>
+                <a:ext cx="780240" cy="323777"/>
+              </a:xfrm>
+              <a:prstGeom prst="rect">
+                <a:avLst/>
+              </a:prstGeom>
+              <a:noFill/>
+            </p:spPr>
+            <p:txBody>
+              <a:bodyPr wrap="square" lIns="107287" tIns="53643" rIns="107287" bIns="53643" rtlCol="0">
+                <a:spAutoFit/>
+              </a:bodyPr>
+              <a:lstStyle/>
+              <a:p>
+                <a:pPr algn="r"/>
+                <a:r>
+                  <a:rPr lang="en-US" sz="1400" dirty="0" smtClean="0"/>
+                  <a:t>1.0</a:t>
+                </a:r>
+                <a:endParaRPr lang="en-US" sz="1400" dirty="0"/>
+              </a:p>
+            </p:txBody>
+          </p:sp>
+          <p:sp>
+            <p:nvSpPr>
+              <p:cNvPr id="89" name="TextBox 88"/>
+              <p:cNvSpPr txBox="1"/>
+              <p:nvPr/>
+            </p:nvSpPr>
+            <p:spPr>
+              <a:xfrm>
+                <a:off x="1533073" y="3628068"/>
+                <a:ext cx="665940" cy="323777"/>
+              </a:xfrm>
+              <a:prstGeom prst="rect">
+                <a:avLst/>
+              </a:prstGeom>
+              <a:noFill/>
+            </p:spPr>
+            <p:txBody>
+              <a:bodyPr wrap="square" lIns="107287" tIns="53643" rIns="107287" bIns="53643" rtlCol="0">
+                <a:spAutoFit/>
+              </a:bodyPr>
+              <a:lstStyle/>
+              <a:p>
+                <a:pPr algn="r"/>
+                <a:r>
+                  <a:rPr lang="en-US" sz="1400" dirty="0" smtClean="0"/>
+                  <a:t>0.5</a:t>
+                </a:r>
+                <a:endParaRPr lang="en-US" sz="1400" dirty="0"/>
+              </a:p>
+            </p:txBody>
+          </p:sp>
+          <p:sp>
+            <p:nvSpPr>
+              <p:cNvPr id="90" name="TextBox 89"/>
+              <p:cNvSpPr txBox="1"/>
+              <p:nvPr/>
+            </p:nvSpPr>
+            <p:spPr>
+              <a:xfrm>
+                <a:off x="1533071" y="4181663"/>
+                <a:ext cx="665940" cy="323777"/>
+              </a:xfrm>
+              <a:prstGeom prst="rect">
+                <a:avLst/>
+              </a:prstGeom>
+              <a:noFill/>
+            </p:spPr>
+            <p:txBody>
+              <a:bodyPr wrap="square" lIns="107287" tIns="53643" rIns="107287" bIns="53643" rtlCol="0">
+                <a:spAutoFit/>
+              </a:bodyPr>
+              <a:lstStyle/>
+              <a:p>
+                <a:pPr algn="r"/>
+                <a:r>
+                  <a:rPr lang="en-US" sz="1400" dirty="0" smtClean="0"/>
+                  <a:t>0.0</a:t>
+                </a:r>
+                <a:endParaRPr lang="en-US" sz="1400" dirty="0"/>
+              </a:p>
+            </p:txBody>
+          </p:sp>
+        </p:grpSp>
+        <p:grpSp>
+          <p:nvGrpSpPr>
+            <p:cNvPr id="112" name="Group 111"/>
+            <p:cNvGrpSpPr/>
+            <p:nvPr/>
+          </p:nvGrpSpPr>
+          <p:grpSpPr>
+            <a:xfrm>
+              <a:off x="3902258" y="4255342"/>
+              <a:ext cx="1042934" cy="354555"/>
+              <a:chOff x="2292647" y="4328017"/>
+              <a:chExt cx="1042934" cy="354555"/>
+            </a:xfrm>
+          </p:grpSpPr>
+          <p:sp>
+            <p:nvSpPr>
+              <p:cNvPr id="113" name="TextBox 112"/>
+              <p:cNvSpPr txBox="1"/>
+              <p:nvPr/>
+            </p:nvSpPr>
+            <p:spPr>
+              <a:xfrm>
+                <a:off x="2926551" y="4328017"/>
+                <a:ext cx="409030" cy="354555"/>
+              </a:xfrm>
+              <a:prstGeom prst="rect">
+                <a:avLst/>
+              </a:prstGeom>
+              <a:noFill/>
+            </p:spPr>
+            <p:txBody>
+              <a:bodyPr wrap="none" lIns="107287" tIns="53643" rIns="107287" bIns="53643" rtlCol="0">
+                <a:spAutoFit/>
+              </a:bodyPr>
+              <a:lstStyle/>
+              <a:p>
+                <a:r>
+                  <a:rPr lang="el-GR" sz="1600" dirty="0" smtClean="0"/>
+                  <a:t>α</a:t>
+                </a:r>
+                <a:r>
+                  <a:rPr lang="en-US" sz="1600" baseline="-25000" dirty="0" smtClean="0"/>
+                  <a:t>R</a:t>
+                </a:r>
+                <a:endParaRPr lang="en-US" sz="1600" baseline="-25000" dirty="0"/>
+              </a:p>
+            </p:txBody>
+          </p:sp>
+          <p:sp>
+            <p:nvSpPr>
+              <p:cNvPr id="114" name="TextBox 113"/>
+              <p:cNvSpPr txBox="1"/>
+              <p:nvPr/>
+            </p:nvSpPr>
+            <p:spPr>
+              <a:xfrm>
+                <a:off x="2292647" y="4328017"/>
+                <a:ext cx="450040" cy="354555"/>
+              </a:xfrm>
+              <a:prstGeom prst="rect">
+                <a:avLst/>
+              </a:prstGeom>
+              <a:noFill/>
+            </p:spPr>
+            <p:txBody>
+              <a:bodyPr wrap="none" lIns="107287" tIns="53643" rIns="107287" bIns="53643" rtlCol="0">
+                <a:spAutoFit/>
+              </a:bodyPr>
+              <a:lstStyle/>
+              <a:p>
+                <a:r>
+                  <a:rPr lang="el-GR" sz="1600" dirty="0" smtClean="0"/>
+                  <a:t>α</a:t>
+                </a:r>
+                <a:r>
+                  <a:rPr lang="en-US" sz="1600" baseline="-25000" dirty="0" smtClean="0"/>
+                  <a:t>M</a:t>
+                </a:r>
+                <a:endParaRPr lang="en-US" sz="1600" baseline="-25000" dirty="0"/>
+              </a:p>
+            </p:txBody>
+          </p:sp>
+        </p:grpSp>
+      </p:grpSp>
+      <p:grpSp>
+        <p:nvGrpSpPr>
+          <p:cNvPr id="141" name="Group 140"/>
+          <p:cNvGrpSpPr/>
           <p:nvPr/>
-        </p:nvSpPr>
-        <p:spPr>
+        </p:nvGrpSpPr>
+        <p:grpSpPr>
           <a:xfrm>
-            <a:off x="3424146" y="5516698"/>
-            <a:ext cx="446848" cy="276999"/>
+            <a:off x="868543" y="650582"/>
+            <a:ext cx="4365025" cy="2163895"/>
+            <a:chOff x="868543" y="650582"/>
+            <a:chExt cx="4365025" cy="2163895"/>
           </a:xfrm>
-          <a:prstGeom prst="rect">
-            <a:avLst/>
-          </a:prstGeom>
-          <a:noFill/>
-        </p:spPr>
-        <p:txBody>
-          <a:bodyPr wrap="square" rtlCol="0">
-            <a:spAutoFit/>
-          </a:bodyPr>
-          <a:lstStyle/>
-          <a:p>
-            <a:pPr algn="ctr"/>
-            <a:r>
-              <a:rPr lang="en-US" sz="1200" dirty="0" smtClean="0"/>
-              <a:t>0.5</a:t>
-            </a:r>
-            <a:endParaRPr lang="en-US" sz="1200" dirty="0"/>
-          </a:p>
-        </p:txBody>
-      </p:sp>
-      <p:sp>
-        <p:nvSpPr>
-          <p:cNvPr id="29" name="TextBox 28"/>
-          <p:cNvSpPr txBox="1"/>
+        </p:grpSpPr>
+        <p:sp>
+          <p:nvSpPr>
+            <p:cNvPr id="94" name="TextBox 93"/>
+            <p:cNvSpPr txBox="1"/>
+            <p:nvPr/>
+          </p:nvSpPr>
+          <p:spPr>
+            <a:xfrm rot="16200000">
+              <a:off x="798929" y="1466702"/>
+              <a:ext cx="1473200" cy="354555"/>
+            </a:xfrm>
+            <a:prstGeom prst="rect">
+              <a:avLst/>
+            </a:prstGeom>
+            <a:noFill/>
+          </p:spPr>
+          <p:txBody>
+            <a:bodyPr wrap="square" lIns="107287" tIns="53643" rIns="107287" bIns="53643" rtlCol="0">
+              <a:spAutoFit/>
+            </a:bodyPr>
+            <a:lstStyle/>
+            <a:p>
+              <a:pPr algn="ctr"/>
+              <a:r>
+                <a:rPr lang="en-US" sz="1600" dirty="0" smtClean="0"/>
+                <a:t>parameter </a:t>
+              </a:r>
+              <a:r>
+                <a:rPr lang="el-GR" sz="1600" dirty="0" smtClean="0"/>
+                <a:t>α</a:t>
+              </a:r>
+              <a:r>
+                <a:rPr lang="en-GB" sz="1600" baseline="-25000" dirty="0" smtClean="0"/>
+                <a:t>R</a:t>
+              </a:r>
+              <a:endParaRPr lang="en-US" sz="1600" baseline="-25000" dirty="0"/>
+            </a:p>
+          </p:txBody>
+        </p:sp>
+        <p:sp>
+          <p:nvSpPr>
+            <p:cNvPr id="19" name="TextBox 18"/>
+            <p:cNvSpPr txBox="1"/>
+            <p:nvPr/>
+          </p:nvSpPr>
+          <p:spPr>
+            <a:xfrm>
+              <a:off x="868543" y="837312"/>
+              <a:ext cx="383382" cy="431499"/>
+            </a:xfrm>
+            <a:prstGeom prst="rect">
+              <a:avLst/>
+            </a:prstGeom>
+            <a:noFill/>
+          </p:spPr>
+          <p:txBody>
+            <a:bodyPr wrap="none" lIns="107287" tIns="53643" rIns="107287" bIns="53643" rtlCol="0">
+              <a:spAutoFit/>
+            </a:bodyPr>
+            <a:lstStyle/>
+            <a:p>
+              <a:r>
+                <a:rPr lang="en-US" b="1" dirty="0" smtClean="0"/>
+                <a:t>A</a:t>
+              </a:r>
+              <a:endParaRPr lang="en-US" b="1" dirty="0"/>
+            </a:p>
+          </p:txBody>
+        </p:sp>
+        <p:pic>
+          <p:nvPicPr>
+            <p:cNvPr id="80" name="Picture 79" descr="figure_2Abis.pdf"/>
+            <p:cNvPicPr>
+              <a:picLocks noChangeAspect="1"/>
+            </p:cNvPicPr>
+            <p:nvPr/>
+          </p:nvPicPr>
+          <mc:AlternateContent>
+            <mc:Choice xmlns:ma="http://schemas.microsoft.com/office/mac/drawingml/2008/main" Requires="ma">
+              <p:blipFill>
+                <a:blip r:embed="rId5"/>
+                <a:stretch>
+                  <a:fillRect/>
+                </a:stretch>
+              </p:blipFill>
+            </mc:Choice>
+            <mc:Fallback>
+              <p:blipFill>
+                <a:blip r:embed="rId6"/>
+                <a:stretch>
+                  <a:fillRect/>
+                </a:stretch>
+              </p:blipFill>
+            </mc:Fallback>
+          </mc:AlternateContent>
+          <p:spPr>
+            <a:xfrm>
+              <a:off x="1981200" y="650582"/>
+              <a:ext cx="3182570" cy="2058927"/>
+            </a:xfrm>
+            <a:prstGeom prst="rect">
+              <a:avLst/>
+            </a:prstGeom>
+          </p:spPr>
+        </p:pic>
+        <p:grpSp>
+          <p:nvGrpSpPr>
+            <p:cNvPr id="96" name="Group 95"/>
+            <p:cNvGrpSpPr/>
+            <p:nvPr/>
+          </p:nvGrpSpPr>
+          <p:grpSpPr>
+            <a:xfrm>
+              <a:off x="1465666" y="810307"/>
+              <a:ext cx="780241" cy="1669839"/>
+              <a:chOff x="1418772" y="1103077"/>
+              <a:chExt cx="780241" cy="1669839"/>
+            </a:xfrm>
+          </p:grpSpPr>
+          <p:sp>
+            <p:nvSpPr>
+              <p:cNvPr id="73" name="TextBox 72"/>
+              <p:cNvSpPr txBox="1"/>
+              <p:nvPr/>
+            </p:nvSpPr>
+            <p:spPr>
+              <a:xfrm>
+                <a:off x="1418772" y="1103077"/>
+                <a:ext cx="780240" cy="323777"/>
+              </a:xfrm>
+              <a:prstGeom prst="rect">
+                <a:avLst/>
+              </a:prstGeom>
+              <a:noFill/>
+            </p:spPr>
+            <p:txBody>
+              <a:bodyPr wrap="square" lIns="107287" tIns="53643" rIns="107287" bIns="53643" rtlCol="0">
+                <a:spAutoFit/>
+              </a:bodyPr>
+              <a:lstStyle/>
+              <a:p>
+                <a:pPr algn="r"/>
+                <a:r>
+                  <a:rPr lang="en-US" sz="1400" dirty="0" smtClean="0"/>
+                  <a:t>1.0</a:t>
+                </a:r>
+                <a:endParaRPr lang="en-US" sz="1400" dirty="0"/>
+              </a:p>
+            </p:txBody>
+          </p:sp>
+          <p:sp>
+            <p:nvSpPr>
+              <p:cNvPr id="74" name="TextBox 73"/>
+              <p:cNvSpPr txBox="1"/>
+              <p:nvPr/>
+            </p:nvSpPr>
+            <p:spPr>
+              <a:xfrm>
+                <a:off x="1533073" y="1785197"/>
+                <a:ext cx="665940" cy="323777"/>
+              </a:xfrm>
+              <a:prstGeom prst="rect">
+                <a:avLst/>
+              </a:prstGeom>
+              <a:noFill/>
+            </p:spPr>
+            <p:txBody>
+              <a:bodyPr wrap="square" lIns="107287" tIns="53643" rIns="107287" bIns="53643" rtlCol="0">
+                <a:spAutoFit/>
+              </a:bodyPr>
+              <a:lstStyle/>
+              <a:p>
+                <a:pPr algn="r"/>
+                <a:r>
+                  <a:rPr lang="en-US" sz="1400" dirty="0" smtClean="0"/>
+                  <a:t>0.5</a:t>
+                </a:r>
+                <a:endParaRPr lang="en-US" sz="1400" dirty="0"/>
+              </a:p>
+            </p:txBody>
+          </p:sp>
+          <p:sp>
+            <p:nvSpPr>
+              <p:cNvPr id="75" name="TextBox 74"/>
+              <p:cNvSpPr txBox="1"/>
+              <p:nvPr/>
+            </p:nvSpPr>
+            <p:spPr>
+              <a:xfrm>
+                <a:off x="1533071" y="2449139"/>
+                <a:ext cx="665940" cy="323777"/>
+              </a:xfrm>
+              <a:prstGeom prst="rect">
+                <a:avLst/>
+              </a:prstGeom>
+              <a:noFill/>
+            </p:spPr>
+            <p:txBody>
+              <a:bodyPr wrap="square" lIns="107287" tIns="53643" rIns="107287" bIns="53643" rtlCol="0">
+                <a:spAutoFit/>
+              </a:bodyPr>
+              <a:lstStyle/>
+              <a:p>
+                <a:pPr algn="r"/>
+                <a:r>
+                  <a:rPr lang="en-US" sz="1400" dirty="0" smtClean="0"/>
+                  <a:t>0</a:t>
+                </a:r>
+                <a:endParaRPr lang="en-US" sz="1400" dirty="0"/>
+              </a:p>
+            </p:txBody>
+          </p:sp>
+        </p:grpSp>
+        <p:grpSp>
+          <p:nvGrpSpPr>
+            <p:cNvPr id="108" name="Group 107"/>
+            <p:cNvGrpSpPr/>
+            <p:nvPr/>
+          </p:nvGrpSpPr>
+          <p:grpSpPr>
+            <a:xfrm>
+              <a:off x="1967420" y="2296489"/>
+              <a:ext cx="3266148" cy="323777"/>
+              <a:chOff x="1964976" y="2589259"/>
+              <a:chExt cx="3266148" cy="323777"/>
+            </a:xfrm>
+          </p:grpSpPr>
+          <p:grpSp>
+            <p:nvGrpSpPr>
+              <p:cNvPr id="101" name="Group 100"/>
+              <p:cNvGrpSpPr/>
+              <p:nvPr/>
+            </p:nvGrpSpPr>
+            <p:grpSpPr>
+              <a:xfrm>
+                <a:off x="3521265" y="2589259"/>
+                <a:ext cx="1709859" cy="323777"/>
+                <a:chOff x="3521265" y="2652759"/>
+                <a:chExt cx="1709859" cy="323777"/>
+              </a:xfrm>
+            </p:grpSpPr>
+            <p:sp>
+              <p:nvSpPr>
+                <p:cNvPr id="98" name="TextBox 97"/>
+                <p:cNvSpPr txBox="1"/>
+                <p:nvPr/>
+              </p:nvSpPr>
+              <p:spPr>
+                <a:xfrm>
+                  <a:off x="4855461" y="2652759"/>
+                  <a:ext cx="375663" cy="323777"/>
+                </a:xfrm>
+                <a:prstGeom prst="rect">
+                  <a:avLst/>
+                </a:prstGeom>
+                <a:noFill/>
+              </p:spPr>
+              <p:txBody>
+                <a:bodyPr wrap="square" lIns="107287" tIns="53643" rIns="107287" bIns="53643" rtlCol="0">
+                  <a:spAutoFit/>
+                </a:bodyPr>
+                <a:lstStyle/>
+                <a:p>
+                  <a:pPr algn="ctr"/>
+                  <a:r>
+                    <a:rPr lang="en-US" sz="1400" dirty="0"/>
+                    <a:t>1</a:t>
+                  </a:r>
+                </a:p>
+              </p:txBody>
+            </p:sp>
+            <p:sp>
+              <p:nvSpPr>
+                <p:cNvPr id="99" name="TextBox 98"/>
+                <p:cNvSpPr txBox="1"/>
+                <p:nvPr/>
+              </p:nvSpPr>
+              <p:spPr>
+                <a:xfrm>
+                  <a:off x="4141317" y="2652759"/>
+                  <a:ext cx="595797" cy="323777"/>
+                </a:xfrm>
+                <a:prstGeom prst="rect">
+                  <a:avLst/>
+                </a:prstGeom>
+                <a:noFill/>
+              </p:spPr>
+              <p:txBody>
+                <a:bodyPr wrap="square" lIns="107287" tIns="53643" rIns="107287" bIns="53643" rtlCol="0">
+                  <a:spAutoFit/>
+                </a:bodyPr>
+                <a:lstStyle/>
+                <a:p>
+                  <a:pPr algn="ctr"/>
+                  <a:r>
+                    <a:rPr lang="en-US" sz="1400" dirty="0" smtClean="0"/>
+                    <a:t>0.5</a:t>
+                  </a:r>
+                  <a:endParaRPr lang="en-US" sz="1400" dirty="0"/>
+                </a:p>
+              </p:txBody>
+            </p:sp>
+            <p:sp>
+              <p:nvSpPr>
+                <p:cNvPr id="100" name="TextBox 99"/>
+                <p:cNvSpPr txBox="1"/>
+                <p:nvPr/>
+              </p:nvSpPr>
+              <p:spPr>
+                <a:xfrm>
+                  <a:off x="3521265" y="2652759"/>
+                  <a:ext cx="620052" cy="323777"/>
+                </a:xfrm>
+                <a:prstGeom prst="rect">
+                  <a:avLst/>
+                </a:prstGeom>
+                <a:noFill/>
+              </p:spPr>
+              <p:txBody>
+                <a:bodyPr wrap="square" lIns="107287" tIns="53643" rIns="107287" bIns="53643" rtlCol="0">
+                  <a:spAutoFit/>
+                </a:bodyPr>
+                <a:lstStyle/>
+                <a:p>
+                  <a:pPr algn="ctr"/>
+                  <a:r>
+                    <a:rPr lang="en-US" sz="1400" dirty="0" smtClean="0"/>
+                    <a:t>0</a:t>
+                  </a:r>
+                  <a:endParaRPr lang="en-US" sz="1400" dirty="0"/>
+                </a:p>
+              </p:txBody>
+            </p:sp>
+          </p:grpSp>
+          <p:grpSp>
+            <p:nvGrpSpPr>
+              <p:cNvPr id="102" name="Group 101"/>
+              <p:cNvGrpSpPr/>
+              <p:nvPr/>
+            </p:nvGrpSpPr>
+            <p:grpSpPr>
+              <a:xfrm>
+                <a:off x="1964976" y="2589259"/>
+                <a:ext cx="1660438" cy="323777"/>
+                <a:chOff x="3570686" y="2652759"/>
+                <a:chExt cx="1660438" cy="323777"/>
+              </a:xfrm>
+            </p:grpSpPr>
+            <p:sp>
+              <p:nvSpPr>
+                <p:cNvPr id="103" name="TextBox 102"/>
+                <p:cNvSpPr txBox="1"/>
+                <p:nvPr/>
+              </p:nvSpPr>
+              <p:spPr>
+                <a:xfrm>
+                  <a:off x="4855461" y="2652759"/>
+                  <a:ext cx="375663" cy="323777"/>
+                </a:xfrm>
+                <a:prstGeom prst="rect">
+                  <a:avLst/>
+                </a:prstGeom>
+                <a:noFill/>
+              </p:spPr>
+              <p:txBody>
+                <a:bodyPr wrap="square" lIns="107287" tIns="53643" rIns="107287" bIns="53643" rtlCol="0">
+                  <a:spAutoFit/>
+                </a:bodyPr>
+                <a:lstStyle/>
+                <a:p>
+                  <a:pPr algn="ctr"/>
+                  <a:r>
+                    <a:rPr lang="en-US" sz="1400" dirty="0"/>
+                    <a:t>1</a:t>
+                  </a:r>
+                </a:p>
+              </p:txBody>
+            </p:sp>
+            <p:sp>
+              <p:nvSpPr>
+                <p:cNvPr id="104" name="TextBox 103"/>
+                <p:cNvSpPr txBox="1"/>
+                <p:nvPr/>
+              </p:nvSpPr>
+              <p:spPr>
+                <a:xfrm>
+                  <a:off x="4141317" y="2652759"/>
+                  <a:ext cx="595797" cy="323777"/>
+                </a:xfrm>
+                <a:prstGeom prst="rect">
+                  <a:avLst/>
+                </a:prstGeom>
+                <a:noFill/>
+              </p:spPr>
+              <p:txBody>
+                <a:bodyPr wrap="square" lIns="107287" tIns="53643" rIns="107287" bIns="53643" rtlCol="0">
+                  <a:spAutoFit/>
+                </a:bodyPr>
+                <a:lstStyle/>
+                <a:p>
+                  <a:pPr algn="ctr"/>
+                  <a:r>
+                    <a:rPr lang="en-US" sz="1400" dirty="0" smtClean="0"/>
+                    <a:t>0.5</a:t>
+                  </a:r>
+                  <a:endParaRPr lang="en-US" sz="1400" dirty="0"/>
+                </a:p>
+              </p:txBody>
+            </p:sp>
+            <p:sp>
+              <p:nvSpPr>
+                <p:cNvPr id="105" name="TextBox 104"/>
+                <p:cNvSpPr txBox="1"/>
+                <p:nvPr/>
+              </p:nvSpPr>
+              <p:spPr>
+                <a:xfrm>
+                  <a:off x="3570686" y="2652759"/>
+                  <a:ext cx="521210" cy="323777"/>
+                </a:xfrm>
+                <a:prstGeom prst="rect">
+                  <a:avLst/>
+                </a:prstGeom>
+                <a:noFill/>
+              </p:spPr>
+              <p:txBody>
+                <a:bodyPr wrap="square" lIns="107287" tIns="53643" rIns="107287" bIns="53643" rtlCol="0">
+                  <a:spAutoFit/>
+                </a:bodyPr>
+                <a:lstStyle/>
+                <a:p>
+                  <a:pPr algn="ctr"/>
+                  <a:r>
+                    <a:rPr lang="en-US" sz="1400" dirty="0" smtClean="0"/>
+                    <a:t>0</a:t>
+                  </a:r>
+                  <a:endParaRPr lang="en-US" sz="1400" dirty="0"/>
+                </a:p>
+              </p:txBody>
+            </p:sp>
+          </p:grpSp>
+        </p:grpSp>
+        <p:grpSp>
+          <p:nvGrpSpPr>
+            <p:cNvPr id="137" name="Group 136"/>
+            <p:cNvGrpSpPr/>
+            <p:nvPr/>
+          </p:nvGrpSpPr>
+          <p:grpSpPr>
+            <a:xfrm>
+              <a:off x="2086625" y="2459922"/>
+              <a:ext cx="3105857" cy="354555"/>
+              <a:chOff x="2086625" y="6171308"/>
+              <a:chExt cx="3105857" cy="354555"/>
+            </a:xfrm>
+          </p:grpSpPr>
+          <p:sp>
+            <p:nvSpPr>
+              <p:cNvPr id="84" name="TextBox 83"/>
+              <p:cNvSpPr txBox="1"/>
+              <p:nvPr/>
+            </p:nvSpPr>
+            <p:spPr>
+              <a:xfrm>
+                <a:off x="2086625" y="6171308"/>
+                <a:ext cx="1503650" cy="354555"/>
+              </a:xfrm>
+              <a:prstGeom prst="rect">
+                <a:avLst/>
+              </a:prstGeom>
+              <a:noFill/>
+            </p:spPr>
+            <p:txBody>
+              <a:bodyPr wrap="square" lIns="107287" tIns="53643" rIns="107287" bIns="53643" rtlCol="0">
+                <a:spAutoFit/>
+              </a:bodyPr>
+              <a:lstStyle/>
+              <a:p>
+                <a:pPr algn="ctr"/>
+                <a:r>
+                  <a:rPr lang="en-US" sz="1600" dirty="0" smtClean="0"/>
+                  <a:t>parameter </a:t>
+                </a:r>
+                <a:r>
+                  <a:rPr lang="el-GR" sz="1600" dirty="0" smtClean="0"/>
+                  <a:t>α</a:t>
+                </a:r>
+                <a:r>
+                  <a:rPr lang="en-GB" sz="1600" baseline="-25000" dirty="0" smtClean="0"/>
+                  <a:t>M</a:t>
+                </a:r>
+                <a:endParaRPr lang="en-US" sz="1600" baseline="-25000" dirty="0"/>
+              </a:p>
+            </p:txBody>
+          </p:sp>
+          <p:sp>
+            <p:nvSpPr>
+              <p:cNvPr id="118" name="TextBox 117"/>
+              <p:cNvSpPr txBox="1"/>
+              <p:nvPr/>
+            </p:nvSpPr>
+            <p:spPr>
+              <a:xfrm>
+                <a:off x="3688832" y="6171308"/>
+                <a:ext cx="1503650" cy="354555"/>
+              </a:xfrm>
+              <a:prstGeom prst="rect">
+                <a:avLst/>
+              </a:prstGeom>
+              <a:noFill/>
+            </p:spPr>
+            <p:txBody>
+              <a:bodyPr wrap="square" lIns="107287" tIns="53643" rIns="107287" bIns="53643" rtlCol="0">
+                <a:spAutoFit/>
+              </a:bodyPr>
+              <a:lstStyle/>
+              <a:p>
+                <a:pPr algn="ctr"/>
+                <a:r>
+                  <a:rPr lang="en-US" sz="1600" dirty="0" smtClean="0"/>
+                  <a:t>parameter </a:t>
+                </a:r>
+                <a:r>
+                  <a:rPr lang="el-GR" sz="1600" dirty="0" smtClean="0"/>
+                  <a:t>α</a:t>
+                </a:r>
+                <a:r>
+                  <a:rPr lang="en-GB" sz="1600" baseline="-25000" dirty="0" smtClean="0"/>
+                  <a:t>M</a:t>
+                </a:r>
+                <a:endParaRPr lang="en-US" sz="1600" baseline="-25000" dirty="0"/>
+              </a:p>
+            </p:txBody>
+          </p:sp>
+        </p:grpSp>
+      </p:grpSp>
+      <p:grpSp>
+        <p:nvGrpSpPr>
+          <p:cNvPr id="175" name="Group 174"/>
+          <p:cNvGrpSpPr/>
           <p:nvPr/>
-        </p:nvSpPr>
-        <p:spPr>
+        </p:nvGrpSpPr>
+        <p:grpSpPr>
           <a:xfrm>
-            <a:off x="2992346" y="5516698"/>
-            <a:ext cx="281747" cy="276999"/>
+            <a:off x="854829" y="4464371"/>
+            <a:ext cx="4376295" cy="2067842"/>
+            <a:chOff x="854829" y="4464371"/>
+            <a:chExt cx="4376295" cy="2067842"/>
           </a:xfrm>
-          <a:prstGeom prst="rect">
-            <a:avLst/>
-          </a:prstGeom>
-          <a:noFill/>
-        </p:spPr>
-        <p:txBody>
-          <a:bodyPr wrap="square" rtlCol="0">
-            <a:spAutoFit/>
-          </a:bodyPr>
-          <a:lstStyle/>
-          <a:p>
-            <a:r>
-              <a:rPr lang="en-US" sz="1200" dirty="0" smtClean="0"/>
-              <a:t>0</a:t>
-            </a:r>
-            <a:endParaRPr lang="en-US" sz="1200" dirty="0"/>
-          </a:p>
-        </p:txBody>
-      </p:sp>
-      <p:sp>
-        <p:nvSpPr>
-          <p:cNvPr id="30" name="TextBox 29"/>
-          <p:cNvSpPr txBox="1"/>
+        </p:grpSpPr>
+        <p:pic>
+          <p:nvPicPr>
+            <p:cNvPr id="117" name="Picture 116" descr="figure_2Cbis.pdf"/>
+            <p:cNvPicPr>
+              <a:picLocks noChangeAspect="1"/>
+            </p:cNvPicPr>
+            <p:nvPr/>
+          </p:nvPicPr>
+          <mc:AlternateContent>
+            <mc:Choice xmlns:ma="http://schemas.microsoft.com/office/mac/drawingml/2008/main" Requires="ma">
+              <p:blipFill>
+                <a:blip r:embed="rId7"/>
+                <a:stretch>
+                  <a:fillRect/>
+                </a:stretch>
+              </p:blipFill>
+            </mc:Choice>
+            <mc:Fallback>
+              <p:blipFill>
+                <a:blip r:embed="rId8"/>
+                <a:stretch>
+                  <a:fillRect/>
+                </a:stretch>
+              </p:blipFill>
+            </mc:Fallback>
+          </mc:AlternateContent>
+          <p:spPr>
+            <a:xfrm>
+              <a:off x="1981200" y="4464371"/>
+              <a:ext cx="3196348" cy="2067842"/>
+            </a:xfrm>
+            <a:prstGeom prst="rect">
+              <a:avLst/>
+            </a:prstGeom>
+          </p:spPr>
+        </p:pic>
+        <p:sp>
+          <p:nvSpPr>
+            <p:cNvPr id="23" name="TextBox 22"/>
+            <p:cNvSpPr txBox="1"/>
+            <p:nvPr/>
+          </p:nvSpPr>
+          <p:spPr>
+            <a:xfrm>
+              <a:off x="854829" y="4610765"/>
+              <a:ext cx="359211" cy="431499"/>
+            </a:xfrm>
+            <a:prstGeom prst="rect">
+              <a:avLst/>
+            </a:prstGeom>
+            <a:noFill/>
+          </p:spPr>
+          <p:txBody>
+            <a:bodyPr wrap="none" lIns="107287" tIns="53643" rIns="107287" bIns="53643" rtlCol="0">
+              <a:spAutoFit/>
+            </a:bodyPr>
+            <a:lstStyle/>
+            <a:p>
+              <a:r>
+                <a:rPr lang="en-US" b="1" dirty="0" smtClean="0"/>
+                <a:t>C</a:t>
+              </a:r>
+              <a:endParaRPr lang="en-US" b="1" dirty="0"/>
+            </a:p>
+          </p:txBody>
+        </p:sp>
+        <p:grpSp>
+          <p:nvGrpSpPr>
+            <p:cNvPr id="174" name="Group 173"/>
+            <p:cNvGrpSpPr/>
+            <p:nvPr/>
+          </p:nvGrpSpPr>
+          <p:grpSpPr>
+            <a:xfrm>
+              <a:off x="1418772" y="4756105"/>
+              <a:ext cx="780240" cy="1444111"/>
+              <a:chOff x="1418772" y="4756105"/>
+              <a:chExt cx="780240" cy="1444111"/>
+            </a:xfrm>
+          </p:grpSpPr>
+          <p:sp>
+            <p:nvSpPr>
+              <p:cNvPr id="68" name="TextBox 67"/>
+              <p:cNvSpPr txBox="1"/>
+              <p:nvPr/>
+            </p:nvSpPr>
+            <p:spPr>
+              <a:xfrm>
+                <a:off x="1418772" y="4756105"/>
+                <a:ext cx="780240" cy="323777"/>
+              </a:xfrm>
+              <a:prstGeom prst="rect">
+                <a:avLst/>
+              </a:prstGeom>
+              <a:noFill/>
+            </p:spPr>
+            <p:txBody>
+              <a:bodyPr wrap="square" lIns="107287" tIns="53643" rIns="107287" bIns="53643" rtlCol="0">
+                <a:spAutoFit/>
+              </a:bodyPr>
+              <a:lstStyle/>
+              <a:p>
+                <a:pPr algn="r"/>
+                <a:r>
+                  <a:rPr lang="en-US" sz="1400" dirty="0" smtClean="0"/>
+                  <a:t>100%</a:t>
+                </a:r>
+                <a:endParaRPr lang="en-US" sz="1400" dirty="0"/>
+              </a:p>
+            </p:txBody>
+          </p:sp>
+          <p:sp>
+            <p:nvSpPr>
+              <p:cNvPr id="69" name="TextBox 68"/>
+              <p:cNvSpPr txBox="1"/>
+              <p:nvPr/>
+            </p:nvSpPr>
+            <p:spPr>
+              <a:xfrm>
+                <a:off x="1533071" y="5128903"/>
+                <a:ext cx="665940" cy="323777"/>
+              </a:xfrm>
+              <a:prstGeom prst="rect">
+                <a:avLst/>
+              </a:prstGeom>
+              <a:noFill/>
+            </p:spPr>
+            <p:txBody>
+              <a:bodyPr wrap="square" lIns="107287" tIns="53643" rIns="107287" bIns="53643" rtlCol="0">
+                <a:spAutoFit/>
+              </a:bodyPr>
+              <a:lstStyle/>
+              <a:p>
+                <a:pPr algn="r"/>
+                <a:r>
+                  <a:rPr lang="en-US" sz="1400" dirty="0"/>
+                  <a:t>8</a:t>
+                </a:r>
+                <a:r>
+                  <a:rPr lang="en-US" sz="1400" dirty="0" smtClean="0"/>
+                  <a:t>0%</a:t>
+                </a:r>
+                <a:endParaRPr lang="en-US" sz="1400" dirty="0"/>
+              </a:p>
+            </p:txBody>
+          </p:sp>
+          <p:sp>
+            <p:nvSpPr>
+              <p:cNvPr id="70" name="TextBox 69"/>
+              <p:cNvSpPr txBox="1"/>
+              <p:nvPr/>
+            </p:nvSpPr>
+            <p:spPr>
+              <a:xfrm>
+                <a:off x="1533071" y="5500466"/>
+                <a:ext cx="665940" cy="323777"/>
+              </a:xfrm>
+              <a:prstGeom prst="rect">
+                <a:avLst/>
+              </a:prstGeom>
+              <a:noFill/>
+            </p:spPr>
+            <p:txBody>
+              <a:bodyPr wrap="square" lIns="107287" tIns="53643" rIns="107287" bIns="53643" rtlCol="0">
+                <a:spAutoFit/>
+              </a:bodyPr>
+              <a:lstStyle/>
+              <a:p>
+                <a:pPr algn="r"/>
+                <a:r>
+                  <a:rPr lang="en-US" sz="1400" dirty="0"/>
+                  <a:t>6</a:t>
+                </a:r>
+                <a:r>
+                  <a:rPr lang="en-US" sz="1400" dirty="0" smtClean="0"/>
+                  <a:t>0%</a:t>
+                </a:r>
+                <a:endParaRPr lang="en-US" sz="1400" dirty="0"/>
+              </a:p>
+            </p:txBody>
+          </p:sp>
+          <p:sp>
+            <p:nvSpPr>
+              <p:cNvPr id="71" name="TextBox 70"/>
+              <p:cNvSpPr txBox="1"/>
+              <p:nvPr/>
+            </p:nvSpPr>
+            <p:spPr>
+              <a:xfrm>
+                <a:off x="1533071" y="5876439"/>
+                <a:ext cx="665940" cy="323777"/>
+              </a:xfrm>
+              <a:prstGeom prst="rect">
+                <a:avLst/>
+              </a:prstGeom>
+              <a:noFill/>
+            </p:spPr>
+            <p:txBody>
+              <a:bodyPr wrap="square" lIns="107287" tIns="53643" rIns="107287" bIns="53643" rtlCol="0">
+                <a:spAutoFit/>
+              </a:bodyPr>
+              <a:lstStyle/>
+              <a:p>
+                <a:pPr algn="r"/>
+                <a:r>
+                  <a:rPr lang="en-US" sz="1400" dirty="0" smtClean="0"/>
+                  <a:t>40%</a:t>
+                </a:r>
+                <a:endParaRPr lang="en-US" sz="1400" dirty="0"/>
+              </a:p>
+            </p:txBody>
+          </p:sp>
+        </p:grpSp>
+        <p:sp>
+          <p:nvSpPr>
+            <p:cNvPr id="92" name="TextBox 91"/>
+            <p:cNvSpPr txBox="1"/>
+            <p:nvPr/>
+          </p:nvSpPr>
+          <p:spPr>
+            <a:xfrm rot="16200000">
+              <a:off x="849764" y="5328172"/>
+              <a:ext cx="1366634" cy="354555"/>
+            </a:xfrm>
+            <a:prstGeom prst="rect">
+              <a:avLst/>
+            </a:prstGeom>
+            <a:noFill/>
+          </p:spPr>
+          <p:txBody>
+            <a:bodyPr wrap="square" lIns="107287" tIns="53643" rIns="107287" bIns="53643" rtlCol="0">
+              <a:spAutoFit/>
+            </a:bodyPr>
+            <a:lstStyle/>
+            <a:p>
+              <a:r>
+                <a:rPr lang="en-GB" sz="1600" dirty="0" smtClean="0"/>
+                <a:t>performance</a:t>
+              </a:r>
+              <a:endParaRPr lang="en-US" sz="1600" baseline="-25000" dirty="0"/>
+            </a:p>
+          </p:txBody>
+        </p:sp>
+        <p:grpSp>
+          <p:nvGrpSpPr>
+            <p:cNvPr id="123" name="Group 122"/>
+            <p:cNvGrpSpPr/>
+            <p:nvPr/>
+          </p:nvGrpSpPr>
+          <p:grpSpPr>
+            <a:xfrm>
+              <a:off x="1964976" y="5991918"/>
+              <a:ext cx="3266148" cy="323777"/>
+              <a:chOff x="1964976" y="2589259"/>
+              <a:chExt cx="3266148" cy="323777"/>
+            </a:xfrm>
+          </p:grpSpPr>
+          <p:grpSp>
+            <p:nvGrpSpPr>
+              <p:cNvPr id="124" name="Group 123"/>
+              <p:cNvGrpSpPr/>
+              <p:nvPr/>
+            </p:nvGrpSpPr>
+            <p:grpSpPr>
+              <a:xfrm>
+                <a:off x="3521265" y="2589259"/>
+                <a:ext cx="1709859" cy="323777"/>
+                <a:chOff x="3521265" y="2652759"/>
+                <a:chExt cx="1709859" cy="323777"/>
+              </a:xfrm>
+            </p:grpSpPr>
+            <p:sp>
+              <p:nvSpPr>
+                <p:cNvPr id="129" name="TextBox 128"/>
+                <p:cNvSpPr txBox="1"/>
+                <p:nvPr/>
+              </p:nvSpPr>
+              <p:spPr>
+                <a:xfrm>
+                  <a:off x="4855461" y="2652759"/>
+                  <a:ext cx="375663" cy="323777"/>
+                </a:xfrm>
+                <a:prstGeom prst="rect">
+                  <a:avLst/>
+                </a:prstGeom>
+                <a:noFill/>
+              </p:spPr>
+              <p:txBody>
+                <a:bodyPr wrap="square" lIns="107287" tIns="53643" rIns="107287" bIns="53643" rtlCol="0">
+                  <a:spAutoFit/>
+                </a:bodyPr>
+                <a:lstStyle/>
+                <a:p>
+                  <a:pPr algn="ctr"/>
+                  <a:r>
+                    <a:rPr lang="en-US" sz="1400" dirty="0"/>
+                    <a:t>1</a:t>
+                  </a:r>
+                </a:p>
+              </p:txBody>
+            </p:sp>
+            <p:sp>
+              <p:nvSpPr>
+                <p:cNvPr id="130" name="TextBox 129"/>
+                <p:cNvSpPr txBox="1"/>
+                <p:nvPr/>
+              </p:nvSpPr>
+              <p:spPr>
+                <a:xfrm>
+                  <a:off x="4141317" y="2652759"/>
+                  <a:ext cx="595797" cy="323777"/>
+                </a:xfrm>
+                <a:prstGeom prst="rect">
+                  <a:avLst/>
+                </a:prstGeom>
+                <a:noFill/>
+              </p:spPr>
+              <p:txBody>
+                <a:bodyPr wrap="square" lIns="107287" tIns="53643" rIns="107287" bIns="53643" rtlCol="0">
+                  <a:spAutoFit/>
+                </a:bodyPr>
+                <a:lstStyle/>
+                <a:p>
+                  <a:pPr algn="ctr"/>
+                  <a:r>
+                    <a:rPr lang="en-US" sz="1400" dirty="0" smtClean="0"/>
+                    <a:t>0.5</a:t>
+                  </a:r>
+                  <a:endParaRPr lang="en-US" sz="1400" dirty="0"/>
+                </a:p>
+              </p:txBody>
+            </p:sp>
+            <p:sp>
+              <p:nvSpPr>
+                <p:cNvPr id="131" name="TextBox 130"/>
+                <p:cNvSpPr txBox="1"/>
+                <p:nvPr/>
+              </p:nvSpPr>
+              <p:spPr>
+                <a:xfrm>
+                  <a:off x="3521265" y="2652759"/>
+                  <a:ext cx="620052" cy="323777"/>
+                </a:xfrm>
+                <a:prstGeom prst="rect">
+                  <a:avLst/>
+                </a:prstGeom>
+                <a:noFill/>
+              </p:spPr>
+              <p:txBody>
+                <a:bodyPr wrap="square" lIns="107287" tIns="53643" rIns="107287" bIns="53643" rtlCol="0">
+                  <a:spAutoFit/>
+                </a:bodyPr>
+                <a:lstStyle/>
+                <a:p>
+                  <a:pPr algn="ctr"/>
+                  <a:r>
+                    <a:rPr lang="en-US" sz="1400" dirty="0" smtClean="0"/>
+                    <a:t>0</a:t>
+                  </a:r>
+                  <a:endParaRPr lang="en-US" sz="1400" dirty="0"/>
+                </a:p>
+              </p:txBody>
+            </p:sp>
+          </p:grpSp>
+          <p:grpSp>
+            <p:nvGrpSpPr>
+              <p:cNvPr id="125" name="Group 124"/>
+              <p:cNvGrpSpPr/>
+              <p:nvPr/>
+            </p:nvGrpSpPr>
+            <p:grpSpPr>
+              <a:xfrm>
+                <a:off x="1964976" y="2589259"/>
+                <a:ext cx="1660438" cy="323777"/>
+                <a:chOff x="3570686" y="2652759"/>
+                <a:chExt cx="1660438" cy="323777"/>
+              </a:xfrm>
+            </p:grpSpPr>
+            <p:sp>
+              <p:nvSpPr>
+                <p:cNvPr id="126" name="TextBox 125"/>
+                <p:cNvSpPr txBox="1"/>
+                <p:nvPr/>
+              </p:nvSpPr>
+              <p:spPr>
+                <a:xfrm>
+                  <a:off x="4855461" y="2652759"/>
+                  <a:ext cx="375663" cy="323777"/>
+                </a:xfrm>
+                <a:prstGeom prst="rect">
+                  <a:avLst/>
+                </a:prstGeom>
+                <a:noFill/>
+              </p:spPr>
+              <p:txBody>
+                <a:bodyPr wrap="square" lIns="107287" tIns="53643" rIns="107287" bIns="53643" rtlCol="0">
+                  <a:spAutoFit/>
+                </a:bodyPr>
+                <a:lstStyle/>
+                <a:p>
+                  <a:pPr algn="ctr"/>
+                  <a:r>
+                    <a:rPr lang="en-US" sz="1400" dirty="0"/>
+                    <a:t>1</a:t>
+                  </a:r>
+                </a:p>
+              </p:txBody>
+            </p:sp>
+            <p:sp>
+              <p:nvSpPr>
+                <p:cNvPr id="127" name="TextBox 126"/>
+                <p:cNvSpPr txBox="1"/>
+                <p:nvPr/>
+              </p:nvSpPr>
+              <p:spPr>
+                <a:xfrm>
+                  <a:off x="4141317" y="2652759"/>
+                  <a:ext cx="595797" cy="323777"/>
+                </a:xfrm>
+                <a:prstGeom prst="rect">
+                  <a:avLst/>
+                </a:prstGeom>
+                <a:noFill/>
+              </p:spPr>
+              <p:txBody>
+                <a:bodyPr wrap="square" lIns="107287" tIns="53643" rIns="107287" bIns="53643" rtlCol="0">
+                  <a:spAutoFit/>
+                </a:bodyPr>
+                <a:lstStyle/>
+                <a:p>
+                  <a:pPr algn="ctr"/>
+                  <a:r>
+                    <a:rPr lang="en-US" sz="1400" dirty="0" smtClean="0"/>
+                    <a:t>0.5</a:t>
+                  </a:r>
+                  <a:endParaRPr lang="en-US" sz="1400" dirty="0"/>
+                </a:p>
+              </p:txBody>
+            </p:sp>
+            <p:sp>
+              <p:nvSpPr>
+                <p:cNvPr id="128" name="TextBox 127"/>
+                <p:cNvSpPr txBox="1"/>
+                <p:nvPr/>
+              </p:nvSpPr>
+              <p:spPr>
+                <a:xfrm>
+                  <a:off x="3570686" y="2652759"/>
+                  <a:ext cx="521210" cy="323777"/>
+                </a:xfrm>
+                <a:prstGeom prst="rect">
+                  <a:avLst/>
+                </a:prstGeom>
+                <a:noFill/>
+              </p:spPr>
+              <p:txBody>
+                <a:bodyPr wrap="square" lIns="107287" tIns="53643" rIns="107287" bIns="53643" rtlCol="0">
+                  <a:spAutoFit/>
+                </a:bodyPr>
+                <a:lstStyle/>
+                <a:p>
+                  <a:pPr algn="ctr"/>
+                  <a:r>
+                    <a:rPr lang="en-US" sz="1400" dirty="0" smtClean="0"/>
+                    <a:t>0</a:t>
+                  </a:r>
+                  <a:endParaRPr lang="en-US" sz="1400" dirty="0"/>
+                </a:p>
+              </p:txBody>
+            </p:sp>
+          </p:grpSp>
+        </p:grpSp>
+        <p:grpSp>
+          <p:nvGrpSpPr>
+            <p:cNvPr id="138" name="Group 137"/>
+            <p:cNvGrpSpPr/>
+            <p:nvPr/>
+          </p:nvGrpSpPr>
+          <p:grpSpPr>
+            <a:xfrm>
+              <a:off x="2086625" y="6171308"/>
+              <a:ext cx="3105857" cy="354555"/>
+              <a:chOff x="2086625" y="6171308"/>
+              <a:chExt cx="3105857" cy="354555"/>
+            </a:xfrm>
+          </p:grpSpPr>
+          <p:sp>
+            <p:nvSpPr>
+              <p:cNvPr id="139" name="TextBox 138"/>
+              <p:cNvSpPr txBox="1"/>
+              <p:nvPr/>
+            </p:nvSpPr>
+            <p:spPr>
+              <a:xfrm>
+                <a:off x="2086625" y="6171308"/>
+                <a:ext cx="1503650" cy="354555"/>
+              </a:xfrm>
+              <a:prstGeom prst="rect">
+                <a:avLst/>
+              </a:prstGeom>
+              <a:noFill/>
+            </p:spPr>
+            <p:txBody>
+              <a:bodyPr wrap="square" lIns="107287" tIns="53643" rIns="107287" bIns="53643" rtlCol="0">
+                <a:spAutoFit/>
+              </a:bodyPr>
+              <a:lstStyle/>
+              <a:p>
+                <a:pPr algn="ctr"/>
+                <a:r>
+                  <a:rPr lang="en-US" sz="1600" dirty="0" smtClean="0"/>
+                  <a:t>parameter </a:t>
+                </a:r>
+                <a:r>
+                  <a:rPr lang="el-GR" sz="1600" dirty="0" smtClean="0"/>
+                  <a:t>α</a:t>
+                </a:r>
+                <a:r>
+                  <a:rPr lang="en-GB" sz="1600" baseline="-25000" dirty="0" smtClean="0"/>
+                  <a:t>R</a:t>
+                </a:r>
+                <a:endParaRPr lang="en-US" sz="1600" baseline="-25000" dirty="0"/>
+              </a:p>
+            </p:txBody>
+          </p:sp>
+          <p:sp>
+            <p:nvSpPr>
+              <p:cNvPr id="140" name="TextBox 139"/>
+              <p:cNvSpPr txBox="1"/>
+              <p:nvPr/>
+            </p:nvSpPr>
+            <p:spPr>
+              <a:xfrm>
+                <a:off x="3688832" y="6171308"/>
+                <a:ext cx="1503650" cy="354555"/>
+              </a:xfrm>
+              <a:prstGeom prst="rect">
+                <a:avLst/>
+              </a:prstGeom>
+              <a:noFill/>
+            </p:spPr>
+            <p:txBody>
+              <a:bodyPr wrap="square" lIns="107287" tIns="53643" rIns="107287" bIns="53643" rtlCol="0">
+                <a:spAutoFit/>
+              </a:bodyPr>
+              <a:lstStyle/>
+              <a:p>
+                <a:pPr algn="ctr"/>
+                <a:r>
+                  <a:rPr lang="en-US" sz="1600" dirty="0" smtClean="0"/>
+                  <a:t>parameter </a:t>
+                </a:r>
+                <a:r>
+                  <a:rPr lang="el-GR" sz="1600" dirty="0" smtClean="0"/>
+                  <a:t>α</a:t>
+                </a:r>
+                <a:r>
+                  <a:rPr lang="en-GB" sz="1600" baseline="-25000" dirty="0" smtClean="0"/>
+                  <a:t>R</a:t>
+                </a:r>
+                <a:endParaRPr lang="en-US" sz="1600" baseline="-25000" dirty="0"/>
+              </a:p>
+            </p:txBody>
+          </p:sp>
+        </p:grpSp>
+      </p:grpSp>
+      <p:grpSp>
+        <p:nvGrpSpPr>
+          <p:cNvPr id="173" name="Group 172"/>
+          <p:cNvGrpSpPr/>
           <p:nvPr/>
-        </p:nvSpPr>
-        <p:spPr>
+        </p:nvGrpSpPr>
+        <p:grpSpPr>
           <a:xfrm>
-            <a:off x="2607320" y="5516698"/>
-            <a:ext cx="281747" cy="276999"/>
+            <a:off x="854828" y="6542132"/>
+            <a:ext cx="4306497" cy="2979651"/>
+            <a:chOff x="854828" y="6542132"/>
+            <a:chExt cx="4306497" cy="2979651"/>
           </a:xfrm>
-          <a:prstGeom prst="rect">
-            <a:avLst/>
-          </a:prstGeom>
-          <a:noFill/>
-        </p:spPr>
-        <p:txBody>
-          <a:bodyPr wrap="square" rtlCol="0">
-            <a:spAutoFit/>
-          </a:bodyPr>
-          <a:lstStyle/>
-          <a:p>
-            <a:pPr algn="ctr"/>
-            <a:r>
-              <a:rPr lang="en-US" sz="1200" dirty="0"/>
-              <a:t>1</a:t>
-            </a:r>
-          </a:p>
-        </p:txBody>
-      </p:sp>
-      <p:sp>
-        <p:nvSpPr>
-          <p:cNvPr id="31" name="TextBox 30"/>
-          <p:cNvSpPr txBox="1"/>
-          <p:nvPr/>
-        </p:nvSpPr>
-        <p:spPr>
-          <a:xfrm>
-            <a:off x="1992006" y="5516698"/>
-            <a:ext cx="446848" cy="276999"/>
-          </a:xfrm>
-          <a:prstGeom prst="rect">
-            <a:avLst/>
-          </a:prstGeom>
-          <a:noFill/>
-        </p:spPr>
-        <p:txBody>
-          <a:bodyPr wrap="square" rtlCol="0">
-            <a:spAutoFit/>
-          </a:bodyPr>
-          <a:lstStyle/>
-          <a:p>
-            <a:pPr algn="ctr"/>
-            <a:r>
-              <a:rPr lang="en-US" sz="1200" dirty="0" smtClean="0"/>
-              <a:t>0.5</a:t>
-            </a:r>
-            <a:endParaRPr lang="en-US" sz="1200" dirty="0"/>
-          </a:p>
-        </p:txBody>
-      </p:sp>
-      <p:sp>
-        <p:nvSpPr>
-          <p:cNvPr id="32" name="TextBox 31"/>
-          <p:cNvSpPr txBox="1"/>
-          <p:nvPr/>
-        </p:nvSpPr>
-        <p:spPr>
-          <a:xfrm>
-            <a:off x="1560206" y="5516698"/>
-            <a:ext cx="281747" cy="276999"/>
-          </a:xfrm>
-          <a:prstGeom prst="rect">
-            <a:avLst/>
-          </a:prstGeom>
-          <a:noFill/>
-        </p:spPr>
-        <p:txBody>
-          <a:bodyPr wrap="square" rtlCol="0">
-            <a:spAutoFit/>
-          </a:bodyPr>
-          <a:lstStyle/>
-          <a:p>
-            <a:r>
-              <a:rPr lang="en-US" sz="1200" dirty="0" smtClean="0"/>
-              <a:t>0</a:t>
-            </a:r>
-            <a:endParaRPr lang="en-US" sz="1200" dirty="0"/>
-          </a:p>
-        </p:txBody>
-      </p:sp>
-      <p:sp>
-        <p:nvSpPr>
-          <p:cNvPr id="38" name="TextBox 37"/>
-          <p:cNvSpPr txBox="1"/>
-          <p:nvPr/>
-        </p:nvSpPr>
-        <p:spPr>
-          <a:xfrm>
-            <a:off x="3924930" y="8253782"/>
-            <a:ext cx="281747" cy="276999"/>
-          </a:xfrm>
-          <a:prstGeom prst="rect">
-            <a:avLst/>
-          </a:prstGeom>
-          <a:noFill/>
-        </p:spPr>
-        <p:txBody>
-          <a:bodyPr wrap="square" rtlCol="0">
-            <a:spAutoFit/>
-          </a:bodyPr>
-          <a:lstStyle/>
-          <a:p>
-            <a:r>
-              <a:rPr lang="en-US" sz="1200" dirty="0" smtClean="0"/>
-              <a:t>4</a:t>
-            </a:r>
-            <a:endParaRPr lang="en-US" sz="1200" dirty="0"/>
-          </a:p>
-        </p:txBody>
-      </p:sp>
-      <p:sp>
-        <p:nvSpPr>
-          <p:cNvPr id="39" name="TextBox 38"/>
-          <p:cNvSpPr txBox="1"/>
-          <p:nvPr/>
-        </p:nvSpPr>
-        <p:spPr>
-          <a:xfrm>
-            <a:off x="3733334" y="3995092"/>
-            <a:ext cx="351520" cy="307777"/>
-          </a:xfrm>
-          <a:prstGeom prst="rect">
-            <a:avLst/>
-          </a:prstGeom>
-          <a:noFill/>
-        </p:spPr>
-        <p:txBody>
-          <a:bodyPr wrap="none" rtlCol="0">
-            <a:spAutoFit/>
-          </a:bodyPr>
-          <a:lstStyle/>
-          <a:p>
-            <a:r>
-              <a:rPr lang="el-GR" sz="1400" dirty="0" smtClean="0"/>
-              <a:t>α</a:t>
-            </a:r>
-            <a:r>
-              <a:rPr lang="en-US" sz="1400" baseline="-25000" dirty="0" smtClean="0"/>
-              <a:t>R</a:t>
-            </a:r>
-            <a:endParaRPr lang="en-US" sz="1400" baseline="-25000" dirty="0"/>
-          </a:p>
-        </p:txBody>
-      </p:sp>
-      <p:sp>
-        <p:nvSpPr>
-          <p:cNvPr id="40" name="TextBox 39"/>
-          <p:cNvSpPr txBox="1"/>
-          <p:nvPr/>
-        </p:nvSpPr>
-        <p:spPr>
-          <a:xfrm>
-            <a:off x="3175362" y="3995092"/>
-            <a:ext cx="388865" cy="307777"/>
-          </a:xfrm>
-          <a:prstGeom prst="rect">
-            <a:avLst/>
-          </a:prstGeom>
-          <a:noFill/>
-        </p:spPr>
-        <p:txBody>
-          <a:bodyPr wrap="none" rtlCol="0">
-            <a:spAutoFit/>
-          </a:bodyPr>
-          <a:lstStyle/>
-          <a:p>
-            <a:r>
-              <a:rPr lang="el-GR" sz="1400" dirty="0" smtClean="0"/>
-              <a:t>α</a:t>
-            </a:r>
-            <a:r>
-              <a:rPr lang="en-US" sz="1400" baseline="-25000" dirty="0" smtClean="0"/>
-              <a:t>M</a:t>
-            </a:r>
-            <a:endParaRPr lang="en-US" sz="1400" baseline="-25000" dirty="0"/>
-          </a:p>
-        </p:txBody>
-      </p:sp>
-      <p:sp>
-        <p:nvSpPr>
-          <p:cNvPr id="41" name="TextBox 40"/>
-          <p:cNvSpPr txBox="1"/>
-          <p:nvPr/>
-        </p:nvSpPr>
-        <p:spPr>
-          <a:xfrm>
-            <a:off x="2325078" y="3995092"/>
-            <a:ext cx="351520" cy="307777"/>
-          </a:xfrm>
-          <a:prstGeom prst="rect">
-            <a:avLst/>
-          </a:prstGeom>
-          <a:noFill/>
-        </p:spPr>
-        <p:txBody>
-          <a:bodyPr wrap="none" rtlCol="0">
-            <a:spAutoFit/>
-          </a:bodyPr>
-          <a:lstStyle/>
-          <a:p>
-            <a:r>
-              <a:rPr lang="el-GR" sz="1400" dirty="0" smtClean="0"/>
-              <a:t>α</a:t>
-            </a:r>
-            <a:r>
-              <a:rPr lang="en-US" sz="1400" baseline="-25000" dirty="0" smtClean="0"/>
-              <a:t>R</a:t>
-            </a:r>
-            <a:endParaRPr lang="en-US" sz="1400" baseline="-25000" dirty="0"/>
-          </a:p>
-        </p:txBody>
-      </p:sp>
-      <p:sp>
-        <p:nvSpPr>
-          <p:cNvPr id="42" name="TextBox 41"/>
-          <p:cNvSpPr txBox="1"/>
-          <p:nvPr/>
-        </p:nvSpPr>
-        <p:spPr>
-          <a:xfrm>
-            <a:off x="1767106" y="3995092"/>
-            <a:ext cx="388865" cy="307777"/>
-          </a:xfrm>
-          <a:prstGeom prst="rect">
-            <a:avLst/>
-          </a:prstGeom>
-          <a:noFill/>
-        </p:spPr>
-        <p:txBody>
-          <a:bodyPr wrap="none" rtlCol="0">
-            <a:spAutoFit/>
-          </a:bodyPr>
-          <a:lstStyle/>
-          <a:p>
-            <a:r>
-              <a:rPr lang="el-GR" sz="1400" dirty="0" smtClean="0"/>
-              <a:t>α</a:t>
-            </a:r>
-            <a:r>
-              <a:rPr lang="en-US" sz="1400" baseline="-25000" dirty="0" smtClean="0"/>
-              <a:t>M</a:t>
-            </a:r>
-            <a:endParaRPr lang="en-US" sz="1400" baseline="-25000" dirty="0"/>
-          </a:p>
-        </p:txBody>
-      </p:sp>
-      <p:sp>
-        <p:nvSpPr>
-          <p:cNvPr id="43" name="TextBox 42"/>
-          <p:cNvSpPr txBox="1"/>
-          <p:nvPr/>
-        </p:nvSpPr>
-        <p:spPr>
-          <a:xfrm>
-            <a:off x="4039460" y="2318403"/>
-            <a:ext cx="281747" cy="276999"/>
-          </a:xfrm>
-          <a:prstGeom prst="rect">
-            <a:avLst/>
-          </a:prstGeom>
-          <a:noFill/>
-        </p:spPr>
-        <p:txBody>
-          <a:bodyPr wrap="square" rtlCol="0">
-            <a:spAutoFit/>
-          </a:bodyPr>
-          <a:lstStyle/>
-          <a:p>
-            <a:pPr algn="ctr"/>
-            <a:r>
-              <a:rPr lang="en-US" sz="1200" dirty="0"/>
-              <a:t>1</a:t>
-            </a:r>
-          </a:p>
-        </p:txBody>
-      </p:sp>
-      <p:sp>
-        <p:nvSpPr>
-          <p:cNvPr id="44" name="TextBox 43"/>
-          <p:cNvSpPr txBox="1"/>
-          <p:nvPr/>
-        </p:nvSpPr>
-        <p:spPr>
-          <a:xfrm>
-            <a:off x="3424146" y="2318403"/>
-            <a:ext cx="446848" cy="276999"/>
-          </a:xfrm>
-          <a:prstGeom prst="rect">
-            <a:avLst/>
-          </a:prstGeom>
-          <a:noFill/>
-        </p:spPr>
-        <p:txBody>
-          <a:bodyPr wrap="square" rtlCol="0">
-            <a:spAutoFit/>
-          </a:bodyPr>
-          <a:lstStyle/>
-          <a:p>
-            <a:pPr algn="ctr"/>
-            <a:r>
-              <a:rPr lang="en-US" sz="1200" dirty="0" smtClean="0"/>
-              <a:t>0.5</a:t>
-            </a:r>
-            <a:endParaRPr lang="en-US" sz="1200" dirty="0"/>
-          </a:p>
-        </p:txBody>
-      </p:sp>
-      <p:sp>
-        <p:nvSpPr>
-          <p:cNvPr id="45" name="TextBox 44"/>
-          <p:cNvSpPr txBox="1"/>
-          <p:nvPr/>
-        </p:nvSpPr>
-        <p:spPr>
-          <a:xfrm>
-            <a:off x="2992346" y="2318403"/>
-            <a:ext cx="281747" cy="276999"/>
-          </a:xfrm>
-          <a:prstGeom prst="rect">
-            <a:avLst/>
-          </a:prstGeom>
-          <a:noFill/>
-        </p:spPr>
-        <p:txBody>
-          <a:bodyPr wrap="square" rtlCol="0">
-            <a:spAutoFit/>
-          </a:bodyPr>
-          <a:lstStyle/>
-          <a:p>
-            <a:r>
-              <a:rPr lang="en-US" sz="1200" dirty="0" smtClean="0"/>
-              <a:t>0</a:t>
-            </a:r>
-            <a:endParaRPr lang="en-US" sz="1200" dirty="0"/>
-          </a:p>
-        </p:txBody>
-      </p:sp>
-      <p:sp>
-        <p:nvSpPr>
-          <p:cNvPr id="46" name="TextBox 45"/>
-          <p:cNvSpPr txBox="1"/>
-          <p:nvPr/>
-        </p:nvSpPr>
-        <p:spPr>
-          <a:xfrm>
-            <a:off x="2607320" y="2318403"/>
-            <a:ext cx="281747" cy="276999"/>
-          </a:xfrm>
-          <a:prstGeom prst="rect">
-            <a:avLst/>
-          </a:prstGeom>
-          <a:noFill/>
-        </p:spPr>
-        <p:txBody>
-          <a:bodyPr wrap="square" rtlCol="0">
-            <a:spAutoFit/>
-          </a:bodyPr>
-          <a:lstStyle/>
-          <a:p>
-            <a:pPr algn="ctr"/>
-            <a:r>
-              <a:rPr lang="en-US" sz="1200" dirty="0"/>
-              <a:t>1</a:t>
-            </a:r>
-          </a:p>
-        </p:txBody>
-      </p:sp>
-      <p:sp>
-        <p:nvSpPr>
-          <p:cNvPr id="47" name="TextBox 46"/>
-          <p:cNvSpPr txBox="1"/>
-          <p:nvPr/>
-        </p:nvSpPr>
-        <p:spPr>
-          <a:xfrm>
-            <a:off x="1992006" y="2318403"/>
-            <a:ext cx="446848" cy="276999"/>
-          </a:xfrm>
-          <a:prstGeom prst="rect">
-            <a:avLst/>
-          </a:prstGeom>
-          <a:noFill/>
-        </p:spPr>
-        <p:txBody>
-          <a:bodyPr wrap="square" rtlCol="0">
-            <a:spAutoFit/>
-          </a:bodyPr>
-          <a:lstStyle/>
-          <a:p>
-            <a:pPr algn="ctr"/>
-            <a:r>
-              <a:rPr lang="en-US" sz="1200" dirty="0" smtClean="0"/>
-              <a:t>0.5</a:t>
-            </a:r>
-            <a:endParaRPr lang="en-US" sz="1200" dirty="0"/>
-          </a:p>
-        </p:txBody>
-      </p:sp>
-      <p:sp>
-        <p:nvSpPr>
-          <p:cNvPr id="48" name="TextBox 47"/>
-          <p:cNvSpPr txBox="1"/>
-          <p:nvPr/>
-        </p:nvSpPr>
-        <p:spPr>
-          <a:xfrm>
-            <a:off x="1560206" y="2318403"/>
-            <a:ext cx="281747" cy="276999"/>
-          </a:xfrm>
-          <a:prstGeom prst="rect">
-            <a:avLst/>
-          </a:prstGeom>
-          <a:noFill/>
-        </p:spPr>
-        <p:txBody>
-          <a:bodyPr wrap="square" rtlCol="0">
-            <a:spAutoFit/>
-          </a:bodyPr>
-          <a:lstStyle/>
-          <a:p>
-            <a:r>
-              <a:rPr lang="en-US" sz="1200" dirty="0" smtClean="0"/>
-              <a:t>0</a:t>
-            </a:r>
-            <a:endParaRPr lang="en-US" sz="1200" dirty="0"/>
-          </a:p>
-        </p:txBody>
-      </p:sp>
-      <p:sp>
-        <p:nvSpPr>
-          <p:cNvPr id="49" name="TextBox 48"/>
-          <p:cNvSpPr txBox="1"/>
-          <p:nvPr/>
-        </p:nvSpPr>
-        <p:spPr>
-          <a:xfrm>
-            <a:off x="3655883" y="8253782"/>
-            <a:ext cx="281747" cy="276999"/>
-          </a:xfrm>
-          <a:prstGeom prst="rect">
-            <a:avLst/>
-          </a:prstGeom>
-          <a:noFill/>
-        </p:spPr>
-        <p:txBody>
-          <a:bodyPr wrap="square" rtlCol="0">
-            <a:spAutoFit/>
-          </a:bodyPr>
-          <a:lstStyle/>
-          <a:p>
-            <a:r>
-              <a:rPr lang="en-US" sz="1200" dirty="0" smtClean="0"/>
-              <a:t>3</a:t>
-            </a:r>
-            <a:endParaRPr lang="en-US" sz="1200" dirty="0"/>
-          </a:p>
-        </p:txBody>
-      </p:sp>
-      <p:sp>
-        <p:nvSpPr>
-          <p:cNvPr id="50" name="TextBox 49"/>
-          <p:cNvSpPr txBox="1"/>
-          <p:nvPr/>
-        </p:nvSpPr>
-        <p:spPr>
-          <a:xfrm>
-            <a:off x="3384160" y="8253782"/>
-            <a:ext cx="281747" cy="276999"/>
-          </a:xfrm>
-          <a:prstGeom prst="rect">
-            <a:avLst/>
-          </a:prstGeom>
-          <a:noFill/>
-        </p:spPr>
-        <p:txBody>
-          <a:bodyPr wrap="square" rtlCol="0">
-            <a:spAutoFit/>
-          </a:bodyPr>
-          <a:lstStyle/>
-          <a:p>
-            <a:r>
-              <a:rPr lang="en-US" sz="1200" dirty="0" smtClean="0"/>
-              <a:t>2</a:t>
-            </a:r>
-            <a:endParaRPr lang="en-US" sz="1200" dirty="0"/>
-          </a:p>
-        </p:txBody>
-      </p:sp>
-      <p:sp>
-        <p:nvSpPr>
-          <p:cNvPr id="51" name="TextBox 50"/>
-          <p:cNvSpPr txBox="1"/>
-          <p:nvPr/>
-        </p:nvSpPr>
-        <p:spPr>
-          <a:xfrm>
-            <a:off x="3115113" y="8253782"/>
-            <a:ext cx="281747" cy="276999"/>
-          </a:xfrm>
-          <a:prstGeom prst="rect">
-            <a:avLst/>
-          </a:prstGeom>
-          <a:noFill/>
-        </p:spPr>
-        <p:txBody>
-          <a:bodyPr wrap="square" rtlCol="0">
-            <a:spAutoFit/>
-          </a:bodyPr>
-          <a:lstStyle/>
-          <a:p>
-            <a:r>
-              <a:rPr lang="en-US" sz="1200" dirty="0" smtClean="0"/>
-              <a:t>1</a:t>
-            </a:r>
-            <a:endParaRPr lang="en-US" sz="1200" dirty="0"/>
-          </a:p>
-        </p:txBody>
-      </p:sp>
-      <p:sp>
-        <p:nvSpPr>
-          <p:cNvPr id="52" name="TextBox 51"/>
-          <p:cNvSpPr txBox="1"/>
-          <p:nvPr/>
-        </p:nvSpPr>
-        <p:spPr>
-          <a:xfrm>
-            <a:off x="2498196" y="8253782"/>
-            <a:ext cx="281747" cy="276999"/>
-          </a:xfrm>
-          <a:prstGeom prst="rect">
-            <a:avLst/>
-          </a:prstGeom>
-          <a:noFill/>
-        </p:spPr>
-        <p:txBody>
-          <a:bodyPr wrap="square" rtlCol="0">
-            <a:spAutoFit/>
-          </a:bodyPr>
-          <a:lstStyle/>
-          <a:p>
-            <a:r>
-              <a:rPr lang="en-US" sz="1200" dirty="0" smtClean="0"/>
-              <a:t>4</a:t>
-            </a:r>
-            <a:endParaRPr lang="en-US" sz="1200" dirty="0"/>
-          </a:p>
-        </p:txBody>
-      </p:sp>
-      <p:sp>
-        <p:nvSpPr>
-          <p:cNvPr id="53" name="TextBox 52"/>
-          <p:cNvSpPr txBox="1"/>
-          <p:nvPr/>
-        </p:nvSpPr>
-        <p:spPr>
-          <a:xfrm>
-            <a:off x="2229149" y="8253782"/>
-            <a:ext cx="281747" cy="276999"/>
-          </a:xfrm>
-          <a:prstGeom prst="rect">
-            <a:avLst/>
-          </a:prstGeom>
-          <a:noFill/>
-        </p:spPr>
-        <p:txBody>
-          <a:bodyPr wrap="square" rtlCol="0">
-            <a:spAutoFit/>
-          </a:bodyPr>
-          <a:lstStyle/>
-          <a:p>
-            <a:r>
-              <a:rPr lang="en-US" sz="1200" dirty="0" smtClean="0"/>
-              <a:t>3</a:t>
-            </a:r>
-            <a:endParaRPr lang="en-US" sz="1200" dirty="0"/>
-          </a:p>
-        </p:txBody>
-      </p:sp>
-      <p:sp>
-        <p:nvSpPr>
-          <p:cNvPr id="54" name="TextBox 53"/>
-          <p:cNvSpPr txBox="1"/>
-          <p:nvPr/>
-        </p:nvSpPr>
-        <p:spPr>
-          <a:xfrm>
-            <a:off x="1957426" y="8253782"/>
-            <a:ext cx="281747" cy="276999"/>
-          </a:xfrm>
-          <a:prstGeom prst="rect">
-            <a:avLst/>
-          </a:prstGeom>
-          <a:noFill/>
-        </p:spPr>
-        <p:txBody>
-          <a:bodyPr wrap="square" rtlCol="0">
-            <a:spAutoFit/>
-          </a:bodyPr>
-          <a:lstStyle/>
-          <a:p>
-            <a:r>
-              <a:rPr lang="en-US" sz="1200" dirty="0" smtClean="0"/>
-              <a:t>2</a:t>
-            </a:r>
-            <a:endParaRPr lang="en-US" sz="1200" dirty="0"/>
-          </a:p>
-        </p:txBody>
-      </p:sp>
-      <p:sp>
-        <p:nvSpPr>
-          <p:cNvPr id="55" name="TextBox 54"/>
-          <p:cNvSpPr txBox="1"/>
-          <p:nvPr/>
-        </p:nvSpPr>
-        <p:spPr>
-          <a:xfrm>
-            <a:off x="1688379" y="8253782"/>
-            <a:ext cx="281747" cy="276999"/>
-          </a:xfrm>
-          <a:prstGeom prst="rect">
-            <a:avLst/>
-          </a:prstGeom>
-          <a:noFill/>
-        </p:spPr>
-        <p:txBody>
-          <a:bodyPr wrap="square" rtlCol="0">
-            <a:spAutoFit/>
-          </a:bodyPr>
-          <a:lstStyle/>
-          <a:p>
-            <a:r>
-              <a:rPr lang="en-US" sz="1200" dirty="0" smtClean="0"/>
-              <a:t>1</a:t>
-            </a:r>
-            <a:endParaRPr lang="en-US" sz="1200" dirty="0"/>
-          </a:p>
-        </p:txBody>
-      </p:sp>
-      <p:sp>
-        <p:nvSpPr>
-          <p:cNvPr id="56" name="TextBox 55"/>
-          <p:cNvSpPr txBox="1"/>
-          <p:nvPr/>
-        </p:nvSpPr>
-        <p:spPr>
-          <a:xfrm>
-            <a:off x="3924930" y="7102316"/>
-            <a:ext cx="281747" cy="276999"/>
-          </a:xfrm>
-          <a:prstGeom prst="rect">
-            <a:avLst/>
-          </a:prstGeom>
-          <a:noFill/>
-        </p:spPr>
-        <p:txBody>
-          <a:bodyPr wrap="square" rtlCol="0">
-            <a:spAutoFit/>
-          </a:bodyPr>
-          <a:lstStyle/>
-          <a:p>
-            <a:r>
-              <a:rPr lang="en-US" sz="1200" dirty="0" smtClean="0"/>
-              <a:t>4</a:t>
-            </a:r>
-            <a:endParaRPr lang="en-US" sz="1200" dirty="0"/>
-          </a:p>
-        </p:txBody>
-      </p:sp>
-      <p:sp>
-        <p:nvSpPr>
-          <p:cNvPr id="57" name="TextBox 56"/>
-          <p:cNvSpPr txBox="1"/>
-          <p:nvPr/>
-        </p:nvSpPr>
-        <p:spPr>
-          <a:xfrm>
-            <a:off x="3655883" y="7102316"/>
-            <a:ext cx="281747" cy="276999"/>
-          </a:xfrm>
-          <a:prstGeom prst="rect">
-            <a:avLst/>
-          </a:prstGeom>
-          <a:noFill/>
-        </p:spPr>
-        <p:txBody>
-          <a:bodyPr wrap="square" rtlCol="0">
-            <a:spAutoFit/>
-          </a:bodyPr>
-          <a:lstStyle/>
-          <a:p>
-            <a:r>
-              <a:rPr lang="en-US" sz="1200" dirty="0" smtClean="0"/>
-              <a:t>3</a:t>
-            </a:r>
-            <a:endParaRPr lang="en-US" sz="1200" dirty="0"/>
-          </a:p>
-        </p:txBody>
-      </p:sp>
-      <p:sp>
-        <p:nvSpPr>
-          <p:cNvPr id="58" name="TextBox 57"/>
-          <p:cNvSpPr txBox="1"/>
-          <p:nvPr/>
-        </p:nvSpPr>
-        <p:spPr>
-          <a:xfrm>
-            <a:off x="3384160" y="7102316"/>
-            <a:ext cx="281747" cy="276999"/>
-          </a:xfrm>
-          <a:prstGeom prst="rect">
-            <a:avLst/>
-          </a:prstGeom>
-          <a:noFill/>
-        </p:spPr>
-        <p:txBody>
-          <a:bodyPr wrap="square" rtlCol="0">
-            <a:spAutoFit/>
-          </a:bodyPr>
-          <a:lstStyle/>
-          <a:p>
-            <a:r>
-              <a:rPr lang="en-US" sz="1200" dirty="0" smtClean="0"/>
-              <a:t>2</a:t>
-            </a:r>
-            <a:endParaRPr lang="en-US" sz="1200" dirty="0"/>
-          </a:p>
-        </p:txBody>
-      </p:sp>
-      <p:sp>
-        <p:nvSpPr>
-          <p:cNvPr id="59" name="TextBox 58"/>
-          <p:cNvSpPr txBox="1"/>
-          <p:nvPr/>
-        </p:nvSpPr>
-        <p:spPr>
-          <a:xfrm>
-            <a:off x="3115113" y="7102316"/>
-            <a:ext cx="281747" cy="276999"/>
-          </a:xfrm>
-          <a:prstGeom prst="rect">
-            <a:avLst/>
-          </a:prstGeom>
-          <a:noFill/>
-        </p:spPr>
-        <p:txBody>
-          <a:bodyPr wrap="square" rtlCol="0">
-            <a:spAutoFit/>
-          </a:bodyPr>
-          <a:lstStyle/>
-          <a:p>
-            <a:r>
-              <a:rPr lang="en-US" sz="1200" dirty="0" smtClean="0"/>
-              <a:t>1</a:t>
-            </a:r>
-            <a:endParaRPr lang="en-US" sz="1200" dirty="0"/>
-          </a:p>
-        </p:txBody>
-      </p:sp>
-      <p:sp>
-        <p:nvSpPr>
-          <p:cNvPr id="60" name="TextBox 59"/>
-          <p:cNvSpPr txBox="1"/>
-          <p:nvPr/>
-        </p:nvSpPr>
-        <p:spPr>
-          <a:xfrm>
-            <a:off x="2498196" y="7102316"/>
-            <a:ext cx="281747" cy="276999"/>
-          </a:xfrm>
-          <a:prstGeom prst="rect">
-            <a:avLst/>
-          </a:prstGeom>
-          <a:noFill/>
-        </p:spPr>
-        <p:txBody>
-          <a:bodyPr wrap="square" rtlCol="0">
-            <a:spAutoFit/>
-          </a:bodyPr>
-          <a:lstStyle/>
-          <a:p>
-            <a:r>
-              <a:rPr lang="en-US" sz="1200" dirty="0" smtClean="0"/>
-              <a:t>4</a:t>
-            </a:r>
-            <a:endParaRPr lang="en-US" sz="1200" dirty="0"/>
-          </a:p>
-        </p:txBody>
-      </p:sp>
-      <p:sp>
-        <p:nvSpPr>
-          <p:cNvPr id="61" name="TextBox 60"/>
-          <p:cNvSpPr txBox="1"/>
-          <p:nvPr/>
-        </p:nvSpPr>
-        <p:spPr>
-          <a:xfrm>
-            <a:off x="2229149" y="7102316"/>
-            <a:ext cx="281747" cy="276999"/>
-          </a:xfrm>
-          <a:prstGeom prst="rect">
-            <a:avLst/>
-          </a:prstGeom>
-          <a:noFill/>
-        </p:spPr>
-        <p:txBody>
-          <a:bodyPr wrap="square" rtlCol="0">
-            <a:spAutoFit/>
-          </a:bodyPr>
-          <a:lstStyle/>
-          <a:p>
-            <a:r>
-              <a:rPr lang="en-US" sz="1200" dirty="0" smtClean="0"/>
-              <a:t>3</a:t>
-            </a:r>
-            <a:endParaRPr lang="en-US" sz="1200" dirty="0"/>
-          </a:p>
-        </p:txBody>
-      </p:sp>
-      <p:sp>
-        <p:nvSpPr>
-          <p:cNvPr id="62" name="TextBox 61"/>
-          <p:cNvSpPr txBox="1"/>
-          <p:nvPr/>
-        </p:nvSpPr>
-        <p:spPr>
-          <a:xfrm>
-            <a:off x="1957426" y="7102316"/>
-            <a:ext cx="281747" cy="276999"/>
-          </a:xfrm>
-          <a:prstGeom prst="rect">
-            <a:avLst/>
-          </a:prstGeom>
-          <a:noFill/>
-        </p:spPr>
-        <p:txBody>
-          <a:bodyPr wrap="square" rtlCol="0">
-            <a:spAutoFit/>
-          </a:bodyPr>
-          <a:lstStyle/>
-          <a:p>
-            <a:r>
-              <a:rPr lang="en-US" sz="1200" dirty="0" smtClean="0"/>
-              <a:t>2</a:t>
-            </a:r>
-            <a:endParaRPr lang="en-US" sz="1200" dirty="0"/>
-          </a:p>
-        </p:txBody>
-      </p:sp>
-      <p:sp>
-        <p:nvSpPr>
-          <p:cNvPr id="63" name="TextBox 62"/>
-          <p:cNvSpPr txBox="1"/>
-          <p:nvPr/>
-        </p:nvSpPr>
-        <p:spPr>
-          <a:xfrm>
-            <a:off x="1688379" y="7102316"/>
-            <a:ext cx="281747" cy="276999"/>
-          </a:xfrm>
-          <a:prstGeom prst="rect">
-            <a:avLst/>
-          </a:prstGeom>
-          <a:noFill/>
-        </p:spPr>
-        <p:txBody>
-          <a:bodyPr wrap="square" rtlCol="0">
-            <a:spAutoFit/>
-          </a:bodyPr>
-          <a:lstStyle/>
-          <a:p>
-            <a:r>
-              <a:rPr lang="en-US" sz="1200" dirty="0" smtClean="0"/>
-              <a:t>1</a:t>
-            </a:r>
-            <a:endParaRPr lang="en-US" sz="1200" dirty="0"/>
-          </a:p>
-        </p:txBody>
-      </p:sp>
-      <p:sp>
-        <p:nvSpPr>
-          <p:cNvPr id="64" name="TextBox 63"/>
-          <p:cNvSpPr txBox="1"/>
-          <p:nvPr/>
-        </p:nvSpPr>
-        <p:spPr>
-          <a:xfrm>
-            <a:off x="1103199" y="6130511"/>
-            <a:ext cx="546060" cy="276999"/>
-          </a:xfrm>
-          <a:prstGeom prst="rect">
-            <a:avLst/>
-          </a:prstGeom>
-          <a:noFill/>
-        </p:spPr>
-        <p:txBody>
-          <a:bodyPr wrap="square" rtlCol="0">
-            <a:spAutoFit/>
-          </a:bodyPr>
-          <a:lstStyle/>
-          <a:p>
-            <a:pPr algn="r"/>
-            <a:r>
-              <a:rPr lang="en-US" sz="1200" dirty="0" smtClean="0"/>
-              <a:t>100%</a:t>
-            </a:r>
-            <a:endParaRPr lang="en-US" sz="1200" dirty="0"/>
-          </a:p>
-        </p:txBody>
-      </p:sp>
-      <p:sp>
-        <p:nvSpPr>
-          <p:cNvPr id="67" name="TextBox 66"/>
-          <p:cNvSpPr txBox="1"/>
-          <p:nvPr/>
-        </p:nvSpPr>
-        <p:spPr>
-          <a:xfrm>
-            <a:off x="1149804" y="6559000"/>
-            <a:ext cx="499455" cy="276999"/>
-          </a:xfrm>
-          <a:prstGeom prst="rect">
-            <a:avLst/>
-          </a:prstGeom>
-          <a:noFill/>
-        </p:spPr>
-        <p:txBody>
-          <a:bodyPr wrap="square" rtlCol="0">
-            <a:spAutoFit/>
-          </a:bodyPr>
-          <a:lstStyle/>
-          <a:p>
-            <a:pPr algn="r"/>
-            <a:r>
-              <a:rPr lang="en-US" sz="1200" dirty="0" smtClean="0"/>
-              <a:t>50%</a:t>
-            </a:r>
-            <a:endParaRPr lang="en-US" sz="1200" dirty="0"/>
-          </a:p>
-        </p:txBody>
-      </p:sp>
-      <p:sp>
-        <p:nvSpPr>
-          <p:cNvPr id="68" name="TextBox 67"/>
-          <p:cNvSpPr txBox="1"/>
-          <p:nvPr/>
-        </p:nvSpPr>
-        <p:spPr>
-          <a:xfrm>
-            <a:off x="1064079" y="4428350"/>
-            <a:ext cx="585180" cy="276999"/>
-          </a:xfrm>
-          <a:prstGeom prst="rect">
-            <a:avLst/>
-          </a:prstGeom>
-          <a:noFill/>
-        </p:spPr>
-        <p:txBody>
-          <a:bodyPr wrap="square" rtlCol="0">
-            <a:spAutoFit/>
-          </a:bodyPr>
-          <a:lstStyle/>
-          <a:p>
-            <a:pPr algn="r"/>
-            <a:r>
-              <a:rPr lang="en-US" sz="1200" dirty="0" smtClean="0"/>
-              <a:t>100%</a:t>
-            </a:r>
-            <a:endParaRPr lang="en-US" sz="1200" dirty="0"/>
-          </a:p>
-        </p:txBody>
-      </p:sp>
-      <p:sp>
-        <p:nvSpPr>
-          <p:cNvPr id="69" name="TextBox 68"/>
-          <p:cNvSpPr txBox="1"/>
-          <p:nvPr/>
-        </p:nvSpPr>
-        <p:spPr>
-          <a:xfrm>
-            <a:off x="1149803" y="4749025"/>
-            <a:ext cx="499455" cy="276999"/>
-          </a:xfrm>
-          <a:prstGeom prst="rect">
-            <a:avLst/>
-          </a:prstGeom>
-          <a:noFill/>
-        </p:spPr>
-        <p:txBody>
-          <a:bodyPr wrap="square" rtlCol="0">
-            <a:spAutoFit/>
-          </a:bodyPr>
-          <a:lstStyle/>
-          <a:p>
-            <a:pPr algn="r"/>
-            <a:r>
-              <a:rPr lang="en-US" sz="1200" dirty="0"/>
-              <a:t>8</a:t>
-            </a:r>
-            <a:r>
-              <a:rPr lang="en-US" sz="1200" dirty="0" smtClean="0"/>
-              <a:t>0%</a:t>
-            </a:r>
-            <a:endParaRPr lang="en-US" sz="1200" dirty="0"/>
-          </a:p>
-        </p:txBody>
-      </p:sp>
-      <p:sp>
-        <p:nvSpPr>
-          <p:cNvPr id="70" name="TextBox 69"/>
-          <p:cNvSpPr txBox="1"/>
-          <p:nvPr/>
-        </p:nvSpPr>
-        <p:spPr>
-          <a:xfrm>
-            <a:off x="1149803" y="5097868"/>
-            <a:ext cx="499455" cy="276999"/>
-          </a:xfrm>
-          <a:prstGeom prst="rect">
-            <a:avLst/>
-          </a:prstGeom>
-          <a:noFill/>
-        </p:spPr>
-        <p:txBody>
-          <a:bodyPr wrap="square" rtlCol="0">
-            <a:spAutoFit/>
-          </a:bodyPr>
-          <a:lstStyle/>
-          <a:p>
-            <a:pPr algn="r"/>
-            <a:r>
-              <a:rPr lang="en-US" sz="1200" dirty="0"/>
-              <a:t>6</a:t>
-            </a:r>
-            <a:r>
-              <a:rPr lang="en-US" sz="1200" dirty="0" smtClean="0"/>
-              <a:t>0%</a:t>
-            </a:r>
-            <a:endParaRPr lang="en-US" sz="1200" dirty="0"/>
-          </a:p>
-        </p:txBody>
-      </p:sp>
-      <p:sp>
-        <p:nvSpPr>
-          <p:cNvPr id="71" name="TextBox 70"/>
-          <p:cNvSpPr txBox="1"/>
-          <p:nvPr/>
-        </p:nvSpPr>
-        <p:spPr>
-          <a:xfrm>
-            <a:off x="1149803" y="5418543"/>
-            <a:ext cx="499455" cy="276999"/>
-          </a:xfrm>
-          <a:prstGeom prst="rect">
-            <a:avLst/>
-          </a:prstGeom>
-          <a:noFill/>
-        </p:spPr>
-        <p:txBody>
-          <a:bodyPr wrap="square" rtlCol="0">
-            <a:spAutoFit/>
-          </a:bodyPr>
-          <a:lstStyle/>
-          <a:p>
-            <a:pPr algn="r"/>
-            <a:r>
-              <a:rPr lang="en-US" sz="1200" dirty="0" smtClean="0"/>
-              <a:t>40%</a:t>
-            </a:r>
-            <a:endParaRPr lang="en-US" sz="1200" dirty="0"/>
-          </a:p>
-        </p:txBody>
-      </p:sp>
-      <p:sp>
-        <p:nvSpPr>
-          <p:cNvPr id="72" name="TextBox 71"/>
-          <p:cNvSpPr txBox="1"/>
-          <p:nvPr/>
-        </p:nvSpPr>
-        <p:spPr>
-          <a:xfrm>
-            <a:off x="1149803" y="6974761"/>
-            <a:ext cx="499455" cy="276999"/>
-          </a:xfrm>
-          <a:prstGeom prst="rect">
-            <a:avLst/>
-          </a:prstGeom>
-          <a:noFill/>
-        </p:spPr>
-        <p:txBody>
-          <a:bodyPr wrap="square" rtlCol="0">
-            <a:spAutoFit/>
-          </a:bodyPr>
-          <a:lstStyle/>
-          <a:p>
-            <a:pPr algn="r"/>
-            <a:r>
-              <a:rPr lang="en-US" sz="1200" dirty="0" smtClean="0"/>
-              <a:t>0%</a:t>
-            </a:r>
-            <a:endParaRPr lang="en-US" sz="1200" dirty="0"/>
-          </a:p>
-        </p:txBody>
-      </p:sp>
-      <p:sp>
-        <p:nvSpPr>
-          <p:cNvPr id="73" name="TextBox 72"/>
-          <p:cNvSpPr txBox="1"/>
-          <p:nvPr/>
-        </p:nvSpPr>
-        <p:spPr>
-          <a:xfrm>
-            <a:off x="1064079" y="1018224"/>
-            <a:ext cx="585180" cy="276999"/>
-          </a:xfrm>
-          <a:prstGeom prst="rect">
-            <a:avLst/>
-          </a:prstGeom>
-          <a:noFill/>
-        </p:spPr>
-        <p:txBody>
-          <a:bodyPr wrap="square" rtlCol="0">
-            <a:spAutoFit/>
-          </a:bodyPr>
-          <a:lstStyle/>
-          <a:p>
-            <a:pPr algn="r"/>
-            <a:r>
-              <a:rPr lang="en-US" sz="1200" dirty="0" smtClean="0"/>
-              <a:t>1.0</a:t>
-            </a:r>
-            <a:endParaRPr lang="en-US" sz="1200" dirty="0"/>
-          </a:p>
-        </p:txBody>
-      </p:sp>
-      <p:sp>
-        <p:nvSpPr>
-          <p:cNvPr id="74" name="TextBox 73"/>
-          <p:cNvSpPr txBox="1"/>
-          <p:nvPr/>
-        </p:nvSpPr>
-        <p:spPr>
-          <a:xfrm>
-            <a:off x="1149804" y="1600981"/>
-            <a:ext cx="499455" cy="276999"/>
-          </a:xfrm>
-          <a:prstGeom prst="rect">
-            <a:avLst/>
-          </a:prstGeom>
-          <a:noFill/>
-        </p:spPr>
-        <p:txBody>
-          <a:bodyPr wrap="square" rtlCol="0">
-            <a:spAutoFit/>
-          </a:bodyPr>
-          <a:lstStyle/>
-          <a:p>
-            <a:pPr algn="r"/>
-            <a:r>
-              <a:rPr lang="en-US" sz="1200" dirty="0" smtClean="0"/>
-              <a:t>0.5</a:t>
-            </a:r>
-            <a:endParaRPr lang="en-US" sz="1200" dirty="0"/>
-          </a:p>
-        </p:txBody>
-      </p:sp>
-      <p:sp>
-        <p:nvSpPr>
-          <p:cNvPr id="75" name="TextBox 74"/>
-          <p:cNvSpPr txBox="1"/>
-          <p:nvPr/>
-        </p:nvSpPr>
-        <p:spPr>
-          <a:xfrm>
-            <a:off x="1149803" y="2202128"/>
-            <a:ext cx="499455" cy="276999"/>
-          </a:xfrm>
-          <a:prstGeom prst="rect">
-            <a:avLst/>
-          </a:prstGeom>
-          <a:noFill/>
-        </p:spPr>
-        <p:txBody>
-          <a:bodyPr wrap="square" rtlCol="0">
-            <a:spAutoFit/>
-          </a:bodyPr>
-          <a:lstStyle/>
-          <a:p>
-            <a:pPr algn="r"/>
-            <a:r>
-              <a:rPr lang="en-US" sz="1200" dirty="0" smtClean="0"/>
-              <a:t>0.0</a:t>
-            </a:r>
-            <a:endParaRPr lang="en-US" sz="1200" dirty="0"/>
-          </a:p>
-        </p:txBody>
-      </p:sp>
-      <p:sp>
-        <p:nvSpPr>
-          <p:cNvPr id="76" name="TextBox 75"/>
-          <p:cNvSpPr txBox="1"/>
-          <p:nvPr/>
-        </p:nvSpPr>
-        <p:spPr>
-          <a:xfrm>
-            <a:off x="1103199" y="7292057"/>
-            <a:ext cx="546060" cy="276999"/>
-          </a:xfrm>
-          <a:prstGeom prst="rect">
-            <a:avLst/>
-          </a:prstGeom>
-          <a:noFill/>
-        </p:spPr>
-        <p:txBody>
-          <a:bodyPr wrap="square" rtlCol="0">
-            <a:spAutoFit/>
-          </a:bodyPr>
-          <a:lstStyle/>
-          <a:p>
-            <a:pPr algn="r"/>
-            <a:r>
-              <a:rPr lang="en-US" sz="1200" dirty="0" smtClean="0"/>
-              <a:t>100%</a:t>
-            </a:r>
-            <a:endParaRPr lang="en-US" sz="1200" dirty="0"/>
-          </a:p>
-        </p:txBody>
-      </p:sp>
-      <p:sp>
-        <p:nvSpPr>
-          <p:cNvPr id="77" name="TextBox 76"/>
-          <p:cNvSpPr txBox="1"/>
-          <p:nvPr/>
-        </p:nvSpPr>
-        <p:spPr>
-          <a:xfrm>
-            <a:off x="1149804" y="7720546"/>
-            <a:ext cx="499455" cy="276999"/>
-          </a:xfrm>
-          <a:prstGeom prst="rect">
-            <a:avLst/>
-          </a:prstGeom>
-          <a:noFill/>
-        </p:spPr>
-        <p:txBody>
-          <a:bodyPr wrap="square" rtlCol="0">
-            <a:spAutoFit/>
-          </a:bodyPr>
-          <a:lstStyle/>
-          <a:p>
-            <a:pPr algn="r"/>
-            <a:r>
-              <a:rPr lang="en-US" sz="1200" dirty="0" smtClean="0"/>
-              <a:t>50%</a:t>
-            </a:r>
-            <a:endParaRPr lang="en-US" sz="1200" dirty="0"/>
-          </a:p>
-        </p:txBody>
-      </p:sp>
-      <p:sp>
-        <p:nvSpPr>
-          <p:cNvPr id="78" name="TextBox 77"/>
-          <p:cNvSpPr txBox="1"/>
-          <p:nvPr/>
-        </p:nvSpPr>
-        <p:spPr>
-          <a:xfrm>
-            <a:off x="1149803" y="8136307"/>
-            <a:ext cx="499455" cy="276999"/>
-          </a:xfrm>
-          <a:prstGeom prst="rect">
-            <a:avLst/>
-          </a:prstGeom>
-          <a:noFill/>
-        </p:spPr>
-        <p:txBody>
-          <a:bodyPr wrap="square" rtlCol="0">
-            <a:spAutoFit/>
-          </a:bodyPr>
-          <a:lstStyle/>
-          <a:p>
-            <a:pPr algn="r"/>
-            <a:r>
-              <a:rPr lang="en-US" sz="1200" dirty="0" smtClean="0"/>
-              <a:t>0%</a:t>
-            </a:r>
-            <a:endParaRPr lang="en-US" sz="1200" dirty="0"/>
-          </a:p>
-        </p:txBody>
-      </p:sp>
-      <p:sp>
-        <p:nvSpPr>
-          <p:cNvPr id="81" name="TextBox 80"/>
-          <p:cNvSpPr txBox="1"/>
-          <p:nvPr/>
-        </p:nvSpPr>
-        <p:spPr>
-          <a:xfrm>
-            <a:off x="3281340" y="8462056"/>
-            <a:ext cx="717664" cy="307777"/>
-          </a:xfrm>
-          <a:prstGeom prst="rect">
-            <a:avLst/>
-          </a:prstGeom>
-          <a:noFill/>
-        </p:spPr>
-        <p:txBody>
-          <a:bodyPr wrap="none" rtlCol="0">
-            <a:spAutoFit/>
-          </a:bodyPr>
-          <a:lstStyle/>
-          <a:p>
-            <a:pPr algn="ctr"/>
-            <a:r>
-              <a:rPr lang="en-GB" sz="1400" dirty="0" smtClean="0"/>
-              <a:t># times</a:t>
-            </a:r>
-            <a:endParaRPr lang="en-US" sz="1400" baseline="-25000" dirty="0"/>
-          </a:p>
-        </p:txBody>
-      </p:sp>
-      <p:sp>
-        <p:nvSpPr>
-          <p:cNvPr id="82" name="TextBox 81"/>
-          <p:cNvSpPr txBox="1"/>
-          <p:nvPr/>
-        </p:nvSpPr>
-        <p:spPr>
-          <a:xfrm>
-            <a:off x="1815486" y="8462056"/>
-            <a:ext cx="717664" cy="307777"/>
-          </a:xfrm>
-          <a:prstGeom prst="rect">
-            <a:avLst/>
-          </a:prstGeom>
-          <a:noFill/>
-        </p:spPr>
-        <p:txBody>
-          <a:bodyPr wrap="none" rtlCol="0">
-            <a:spAutoFit/>
-          </a:bodyPr>
-          <a:lstStyle/>
-          <a:p>
-            <a:pPr algn="ctr"/>
-            <a:r>
-              <a:rPr lang="en-GB" sz="1400" dirty="0" smtClean="0"/>
-              <a:t># times</a:t>
-            </a:r>
-            <a:endParaRPr lang="en-US" sz="1400" baseline="-25000" dirty="0"/>
-          </a:p>
-        </p:txBody>
-      </p:sp>
-      <p:sp>
-        <p:nvSpPr>
-          <p:cNvPr id="85" name="TextBox 84"/>
-          <p:cNvSpPr txBox="1"/>
-          <p:nvPr/>
-        </p:nvSpPr>
-        <p:spPr>
-          <a:xfrm>
-            <a:off x="3115113" y="2513177"/>
-            <a:ext cx="1196603" cy="307777"/>
-          </a:xfrm>
-          <a:prstGeom prst="rect">
-            <a:avLst/>
-          </a:prstGeom>
-          <a:noFill/>
-        </p:spPr>
-        <p:txBody>
-          <a:bodyPr wrap="none" rtlCol="0">
-            <a:spAutoFit/>
-          </a:bodyPr>
-          <a:lstStyle/>
-          <a:p>
-            <a:r>
-              <a:rPr lang="en-US" sz="1400" dirty="0" smtClean="0"/>
-              <a:t>parameter </a:t>
-            </a:r>
-            <a:r>
-              <a:rPr lang="el-GR" sz="1400" dirty="0" smtClean="0"/>
-              <a:t>α</a:t>
-            </a:r>
-            <a:r>
-              <a:rPr lang="en-GB" sz="1400" baseline="-25000" dirty="0" smtClean="0"/>
-              <a:t>M</a:t>
-            </a:r>
-            <a:endParaRPr lang="en-US" sz="1400" baseline="-25000" dirty="0"/>
-          </a:p>
-        </p:txBody>
-      </p:sp>
-      <p:sp>
-        <p:nvSpPr>
-          <p:cNvPr id="86" name="TextBox 85"/>
-          <p:cNvSpPr txBox="1"/>
-          <p:nvPr/>
-        </p:nvSpPr>
-        <p:spPr>
-          <a:xfrm>
-            <a:off x="1649259" y="2513177"/>
-            <a:ext cx="1196603" cy="307777"/>
-          </a:xfrm>
-          <a:prstGeom prst="rect">
-            <a:avLst/>
-          </a:prstGeom>
-          <a:noFill/>
-        </p:spPr>
-        <p:txBody>
-          <a:bodyPr wrap="none" rtlCol="0">
-            <a:spAutoFit/>
-          </a:bodyPr>
-          <a:lstStyle/>
-          <a:p>
-            <a:r>
-              <a:rPr lang="en-US" sz="1400" dirty="0" smtClean="0"/>
-              <a:t>parameter </a:t>
-            </a:r>
-            <a:r>
-              <a:rPr lang="el-GR" sz="1400" dirty="0" smtClean="0"/>
-              <a:t>α</a:t>
-            </a:r>
-            <a:r>
-              <a:rPr lang="en-GB" sz="1400" baseline="-25000" dirty="0" smtClean="0"/>
-              <a:t>M</a:t>
-            </a:r>
-            <a:endParaRPr lang="en-US" sz="1400" baseline="-25000" dirty="0"/>
-          </a:p>
-        </p:txBody>
-      </p:sp>
-      <p:sp>
-        <p:nvSpPr>
-          <p:cNvPr id="87" name="TextBox 86"/>
-          <p:cNvSpPr txBox="1"/>
-          <p:nvPr/>
-        </p:nvSpPr>
-        <p:spPr>
-          <a:xfrm rot="16200000">
-            <a:off x="724055" y="7829355"/>
-            <a:ext cx="851515" cy="307777"/>
-          </a:xfrm>
-          <a:prstGeom prst="rect">
-            <a:avLst/>
-          </a:prstGeom>
-          <a:noFill/>
-        </p:spPr>
-        <p:txBody>
-          <a:bodyPr wrap="none" rtlCol="0">
-            <a:spAutoFit/>
-          </a:bodyPr>
-          <a:lstStyle/>
-          <a:p>
-            <a:r>
-              <a:rPr lang="en-GB" sz="1400" dirty="0" smtClean="0"/>
-              <a:t>response</a:t>
-            </a:r>
-            <a:endParaRPr lang="en-US" sz="1400" baseline="-25000" dirty="0"/>
-          </a:p>
-        </p:txBody>
-      </p:sp>
-      <p:sp>
-        <p:nvSpPr>
-          <p:cNvPr id="88" name="TextBox 87"/>
-          <p:cNvSpPr txBox="1"/>
-          <p:nvPr/>
-        </p:nvSpPr>
-        <p:spPr>
-          <a:xfrm>
-            <a:off x="1064079" y="2934280"/>
-            <a:ext cx="585180" cy="276999"/>
-          </a:xfrm>
-          <a:prstGeom prst="rect">
-            <a:avLst/>
-          </a:prstGeom>
-          <a:noFill/>
-        </p:spPr>
-        <p:txBody>
-          <a:bodyPr wrap="square" rtlCol="0">
-            <a:spAutoFit/>
-          </a:bodyPr>
-          <a:lstStyle/>
-          <a:p>
-            <a:pPr algn="r"/>
-            <a:r>
-              <a:rPr lang="en-US" sz="1200" dirty="0" smtClean="0"/>
-              <a:t>1.0</a:t>
-            </a:r>
-            <a:endParaRPr lang="en-US" sz="1200" dirty="0"/>
-          </a:p>
-        </p:txBody>
-      </p:sp>
-      <p:sp>
-        <p:nvSpPr>
-          <p:cNvPr id="89" name="TextBox 88"/>
-          <p:cNvSpPr txBox="1"/>
-          <p:nvPr/>
-        </p:nvSpPr>
-        <p:spPr>
-          <a:xfrm>
-            <a:off x="1149804" y="3413462"/>
-            <a:ext cx="499455" cy="276999"/>
-          </a:xfrm>
-          <a:prstGeom prst="rect">
-            <a:avLst/>
-          </a:prstGeom>
-          <a:noFill/>
-        </p:spPr>
-        <p:txBody>
-          <a:bodyPr wrap="square" rtlCol="0">
-            <a:spAutoFit/>
-          </a:bodyPr>
-          <a:lstStyle/>
-          <a:p>
-            <a:pPr algn="r"/>
-            <a:r>
-              <a:rPr lang="en-US" sz="1200" dirty="0" smtClean="0"/>
-              <a:t>0.5</a:t>
-            </a:r>
-            <a:endParaRPr lang="en-US" sz="1200" dirty="0"/>
-          </a:p>
-        </p:txBody>
-      </p:sp>
-      <p:sp>
-        <p:nvSpPr>
-          <p:cNvPr id="90" name="TextBox 89"/>
-          <p:cNvSpPr txBox="1"/>
-          <p:nvPr/>
-        </p:nvSpPr>
-        <p:spPr>
-          <a:xfrm>
-            <a:off x="1149803" y="3924473"/>
-            <a:ext cx="499455" cy="276999"/>
-          </a:xfrm>
-          <a:prstGeom prst="rect">
-            <a:avLst/>
-          </a:prstGeom>
-          <a:noFill/>
-        </p:spPr>
-        <p:txBody>
-          <a:bodyPr wrap="square" rtlCol="0">
-            <a:spAutoFit/>
-          </a:bodyPr>
-          <a:lstStyle/>
-          <a:p>
-            <a:pPr algn="r"/>
-            <a:r>
-              <a:rPr lang="en-US" sz="1200" dirty="0" smtClean="0"/>
-              <a:t>0.0</a:t>
-            </a:r>
-            <a:endParaRPr lang="en-US" sz="1200" dirty="0"/>
-          </a:p>
-        </p:txBody>
-      </p:sp>
-      <p:sp>
-        <p:nvSpPr>
-          <p:cNvPr id="91" name="TextBox 90"/>
-          <p:cNvSpPr txBox="1"/>
-          <p:nvPr/>
-        </p:nvSpPr>
-        <p:spPr>
-          <a:xfrm rot="16200000">
-            <a:off x="423752" y="3408589"/>
-            <a:ext cx="1452115" cy="307777"/>
-          </a:xfrm>
-          <a:prstGeom prst="rect">
-            <a:avLst/>
-          </a:prstGeom>
-          <a:noFill/>
-        </p:spPr>
-        <p:txBody>
-          <a:bodyPr wrap="none" rtlCol="0">
-            <a:spAutoFit/>
-          </a:bodyPr>
-          <a:lstStyle/>
-          <a:p>
-            <a:r>
-              <a:rPr lang="en-GB" sz="1400" dirty="0" smtClean="0"/>
-              <a:t>fitted parameters</a:t>
-            </a:r>
-            <a:endParaRPr lang="en-US" sz="1400" baseline="-25000" dirty="0"/>
-          </a:p>
-        </p:txBody>
-      </p:sp>
-      <p:sp>
-        <p:nvSpPr>
-          <p:cNvPr id="92" name="TextBox 91"/>
-          <p:cNvSpPr txBox="1"/>
-          <p:nvPr/>
-        </p:nvSpPr>
-        <p:spPr>
-          <a:xfrm rot="16200000">
-            <a:off x="582987" y="5078296"/>
-            <a:ext cx="1133644" cy="307777"/>
-          </a:xfrm>
-          <a:prstGeom prst="rect">
-            <a:avLst/>
-          </a:prstGeom>
-          <a:noFill/>
-        </p:spPr>
-        <p:txBody>
-          <a:bodyPr wrap="none" rtlCol="0">
-            <a:spAutoFit/>
-          </a:bodyPr>
-          <a:lstStyle/>
-          <a:p>
-            <a:r>
-              <a:rPr lang="en-GB" sz="1400" dirty="0" smtClean="0"/>
-              <a:t>performance</a:t>
-            </a:r>
-            <a:endParaRPr lang="en-US" sz="1400" baseline="-25000" dirty="0"/>
-          </a:p>
-        </p:txBody>
-      </p:sp>
-      <p:sp>
-        <p:nvSpPr>
-          <p:cNvPr id="93" name="TextBox 92"/>
-          <p:cNvSpPr txBox="1"/>
-          <p:nvPr/>
-        </p:nvSpPr>
-        <p:spPr>
-          <a:xfrm rot="16200000">
-            <a:off x="724055" y="6679379"/>
-            <a:ext cx="851515" cy="307777"/>
-          </a:xfrm>
-          <a:prstGeom prst="rect">
-            <a:avLst/>
-          </a:prstGeom>
-          <a:noFill/>
-        </p:spPr>
-        <p:txBody>
-          <a:bodyPr wrap="none" rtlCol="0">
-            <a:spAutoFit/>
-          </a:bodyPr>
-          <a:lstStyle/>
-          <a:p>
-            <a:r>
-              <a:rPr lang="en-GB" sz="1400" dirty="0" smtClean="0"/>
-              <a:t>response</a:t>
-            </a:r>
-            <a:endParaRPr lang="en-US" sz="1400" baseline="-25000" dirty="0"/>
-          </a:p>
-        </p:txBody>
-      </p:sp>
-      <p:sp>
-        <p:nvSpPr>
-          <p:cNvPr id="94" name="TextBox 93"/>
-          <p:cNvSpPr txBox="1"/>
-          <p:nvPr/>
-        </p:nvSpPr>
-        <p:spPr>
-          <a:xfrm rot="16200000">
-            <a:off x="570157" y="1566213"/>
-            <a:ext cx="1159292" cy="307777"/>
-          </a:xfrm>
-          <a:prstGeom prst="rect">
-            <a:avLst/>
-          </a:prstGeom>
-          <a:noFill/>
-        </p:spPr>
-        <p:txBody>
-          <a:bodyPr wrap="none" rtlCol="0">
-            <a:spAutoFit/>
-          </a:bodyPr>
-          <a:lstStyle/>
-          <a:p>
-            <a:r>
-              <a:rPr lang="en-US" sz="1400" dirty="0" smtClean="0"/>
-              <a:t>parameter </a:t>
-            </a:r>
-            <a:r>
-              <a:rPr lang="el-GR" sz="1400" dirty="0" smtClean="0"/>
-              <a:t>α</a:t>
-            </a:r>
-            <a:r>
-              <a:rPr lang="en-GB" sz="1400" baseline="-25000" dirty="0" smtClean="0"/>
-              <a:t>R</a:t>
-            </a:r>
-            <a:endParaRPr lang="en-US" sz="1400" baseline="-25000" dirty="0"/>
-          </a:p>
-        </p:txBody>
-      </p:sp>
-      <p:sp>
-        <p:nvSpPr>
-          <p:cNvPr id="83" name="TextBox 82"/>
-          <p:cNvSpPr txBox="1"/>
-          <p:nvPr/>
-        </p:nvSpPr>
-        <p:spPr>
-          <a:xfrm>
-            <a:off x="3115113" y="5696591"/>
-            <a:ext cx="1196603" cy="307777"/>
-          </a:xfrm>
-          <a:prstGeom prst="rect">
-            <a:avLst/>
-          </a:prstGeom>
-          <a:noFill/>
-        </p:spPr>
-        <p:txBody>
-          <a:bodyPr wrap="none" rtlCol="0">
-            <a:spAutoFit/>
-          </a:bodyPr>
-          <a:lstStyle/>
-          <a:p>
-            <a:r>
-              <a:rPr lang="en-US" sz="1400" dirty="0" smtClean="0"/>
-              <a:t>parameter </a:t>
-            </a:r>
-            <a:r>
-              <a:rPr lang="el-GR" sz="1400" dirty="0" smtClean="0"/>
-              <a:t>α</a:t>
-            </a:r>
-            <a:r>
-              <a:rPr lang="en-GB" sz="1400" baseline="-25000" dirty="0" smtClean="0"/>
-              <a:t>R</a:t>
-            </a:r>
-            <a:endParaRPr lang="en-US" sz="1400" baseline="-25000" dirty="0"/>
-          </a:p>
-        </p:txBody>
-      </p:sp>
-      <p:sp>
-        <p:nvSpPr>
-          <p:cNvPr id="84" name="TextBox 83"/>
-          <p:cNvSpPr txBox="1"/>
-          <p:nvPr/>
-        </p:nvSpPr>
-        <p:spPr>
-          <a:xfrm>
-            <a:off x="1649259" y="5696591"/>
-            <a:ext cx="1196603" cy="307777"/>
-          </a:xfrm>
-          <a:prstGeom prst="rect">
-            <a:avLst/>
-          </a:prstGeom>
-          <a:noFill/>
-        </p:spPr>
-        <p:txBody>
-          <a:bodyPr wrap="none" rtlCol="0">
-            <a:spAutoFit/>
-          </a:bodyPr>
-          <a:lstStyle/>
-          <a:p>
-            <a:r>
-              <a:rPr lang="en-US" sz="1400" dirty="0" smtClean="0"/>
-              <a:t>parameter </a:t>
-            </a:r>
-            <a:r>
-              <a:rPr lang="el-GR" sz="1400" dirty="0" smtClean="0"/>
-              <a:t>α</a:t>
-            </a:r>
-            <a:r>
-              <a:rPr lang="en-GB" sz="1400" baseline="-25000" dirty="0" smtClean="0"/>
-              <a:t>R</a:t>
-            </a:r>
-            <a:endParaRPr lang="en-US" sz="1400" baseline="-25000" dirty="0"/>
-          </a:p>
-        </p:txBody>
-      </p:sp>
+        </p:grpSpPr>
+        <p:pic>
+          <p:nvPicPr>
+            <p:cNvPr id="142" name="Picture 141" descr="figure_2Dbis.pdf"/>
+            <p:cNvPicPr>
+              <a:picLocks noChangeAspect="1"/>
+            </p:cNvPicPr>
+            <p:nvPr/>
+          </p:nvPicPr>
+          <mc:AlternateContent>
+            <mc:Choice xmlns:ma="http://schemas.microsoft.com/office/mac/drawingml/2008/main" Requires="ma">
+              <p:blipFill>
+                <a:blip r:embed="rId9"/>
+                <a:stretch>
+                  <a:fillRect/>
+                </a:stretch>
+              </p:blipFill>
+            </mc:Choice>
+            <mc:Fallback>
+              <p:blipFill>
+                <a:blip r:embed="rId10"/>
+                <a:stretch>
+                  <a:fillRect/>
+                </a:stretch>
+              </p:blipFill>
+            </mc:Fallback>
+          </mc:AlternateContent>
+          <p:spPr>
+            <a:xfrm>
+              <a:off x="1985283" y="6681443"/>
+              <a:ext cx="3176042" cy="2566761"/>
+            </a:xfrm>
+            <a:prstGeom prst="rect">
+              <a:avLst/>
+            </a:prstGeom>
+          </p:spPr>
+        </p:pic>
+        <p:sp>
+          <p:nvSpPr>
+            <p:cNvPr id="20" name="TextBox 19"/>
+            <p:cNvSpPr txBox="1"/>
+            <p:nvPr/>
+          </p:nvSpPr>
+          <p:spPr>
+            <a:xfrm>
+              <a:off x="854828" y="6542132"/>
+              <a:ext cx="386431" cy="431499"/>
+            </a:xfrm>
+            <a:prstGeom prst="rect">
+              <a:avLst/>
+            </a:prstGeom>
+            <a:noFill/>
+          </p:spPr>
+          <p:txBody>
+            <a:bodyPr wrap="none" lIns="107287" tIns="53643" rIns="107287" bIns="53643" rtlCol="0">
+              <a:spAutoFit/>
+            </a:bodyPr>
+            <a:lstStyle/>
+            <a:p>
+              <a:r>
+                <a:rPr lang="en-US" b="1" dirty="0" smtClean="0"/>
+                <a:t>D</a:t>
+              </a:r>
+              <a:endParaRPr lang="en-US" b="1" dirty="0"/>
+            </a:p>
+          </p:txBody>
+        </p:sp>
+        <p:grpSp>
+          <p:nvGrpSpPr>
+            <p:cNvPr id="170" name="Group 169"/>
+            <p:cNvGrpSpPr/>
+            <p:nvPr/>
+          </p:nvGrpSpPr>
+          <p:grpSpPr>
+            <a:xfrm>
+              <a:off x="2245904" y="9167228"/>
+              <a:ext cx="2785740" cy="354555"/>
+              <a:chOff x="2245904" y="9167228"/>
+              <a:chExt cx="2785740" cy="354555"/>
+            </a:xfrm>
+          </p:grpSpPr>
+          <p:sp>
+            <p:nvSpPr>
+              <p:cNvPr id="81" name="TextBox 80"/>
+              <p:cNvSpPr txBox="1"/>
+              <p:nvPr/>
+            </p:nvSpPr>
+            <p:spPr>
+              <a:xfrm>
+                <a:off x="3848549" y="9167228"/>
+                <a:ext cx="1183095" cy="354555"/>
+              </a:xfrm>
+              <a:prstGeom prst="rect">
+                <a:avLst/>
+              </a:prstGeom>
+              <a:noFill/>
+            </p:spPr>
+            <p:txBody>
+              <a:bodyPr wrap="square" lIns="107287" tIns="53643" rIns="107287" bIns="53643" rtlCol="0">
+                <a:spAutoFit/>
+              </a:bodyPr>
+              <a:lstStyle/>
+              <a:p>
+                <a:pPr algn="ctr"/>
+                <a:r>
+                  <a:rPr lang="en-GB" sz="1600" dirty="0" smtClean="0"/>
+                  <a:t># times</a:t>
+                </a:r>
+                <a:endParaRPr lang="en-US" sz="1600" baseline="-25000" dirty="0"/>
+              </a:p>
+            </p:txBody>
+          </p:sp>
+          <p:sp>
+            <p:nvSpPr>
+              <p:cNvPr id="82" name="TextBox 81"/>
+              <p:cNvSpPr txBox="1"/>
+              <p:nvPr/>
+            </p:nvSpPr>
+            <p:spPr>
+              <a:xfrm>
+                <a:off x="2245904" y="9167228"/>
+                <a:ext cx="1183095" cy="354555"/>
+              </a:xfrm>
+              <a:prstGeom prst="rect">
+                <a:avLst/>
+              </a:prstGeom>
+              <a:noFill/>
+            </p:spPr>
+            <p:txBody>
+              <a:bodyPr wrap="square" lIns="107287" tIns="53643" rIns="107287" bIns="53643" rtlCol="0">
+                <a:spAutoFit/>
+              </a:bodyPr>
+              <a:lstStyle/>
+              <a:p>
+                <a:pPr algn="ctr"/>
+                <a:r>
+                  <a:rPr lang="en-GB" sz="1600" dirty="0" smtClean="0"/>
+                  <a:t># times</a:t>
+                </a:r>
+                <a:endParaRPr lang="en-US" sz="1600" baseline="-25000" dirty="0"/>
+              </a:p>
+            </p:txBody>
+          </p:sp>
+        </p:grpSp>
+        <p:grpSp>
+          <p:nvGrpSpPr>
+            <p:cNvPr id="172" name="Group 171"/>
+            <p:cNvGrpSpPr/>
+            <p:nvPr/>
+          </p:nvGrpSpPr>
+          <p:grpSpPr>
+            <a:xfrm>
+              <a:off x="1355807" y="6915714"/>
+              <a:ext cx="354555" cy="2219795"/>
+              <a:chOff x="1355807" y="6915714"/>
+              <a:chExt cx="354555" cy="2219795"/>
+            </a:xfrm>
+          </p:grpSpPr>
+          <p:sp>
+            <p:nvSpPr>
+              <p:cNvPr id="87" name="TextBox 86"/>
+              <p:cNvSpPr txBox="1"/>
+              <p:nvPr/>
+            </p:nvSpPr>
+            <p:spPr>
+              <a:xfrm rot="16200000">
+                <a:off x="1046091" y="8471237"/>
+                <a:ext cx="973988" cy="354555"/>
+              </a:xfrm>
+              <a:prstGeom prst="rect">
+                <a:avLst/>
+              </a:prstGeom>
+              <a:noFill/>
+            </p:spPr>
+            <p:txBody>
+              <a:bodyPr wrap="none" lIns="107287" tIns="53643" rIns="107287" bIns="53643" rtlCol="0">
+                <a:spAutoFit/>
+              </a:bodyPr>
+              <a:lstStyle/>
+              <a:p>
+                <a:r>
+                  <a:rPr lang="en-GB" sz="1600" dirty="0" smtClean="0"/>
+                  <a:t>response</a:t>
+                </a:r>
+                <a:endParaRPr lang="en-US" sz="1600" baseline="-25000" dirty="0"/>
+              </a:p>
+            </p:txBody>
+          </p:sp>
+          <p:sp>
+            <p:nvSpPr>
+              <p:cNvPr id="93" name="TextBox 92"/>
+              <p:cNvSpPr txBox="1"/>
+              <p:nvPr/>
+            </p:nvSpPr>
+            <p:spPr>
+              <a:xfrm rot="16200000">
+                <a:off x="1046091" y="7225430"/>
+                <a:ext cx="973988" cy="354555"/>
+              </a:xfrm>
+              <a:prstGeom prst="rect">
+                <a:avLst/>
+              </a:prstGeom>
+              <a:noFill/>
+            </p:spPr>
+            <p:txBody>
+              <a:bodyPr wrap="none" lIns="107287" tIns="53643" rIns="107287" bIns="53643" rtlCol="0">
+                <a:spAutoFit/>
+              </a:bodyPr>
+              <a:lstStyle/>
+              <a:p>
+                <a:r>
+                  <a:rPr lang="en-GB" sz="1600" dirty="0" smtClean="0"/>
+                  <a:t>response</a:t>
+                </a:r>
+                <a:endParaRPr lang="en-US" sz="1600" baseline="-25000" dirty="0"/>
+              </a:p>
+            </p:txBody>
+          </p:sp>
+        </p:grpSp>
+        <p:grpSp>
+          <p:nvGrpSpPr>
+            <p:cNvPr id="169" name="Group 168"/>
+            <p:cNvGrpSpPr/>
+            <p:nvPr/>
+          </p:nvGrpSpPr>
+          <p:grpSpPr>
+            <a:xfrm>
+              <a:off x="2194665" y="7687039"/>
+              <a:ext cx="2886388" cy="1611961"/>
+              <a:chOff x="2194665" y="7687039"/>
+              <a:chExt cx="2886388" cy="1611961"/>
+            </a:xfrm>
+          </p:grpSpPr>
+          <p:grpSp>
+            <p:nvGrpSpPr>
+              <p:cNvPr id="143" name="Group 142"/>
+              <p:cNvGrpSpPr/>
+              <p:nvPr/>
+            </p:nvGrpSpPr>
+            <p:grpSpPr>
+              <a:xfrm>
+                <a:off x="3793910" y="8975223"/>
+                <a:ext cx="1287143" cy="323777"/>
+                <a:chOff x="2194665" y="7737840"/>
+                <a:chExt cx="1287143" cy="323777"/>
+              </a:xfrm>
+            </p:grpSpPr>
+            <p:sp>
+              <p:nvSpPr>
+                <p:cNvPr id="60" name="TextBox 59"/>
+                <p:cNvSpPr txBox="1"/>
+                <p:nvPr/>
+              </p:nvSpPr>
+              <p:spPr>
+                <a:xfrm>
+                  <a:off x="3106145" y="7737840"/>
+                  <a:ext cx="375663" cy="323777"/>
+                </a:xfrm>
+                <a:prstGeom prst="rect">
+                  <a:avLst/>
+                </a:prstGeom>
+                <a:noFill/>
+              </p:spPr>
+              <p:txBody>
+                <a:bodyPr wrap="square" lIns="107287" tIns="53643" rIns="107287" bIns="53643" rtlCol="0">
+                  <a:spAutoFit/>
+                </a:bodyPr>
+                <a:lstStyle/>
+                <a:p>
+                  <a:pPr algn="ctr"/>
+                  <a:r>
+                    <a:rPr lang="en-US" sz="1400" dirty="0" smtClean="0"/>
+                    <a:t>4</a:t>
+                  </a:r>
+                  <a:endParaRPr lang="en-US" sz="1400" dirty="0"/>
+                </a:p>
+              </p:txBody>
+            </p:sp>
+            <p:sp>
+              <p:nvSpPr>
+                <p:cNvPr id="61" name="TextBox 60"/>
+                <p:cNvSpPr txBox="1"/>
+                <p:nvPr/>
+              </p:nvSpPr>
+              <p:spPr>
+                <a:xfrm>
+                  <a:off x="2804566" y="7737840"/>
+                  <a:ext cx="375663" cy="323777"/>
+                </a:xfrm>
+                <a:prstGeom prst="rect">
+                  <a:avLst/>
+                </a:prstGeom>
+                <a:noFill/>
+              </p:spPr>
+              <p:txBody>
+                <a:bodyPr wrap="square" lIns="107287" tIns="53643" rIns="107287" bIns="53643" rtlCol="0">
+                  <a:spAutoFit/>
+                </a:bodyPr>
+                <a:lstStyle/>
+                <a:p>
+                  <a:pPr algn="ctr"/>
+                  <a:r>
+                    <a:rPr lang="en-US" sz="1400" dirty="0" smtClean="0"/>
+                    <a:t>3</a:t>
+                  </a:r>
+                  <a:endParaRPr lang="en-US" sz="1400" dirty="0"/>
+                </a:p>
+              </p:txBody>
+            </p:sp>
+            <p:sp>
+              <p:nvSpPr>
+                <p:cNvPr id="62" name="TextBox 61"/>
+                <p:cNvSpPr txBox="1"/>
+                <p:nvPr/>
+              </p:nvSpPr>
+              <p:spPr>
+                <a:xfrm>
+                  <a:off x="2499419" y="7737840"/>
+                  <a:ext cx="375663" cy="323777"/>
+                </a:xfrm>
+                <a:prstGeom prst="rect">
+                  <a:avLst/>
+                </a:prstGeom>
+                <a:noFill/>
+              </p:spPr>
+              <p:txBody>
+                <a:bodyPr wrap="square" lIns="107287" tIns="53643" rIns="107287" bIns="53643" rtlCol="0">
+                  <a:spAutoFit/>
+                </a:bodyPr>
+                <a:lstStyle/>
+                <a:p>
+                  <a:pPr algn="ctr"/>
+                  <a:r>
+                    <a:rPr lang="en-US" sz="1400" dirty="0" smtClean="0"/>
+                    <a:t>2</a:t>
+                  </a:r>
+                  <a:endParaRPr lang="en-US" sz="1400" dirty="0"/>
+                </a:p>
+              </p:txBody>
+            </p:sp>
+            <p:sp>
+              <p:nvSpPr>
+                <p:cNvPr id="63" name="TextBox 62"/>
+                <p:cNvSpPr txBox="1"/>
+                <p:nvPr/>
+              </p:nvSpPr>
+              <p:spPr>
+                <a:xfrm>
+                  <a:off x="2194665" y="7737840"/>
+                  <a:ext cx="375663" cy="323777"/>
+                </a:xfrm>
+                <a:prstGeom prst="rect">
+                  <a:avLst/>
+                </a:prstGeom>
+                <a:noFill/>
+              </p:spPr>
+              <p:txBody>
+                <a:bodyPr wrap="square" lIns="107287" tIns="53643" rIns="107287" bIns="53643" rtlCol="0">
+                  <a:spAutoFit/>
+                </a:bodyPr>
+                <a:lstStyle/>
+                <a:p>
+                  <a:pPr algn="ctr"/>
+                  <a:r>
+                    <a:rPr lang="en-US" sz="1400" dirty="0" smtClean="0"/>
+                    <a:t>1</a:t>
+                  </a:r>
+                  <a:endParaRPr lang="en-US" sz="1400" dirty="0"/>
+                </a:p>
+              </p:txBody>
+            </p:sp>
+          </p:grpSp>
+          <p:grpSp>
+            <p:nvGrpSpPr>
+              <p:cNvPr id="149" name="Group 148"/>
+              <p:cNvGrpSpPr/>
+              <p:nvPr/>
+            </p:nvGrpSpPr>
+            <p:grpSpPr>
+              <a:xfrm>
+                <a:off x="2194665" y="8975223"/>
+                <a:ext cx="1287143" cy="323777"/>
+                <a:chOff x="2194665" y="7737840"/>
+                <a:chExt cx="1287143" cy="323777"/>
+              </a:xfrm>
+            </p:grpSpPr>
+            <p:sp>
+              <p:nvSpPr>
+                <p:cNvPr id="150" name="TextBox 149"/>
+                <p:cNvSpPr txBox="1"/>
+                <p:nvPr/>
+              </p:nvSpPr>
+              <p:spPr>
+                <a:xfrm>
+                  <a:off x="3106145" y="7737840"/>
+                  <a:ext cx="375663" cy="323777"/>
+                </a:xfrm>
+                <a:prstGeom prst="rect">
+                  <a:avLst/>
+                </a:prstGeom>
+                <a:noFill/>
+              </p:spPr>
+              <p:txBody>
+                <a:bodyPr wrap="square" lIns="107287" tIns="53643" rIns="107287" bIns="53643" rtlCol="0">
+                  <a:spAutoFit/>
+                </a:bodyPr>
+                <a:lstStyle/>
+                <a:p>
+                  <a:pPr algn="ctr"/>
+                  <a:r>
+                    <a:rPr lang="en-US" sz="1400" dirty="0" smtClean="0"/>
+                    <a:t>4</a:t>
+                  </a:r>
+                  <a:endParaRPr lang="en-US" sz="1400" dirty="0"/>
+                </a:p>
+              </p:txBody>
+            </p:sp>
+            <p:sp>
+              <p:nvSpPr>
+                <p:cNvPr id="151" name="TextBox 150"/>
+                <p:cNvSpPr txBox="1"/>
+                <p:nvPr/>
+              </p:nvSpPr>
+              <p:spPr>
+                <a:xfrm>
+                  <a:off x="2804566" y="7737840"/>
+                  <a:ext cx="375663" cy="323777"/>
+                </a:xfrm>
+                <a:prstGeom prst="rect">
+                  <a:avLst/>
+                </a:prstGeom>
+                <a:noFill/>
+              </p:spPr>
+              <p:txBody>
+                <a:bodyPr wrap="square" lIns="107287" tIns="53643" rIns="107287" bIns="53643" rtlCol="0">
+                  <a:spAutoFit/>
+                </a:bodyPr>
+                <a:lstStyle/>
+                <a:p>
+                  <a:pPr algn="ctr"/>
+                  <a:r>
+                    <a:rPr lang="en-US" sz="1400" dirty="0" smtClean="0"/>
+                    <a:t>3</a:t>
+                  </a:r>
+                  <a:endParaRPr lang="en-US" sz="1400" dirty="0"/>
+                </a:p>
+              </p:txBody>
+            </p:sp>
+            <p:sp>
+              <p:nvSpPr>
+                <p:cNvPr id="152" name="TextBox 151"/>
+                <p:cNvSpPr txBox="1"/>
+                <p:nvPr/>
+              </p:nvSpPr>
+              <p:spPr>
+                <a:xfrm>
+                  <a:off x="2499419" y="7737840"/>
+                  <a:ext cx="375663" cy="323777"/>
+                </a:xfrm>
+                <a:prstGeom prst="rect">
+                  <a:avLst/>
+                </a:prstGeom>
+                <a:noFill/>
+              </p:spPr>
+              <p:txBody>
+                <a:bodyPr wrap="square" lIns="107287" tIns="53643" rIns="107287" bIns="53643" rtlCol="0">
+                  <a:spAutoFit/>
+                </a:bodyPr>
+                <a:lstStyle/>
+                <a:p>
+                  <a:pPr algn="ctr"/>
+                  <a:r>
+                    <a:rPr lang="en-US" sz="1400" dirty="0" smtClean="0"/>
+                    <a:t>2</a:t>
+                  </a:r>
+                  <a:endParaRPr lang="en-US" sz="1400" dirty="0"/>
+                </a:p>
+              </p:txBody>
+            </p:sp>
+            <p:sp>
+              <p:nvSpPr>
+                <p:cNvPr id="153" name="TextBox 152"/>
+                <p:cNvSpPr txBox="1"/>
+                <p:nvPr/>
+              </p:nvSpPr>
+              <p:spPr>
+                <a:xfrm>
+                  <a:off x="2194665" y="7737840"/>
+                  <a:ext cx="375663" cy="323777"/>
+                </a:xfrm>
+                <a:prstGeom prst="rect">
+                  <a:avLst/>
+                </a:prstGeom>
+                <a:noFill/>
+              </p:spPr>
+              <p:txBody>
+                <a:bodyPr wrap="square" lIns="107287" tIns="53643" rIns="107287" bIns="53643" rtlCol="0">
+                  <a:spAutoFit/>
+                </a:bodyPr>
+                <a:lstStyle/>
+                <a:p>
+                  <a:pPr algn="ctr"/>
+                  <a:r>
+                    <a:rPr lang="en-US" sz="1400" dirty="0" smtClean="0"/>
+                    <a:t>1</a:t>
+                  </a:r>
+                  <a:endParaRPr lang="en-US" sz="1400" dirty="0"/>
+                </a:p>
+              </p:txBody>
+            </p:sp>
+          </p:grpSp>
+          <p:grpSp>
+            <p:nvGrpSpPr>
+              <p:cNvPr id="154" name="Group 153"/>
+              <p:cNvGrpSpPr/>
+              <p:nvPr/>
+            </p:nvGrpSpPr>
+            <p:grpSpPr>
+              <a:xfrm>
+                <a:off x="3793910" y="7687039"/>
+                <a:ext cx="1287143" cy="323777"/>
+                <a:chOff x="2194665" y="7737840"/>
+                <a:chExt cx="1287143" cy="323777"/>
+              </a:xfrm>
+            </p:grpSpPr>
+            <p:sp>
+              <p:nvSpPr>
+                <p:cNvPr id="155" name="TextBox 154"/>
+                <p:cNvSpPr txBox="1"/>
+                <p:nvPr/>
+              </p:nvSpPr>
+              <p:spPr>
+                <a:xfrm>
+                  <a:off x="3106145" y="7737840"/>
+                  <a:ext cx="375663" cy="323777"/>
+                </a:xfrm>
+                <a:prstGeom prst="rect">
+                  <a:avLst/>
+                </a:prstGeom>
+                <a:noFill/>
+              </p:spPr>
+              <p:txBody>
+                <a:bodyPr wrap="square" lIns="107287" tIns="53643" rIns="107287" bIns="53643" rtlCol="0">
+                  <a:spAutoFit/>
+                </a:bodyPr>
+                <a:lstStyle/>
+                <a:p>
+                  <a:pPr algn="ctr"/>
+                  <a:r>
+                    <a:rPr lang="en-US" sz="1400" dirty="0" smtClean="0"/>
+                    <a:t>4</a:t>
+                  </a:r>
+                  <a:endParaRPr lang="en-US" sz="1400" dirty="0"/>
+                </a:p>
+              </p:txBody>
+            </p:sp>
+            <p:sp>
+              <p:nvSpPr>
+                <p:cNvPr id="156" name="TextBox 155"/>
+                <p:cNvSpPr txBox="1"/>
+                <p:nvPr/>
+              </p:nvSpPr>
+              <p:spPr>
+                <a:xfrm>
+                  <a:off x="2804566" y="7737840"/>
+                  <a:ext cx="375663" cy="323777"/>
+                </a:xfrm>
+                <a:prstGeom prst="rect">
+                  <a:avLst/>
+                </a:prstGeom>
+                <a:noFill/>
+              </p:spPr>
+              <p:txBody>
+                <a:bodyPr wrap="square" lIns="107287" tIns="53643" rIns="107287" bIns="53643" rtlCol="0">
+                  <a:spAutoFit/>
+                </a:bodyPr>
+                <a:lstStyle/>
+                <a:p>
+                  <a:pPr algn="ctr"/>
+                  <a:r>
+                    <a:rPr lang="en-US" sz="1400" dirty="0" smtClean="0"/>
+                    <a:t>3</a:t>
+                  </a:r>
+                  <a:endParaRPr lang="en-US" sz="1400" dirty="0"/>
+                </a:p>
+              </p:txBody>
+            </p:sp>
+            <p:sp>
+              <p:nvSpPr>
+                <p:cNvPr id="157" name="TextBox 156"/>
+                <p:cNvSpPr txBox="1"/>
+                <p:nvPr/>
+              </p:nvSpPr>
+              <p:spPr>
+                <a:xfrm>
+                  <a:off x="2499419" y="7737840"/>
+                  <a:ext cx="375663" cy="323777"/>
+                </a:xfrm>
+                <a:prstGeom prst="rect">
+                  <a:avLst/>
+                </a:prstGeom>
+                <a:noFill/>
+              </p:spPr>
+              <p:txBody>
+                <a:bodyPr wrap="square" lIns="107287" tIns="53643" rIns="107287" bIns="53643" rtlCol="0">
+                  <a:spAutoFit/>
+                </a:bodyPr>
+                <a:lstStyle/>
+                <a:p>
+                  <a:pPr algn="ctr"/>
+                  <a:r>
+                    <a:rPr lang="en-US" sz="1400" dirty="0" smtClean="0"/>
+                    <a:t>2</a:t>
+                  </a:r>
+                  <a:endParaRPr lang="en-US" sz="1400" dirty="0"/>
+                </a:p>
+              </p:txBody>
+            </p:sp>
+            <p:sp>
+              <p:nvSpPr>
+                <p:cNvPr id="158" name="TextBox 157"/>
+                <p:cNvSpPr txBox="1"/>
+                <p:nvPr/>
+              </p:nvSpPr>
+              <p:spPr>
+                <a:xfrm>
+                  <a:off x="2194665" y="7737840"/>
+                  <a:ext cx="375663" cy="323777"/>
+                </a:xfrm>
+                <a:prstGeom prst="rect">
+                  <a:avLst/>
+                </a:prstGeom>
+                <a:noFill/>
+              </p:spPr>
+              <p:txBody>
+                <a:bodyPr wrap="square" lIns="107287" tIns="53643" rIns="107287" bIns="53643" rtlCol="0">
+                  <a:spAutoFit/>
+                </a:bodyPr>
+                <a:lstStyle/>
+                <a:p>
+                  <a:pPr algn="ctr"/>
+                  <a:r>
+                    <a:rPr lang="en-US" sz="1400" dirty="0" smtClean="0"/>
+                    <a:t>1</a:t>
+                  </a:r>
+                  <a:endParaRPr lang="en-US" sz="1400" dirty="0"/>
+                </a:p>
+              </p:txBody>
+            </p:sp>
+          </p:grpSp>
+          <p:grpSp>
+            <p:nvGrpSpPr>
+              <p:cNvPr id="159" name="Group 158"/>
+              <p:cNvGrpSpPr/>
+              <p:nvPr/>
+            </p:nvGrpSpPr>
+            <p:grpSpPr>
+              <a:xfrm>
+                <a:off x="2194665" y="7687039"/>
+                <a:ext cx="1287143" cy="323777"/>
+                <a:chOff x="2194665" y="7737840"/>
+                <a:chExt cx="1287143" cy="323777"/>
+              </a:xfrm>
+            </p:grpSpPr>
+            <p:sp>
+              <p:nvSpPr>
+                <p:cNvPr id="160" name="TextBox 159"/>
+                <p:cNvSpPr txBox="1"/>
+                <p:nvPr/>
+              </p:nvSpPr>
+              <p:spPr>
+                <a:xfrm>
+                  <a:off x="3106145" y="7737840"/>
+                  <a:ext cx="375663" cy="323777"/>
+                </a:xfrm>
+                <a:prstGeom prst="rect">
+                  <a:avLst/>
+                </a:prstGeom>
+                <a:noFill/>
+              </p:spPr>
+              <p:txBody>
+                <a:bodyPr wrap="square" lIns="107287" tIns="53643" rIns="107287" bIns="53643" rtlCol="0">
+                  <a:spAutoFit/>
+                </a:bodyPr>
+                <a:lstStyle/>
+                <a:p>
+                  <a:pPr algn="ctr"/>
+                  <a:r>
+                    <a:rPr lang="en-US" sz="1400" dirty="0" smtClean="0"/>
+                    <a:t>4</a:t>
+                  </a:r>
+                  <a:endParaRPr lang="en-US" sz="1400" dirty="0"/>
+                </a:p>
+              </p:txBody>
+            </p:sp>
+            <p:sp>
+              <p:nvSpPr>
+                <p:cNvPr id="161" name="TextBox 160"/>
+                <p:cNvSpPr txBox="1"/>
+                <p:nvPr/>
+              </p:nvSpPr>
+              <p:spPr>
+                <a:xfrm>
+                  <a:off x="2804566" y="7737840"/>
+                  <a:ext cx="375663" cy="323777"/>
+                </a:xfrm>
+                <a:prstGeom prst="rect">
+                  <a:avLst/>
+                </a:prstGeom>
+                <a:noFill/>
+              </p:spPr>
+              <p:txBody>
+                <a:bodyPr wrap="square" lIns="107287" tIns="53643" rIns="107287" bIns="53643" rtlCol="0">
+                  <a:spAutoFit/>
+                </a:bodyPr>
+                <a:lstStyle/>
+                <a:p>
+                  <a:pPr algn="ctr"/>
+                  <a:r>
+                    <a:rPr lang="en-US" sz="1400" dirty="0" smtClean="0"/>
+                    <a:t>3</a:t>
+                  </a:r>
+                  <a:endParaRPr lang="en-US" sz="1400" dirty="0"/>
+                </a:p>
+              </p:txBody>
+            </p:sp>
+            <p:sp>
+              <p:nvSpPr>
+                <p:cNvPr id="162" name="TextBox 161"/>
+                <p:cNvSpPr txBox="1"/>
+                <p:nvPr/>
+              </p:nvSpPr>
+              <p:spPr>
+                <a:xfrm>
+                  <a:off x="2499419" y="7737840"/>
+                  <a:ext cx="375663" cy="323777"/>
+                </a:xfrm>
+                <a:prstGeom prst="rect">
+                  <a:avLst/>
+                </a:prstGeom>
+                <a:noFill/>
+              </p:spPr>
+              <p:txBody>
+                <a:bodyPr wrap="square" lIns="107287" tIns="53643" rIns="107287" bIns="53643" rtlCol="0">
+                  <a:spAutoFit/>
+                </a:bodyPr>
+                <a:lstStyle/>
+                <a:p>
+                  <a:pPr algn="ctr"/>
+                  <a:r>
+                    <a:rPr lang="en-US" sz="1400" dirty="0" smtClean="0"/>
+                    <a:t>2</a:t>
+                  </a:r>
+                  <a:endParaRPr lang="en-US" sz="1400" dirty="0"/>
+                </a:p>
+              </p:txBody>
+            </p:sp>
+            <p:sp>
+              <p:nvSpPr>
+                <p:cNvPr id="163" name="TextBox 162"/>
+                <p:cNvSpPr txBox="1"/>
+                <p:nvPr/>
+              </p:nvSpPr>
+              <p:spPr>
+                <a:xfrm>
+                  <a:off x="2194665" y="7737840"/>
+                  <a:ext cx="375663" cy="323777"/>
+                </a:xfrm>
+                <a:prstGeom prst="rect">
+                  <a:avLst/>
+                </a:prstGeom>
+                <a:noFill/>
+              </p:spPr>
+              <p:txBody>
+                <a:bodyPr wrap="square" lIns="107287" tIns="53643" rIns="107287" bIns="53643" rtlCol="0">
+                  <a:spAutoFit/>
+                </a:bodyPr>
+                <a:lstStyle/>
+                <a:p>
+                  <a:pPr algn="ctr"/>
+                  <a:r>
+                    <a:rPr lang="en-US" sz="1400" dirty="0" smtClean="0"/>
+                    <a:t>1</a:t>
+                  </a:r>
+                  <a:endParaRPr lang="en-US" sz="1400" dirty="0"/>
+                </a:p>
+              </p:txBody>
+            </p:sp>
+          </p:grpSp>
+        </p:grpSp>
+        <p:grpSp>
+          <p:nvGrpSpPr>
+            <p:cNvPr id="171" name="Group 170"/>
+            <p:cNvGrpSpPr/>
+            <p:nvPr/>
+          </p:nvGrpSpPr>
+          <p:grpSpPr>
+            <a:xfrm>
+              <a:off x="1539168" y="6649854"/>
+              <a:ext cx="728081" cy="2538539"/>
+              <a:chOff x="1539168" y="6649854"/>
+              <a:chExt cx="728081" cy="2538539"/>
+            </a:xfrm>
+          </p:grpSpPr>
+          <p:grpSp>
+            <p:nvGrpSpPr>
+              <p:cNvPr id="164" name="Group 163"/>
+              <p:cNvGrpSpPr/>
+              <p:nvPr/>
+            </p:nvGrpSpPr>
+            <p:grpSpPr>
+              <a:xfrm>
+                <a:off x="1539168" y="7937313"/>
+                <a:ext cx="728081" cy="1251080"/>
+                <a:chOff x="1470932" y="6649854"/>
+                <a:chExt cx="728081" cy="1251080"/>
+              </a:xfrm>
+            </p:grpSpPr>
+            <p:sp>
+              <p:nvSpPr>
+                <p:cNvPr id="64" name="TextBox 63"/>
+                <p:cNvSpPr txBox="1"/>
+                <p:nvPr/>
+              </p:nvSpPr>
+              <p:spPr>
+                <a:xfrm>
+                  <a:off x="1470932" y="6649854"/>
+                  <a:ext cx="728080" cy="323777"/>
+                </a:xfrm>
+                <a:prstGeom prst="rect">
+                  <a:avLst/>
+                </a:prstGeom>
+                <a:noFill/>
+              </p:spPr>
+              <p:txBody>
+                <a:bodyPr wrap="square" lIns="107287" tIns="53643" rIns="107287" bIns="53643" rtlCol="0">
+                  <a:spAutoFit/>
+                </a:bodyPr>
+                <a:lstStyle/>
+                <a:p>
+                  <a:pPr algn="r"/>
+                  <a:r>
+                    <a:rPr lang="en-US" sz="1400" dirty="0" smtClean="0"/>
+                    <a:t>100%</a:t>
+                  </a:r>
+                  <a:endParaRPr lang="en-US" sz="1400" dirty="0"/>
+                </a:p>
+              </p:txBody>
+            </p:sp>
+            <p:sp>
+              <p:nvSpPr>
+                <p:cNvPr id="67" name="TextBox 66"/>
+                <p:cNvSpPr txBox="1"/>
+                <p:nvPr/>
+              </p:nvSpPr>
+              <p:spPr>
+                <a:xfrm>
+                  <a:off x="1533073" y="7114050"/>
+                  <a:ext cx="665940" cy="323777"/>
+                </a:xfrm>
+                <a:prstGeom prst="rect">
+                  <a:avLst/>
+                </a:prstGeom>
+                <a:noFill/>
+              </p:spPr>
+              <p:txBody>
+                <a:bodyPr wrap="square" lIns="107287" tIns="53643" rIns="107287" bIns="53643" rtlCol="0">
+                  <a:spAutoFit/>
+                </a:bodyPr>
+                <a:lstStyle/>
+                <a:p>
+                  <a:pPr algn="r"/>
+                  <a:r>
+                    <a:rPr lang="en-US" sz="1400" dirty="0" smtClean="0"/>
+                    <a:t>50%</a:t>
+                  </a:r>
+                  <a:endParaRPr lang="en-US" sz="1400" dirty="0"/>
+                </a:p>
+              </p:txBody>
+            </p:sp>
+            <p:sp>
+              <p:nvSpPr>
+                <p:cNvPr id="72" name="TextBox 71"/>
+                <p:cNvSpPr txBox="1"/>
+                <p:nvPr/>
+              </p:nvSpPr>
+              <p:spPr>
+                <a:xfrm>
+                  <a:off x="1533071" y="7577157"/>
+                  <a:ext cx="665940" cy="323777"/>
+                </a:xfrm>
+                <a:prstGeom prst="rect">
+                  <a:avLst/>
+                </a:prstGeom>
+                <a:noFill/>
+              </p:spPr>
+              <p:txBody>
+                <a:bodyPr wrap="square" lIns="107287" tIns="53643" rIns="107287" bIns="53643" rtlCol="0">
+                  <a:spAutoFit/>
+                </a:bodyPr>
+                <a:lstStyle/>
+                <a:p>
+                  <a:pPr algn="r"/>
+                  <a:r>
+                    <a:rPr lang="en-US" sz="1400" dirty="0" smtClean="0"/>
+                    <a:t>0%</a:t>
+                  </a:r>
+                  <a:endParaRPr lang="en-US" sz="1400" dirty="0"/>
+                </a:p>
+              </p:txBody>
+            </p:sp>
+          </p:grpSp>
+          <p:grpSp>
+            <p:nvGrpSpPr>
+              <p:cNvPr id="165" name="Group 164"/>
+              <p:cNvGrpSpPr/>
+              <p:nvPr/>
+            </p:nvGrpSpPr>
+            <p:grpSpPr>
+              <a:xfrm>
+                <a:off x="1539168" y="6649854"/>
+                <a:ext cx="728081" cy="1251080"/>
+                <a:chOff x="1470932" y="6649854"/>
+                <a:chExt cx="728081" cy="1251080"/>
+              </a:xfrm>
+            </p:grpSpPr>
+            <p:sp>
+              <p:nvSpPr>
+                <p:cNvPr id="166" name="TextBox 165"/>
+                <p:cNvSpPr txBox="1"/>
+                <p:nvPr/>
+              </p:nvSpPr>
+              <p:spPr>
+                <a:xfrm>
+                  <a:off x="1470932" y="6649854"/>
+                  <a:ext cx="728080" cy="323777"/>
+                </a:xfrm>
+                <a:prstGeom prst="rect">
+                  <a:avLst/>
+                </a:prstGeom>
+                <a:noFill/>
+              </p:spPr>
+              <p:txBody>
+                <a:bodyPr wrap="square" lIns="107287" tIns="53643" rIns="107287" bIns="53643" rtlCol="0">
+                  <a:spAutoFit/>
+                </a:bodyPr>
+                <a:lstStyle/>
+                <a:p>
+                  <a:pPr algn="r"/>
+                  <a:r>
+                    <a:rPr lang="en-US" sz="1400" dirty="0" smtClean="0"/>
+                    <a:t>100%</a:t>
+                  </a:r>
+                  <a:endParaRPr lang="en-US" sz="1400" dirty="0"/>
+                </a:p>
+              </p:txBody>
+            </p:sp>
+            <p:sp>
+              <p:nvSpPr>
+                <p:cNvPr id="167" name="TextBox 166"/>
+                <p:cNvSpPr txBox="1"/>
+                <p:nvPr/>
+              </p:nvSpPr>
+              <p:spPr>
+                <a:xfrm>
+                  <a:off x="1533073" y="7114050"/>
+                  <a:ext cx="665940" cy="323777"/>
+                </a:xfrm>
+                <a:prstGeom prst="rect">
+                  <a:avLst/>
+                </a:prstGeom>
+                <a:noFill/>
+              </p:spPr>
+              <p:txBody>
+                <a:bodyPr wrap="square" lIns="107287" tIns="53643" rIns="107287" bIns="53643" rtlCol="0">
+                  <a:spAutoFit/>
+                </a:bodyPr>
+                <a:lstStyle/>
+                <a:p>
+                  <a:pPr algn="r"/>
+                  <a:r>
+                    <a:rPr lang="en-US" sz="1400" dirty="0" smtClean="0"/>
+                    <a:t>50%</a:t>
+                  </a:r>
+                  <a:endParaRPr lang="en-US" sz="1400" dirty="0"/>
+                </a:p>
+              </p:txBody>
+            </p:sp>
+            <p:sp>
+              <p:nvSpPr>
+                <p:cNvPr id="168" name="TextBox 167"/>
+                <p:cNvSpPr txBox="1"/>
+                <p:nvPr/>
+              </p:nvSpPr>
+              <p:spPr>
+                <a:xfrm>
+                  <a:off x="1533071" y="7577157"/>
+                  <a:ext cx="665940" cy="323777"/>
+                </a:xfrm>
+                <a:prstGeom prst="rect">
+                  <a:avLst/>
+                </a:prstGeom>
+                <a:noFill/>
+              </p:spPr>
+              <p:txBody>
+                <a:bodyPr wrap="square" lIns="107287" tIns="53643" rIns="107287" bIns="53643" rtlCol="0">
+                  <a:spAutoFit/>
+                </a:bodyPr>
+                <a:lstStyle/>
+                <a:p>
+                  <a:pPr algn="r"/>
+                  <a:r>
+                    <a:rPr lang="en-US" sz="1400" dirty="0" smtClean="0"/>
+                    <a:t>0%</a:t>
+                  </a:r>
+                  <a:endParaRPr lang="en-US" sz="1400" dirty="0"/>
+                </a:p>
+              </p:txBody>
+            </p:sp>
+          </p:grpSp>
+        </p:grpSp>
+      </p:grpSp>
     </p:spTree>
   </p:cSld>
   <p:clrMapOvr>
